--- a/Additionnal documents/Report/Gantt_Chart.pptx
+++ b/Additionnal documents/Report/Gantt_Chart.pptx
@@ -5,13 +5,14 @@
     <p:sldMasterId id="2147483660" r:id="rId1"/>
   </p:sldMasterIdLst>
   <p:notesMasterIdLst>
-    <p:notesMasterId r:id="rId3"/>
+    <p:notesMasterId r:id="rId4"/>
   </p:notesMasterIdLst>
   <p:handoutMasterIdLst>
-    <p:handoutMasterId r:id="rId4"/>
+    <p:handoutMasterId r:id="rId5"/>
   </p:handoutMasterIdLst>
   <p:sldIdLst>
     <p:sldId id="262" r:id="rId2"/>
+    <p:sldId id="263" r:id="rId3"/>
   </p:sldIdLst>
   <p:sldSz cx="12192000" cy="6858000"/>
   <p:notesSz cx="6858000" cy="9144000"/>
@@ -226,7 +227,7 @@
           <a:p>
             <a:fld id="{5C0F00CE-9AD9-480E-8111-6DE11AA586CD}" type="datetimeFigureOut">
               <a:rPr lang="fr-FR" smtClean="0"/>
-              <a:t>01/10/2018</a:t>
+              <a:t>06/01/2019</a:t>
             </a:fld>
             <a:endParaRPr lang="fr-FR" dirty="0"/>
           </a:p>
@@ -403,7 +404,7 @@
           <a:p>
             <a:fld id="{85405035-5005-47CB-816B-73034E0515D9}" type="datetimeFigureOut">
               <a:rPr lang="fr-FR" noProof="0" smtClean="0"/>
-              <a:t>01/10/2018</a:t>
+              <a:t>06/01/2019</a:t>
             </a:fld>
             <a:endParaRPr lang="fr-FR" noProof="0"/>
           </a:p>
@@ -1561,7 +1562,7 @@
                         <a:t>T</a:t>
                       </a:r>
                       <a:r>
-                        <a:rPr lang="fr-CH" sz="1800" b="1" dirty="0" err="1">
+                        <a:rPr lang="fr-CH" sz="1800" b="1" dirty="0">
                           <a:solidFill>
                             <a:schemeClr val="bg1"/>
                           </a:solidFill>
@@ -1847,14 +1848,14 @@
           <p:nvPr>
             <p:extLst>
               <p:ext uri="{D42A27DB-BD31-4B8C-83A1-F6EECF244321}">
-                <p14:modId xmlns:p14="http://schemas.microsoft.com/office/powerpoint/2010/main" val="3350065684"/>
+                <p14:modId xmlns:p14="http://schemas.microsoft.com/office/powerpoint/2010/main" val="334570601"/>
               </p:ext>
             </p:extLst>
           </p:nvPr>
         </p:nvGraphicFramePr>
         <p:xfrm>
           <a:off x="335360" y="1916831"/>
-          <a:ext cx="8625254" cy="3726421"/>
+          <a:ext cx="8625254" cy="3482581"/>
         </p:xfrm>
         <a:graphic>
           <a:graphicData uri="http://schemas.openxmlformats.org/drawingml/2006/table">
@@ -7748,35 +7749,22 @@
                     <a:p>
                       <a:pPr rtl="0"/>
                       <a:r>
-                        <a:rPr lang="fr" sz="1400" dirty="0">
+                        <a:rPr lang="fr-CH" sz="1400" dirty="0">
                           <a:solidFill>
                             <a:schemeClr val="bg1"/>
                           </a:solidFill>
                           <a:latin typeface="+mn-lt"/>
                           <a:cs typeface="Arial" panose="020B0604020202020204" pitchFamily="34" charset="0"/>
                         </a:rPr>
-                        <a:t>A</a:t>
+                        <a:t>Aerofoil shape</a:t>
                       </a:r>
-                      <a:r>
-                        <a:rPr lang="fr-CH" sz="1400" dirty="0" err="1">
-                          <a:solidFill>
-                            <a:schemeClr val="bg1"/>
-                          </a:solidFill>
-                          <a:latin typeface="+mn-lt"/>
-                          <a:cs typeface="Arial" panose="020B0604020202020204" pitchFamily="34" charset="0"/>
-                        </a:rPr>
-                        <a:t>ero</a:t>
-                      </a:r>
-                      <a:r>
-                        <a:rPr lang="fr" sz="1400" dirty="0">
-                          <a:solidFill>
-                            <a:schemeClr val="bg1"/>
-                          </a:solidFill>
-                          <a:latin typeface="+mn-lt"/>
-                          <a:cs typeface="Arial" panose="020B0604020202020204" pitchFamily="34" charset="0"/>
-                        </a:rPr>
-                        <a:t>foil geometry</a:t>
-                      </a:r>
+                      <a:endParaRPr lang="fr" sz="1400" dirty="0">
+                        <a:solidFill>
+                          <a:schemeClr val="bg1"/>
+                        </a:solidFill>
+                        <a:latin typeface="+mn-lt"/>
+                        <a:cs typeface="Arial" panose="020B0604020202020204" pitchFamily="34" charset="0"/>
+                      </a:endParaRPr>
                     </a:p>
                   </a:txBody>
                   <a:tcPr marL="99020" marR="99020" marT="49510" marB="49510">
@@ -8868,2245 +8856,6 @@
                 <a:extLst>
                   <a:ext uri="{0D108BD9-81ED-4DB2-BD59-A6C34878D82A}">
                     <a16:rowId xmlns:a16="http://schemas.microsoft.com/office/drawing/2014/main" val="10006"/>
-                  </a:ext>
-                </a:extLst>
-              </a:tr>
-              <a:tr h="398276">
-                <a:tc>
-                  <a:txBody>
-                    <a:bodyPr/>
-                    <a:lstStyle/>
-                    <a:p>
-                      <a:pPr rtl="0"/>
-                      <a:r>
-                        <a:rPr lang="fr-CH" sz="1400" dirty="0" err="1">
-                          <a:solidFill>
-                            <a:schemeClr val="bg1"/>
-                          </a:solidFill>
-                          <a:latin typeface="+mn-lt"/>
-                          <a:cs typeface="Arial" panose="020B0604020202020204" pitchFamily="34" charset="0"/>
-                        </a:rPr>
-                        <a:t>Xfoil</a:t>
-                      </a:r>
-                      <a:r>
-                        <a:rPr lang="fr-CH" sz="1400" dirty="0">
-                          <a:solidFill>
-                            <a:schemeClr val="bg1"/>
-                          </a:solidFill>
-                          <a:latin typeface="+mn-lt"/>
-                          <a:cs typeface="Arial" panose="020B0604020202020204" pitchFamily="34" charset="0"/>
-                        </a:rPr>
-                        <a:t> software</a:t>
-                      </a:r>
-                      <a:endParaRPr lang="fr" sz="1400" dirty="0">
-                        <a:solidFill>
-                          <a:schemeClr val="bg1"/>
-                        </a:solidFill>
-                        <a:latin typeface="+mn-lt"/>
-                        <a:cs typeface="Arial" panose="020B0604020202020204" pitchFamily="34" charset="0"/>
-                      </a:endParaRPr>
-                    </a:p>
-                  </a:txBody>
-                  <a:tcPr marL="99020" marR="99020" marT="49510" marB="49510">
-                    <a:lnL w="12700" cap="flat" cmpd="sng" algn="ctr">
-                      <a:solidFill>
-                        <a:schemeClr val="bg1"/>
-                      </a:solidFill>
-                      <a:prstDash val="sysDot"/>
-                      <a:round/>
-                      <a:headEnd type="none" w="med" len="med"/>
-                      <a:tailEnd type="none" w="med" len="med"/>
-                    </a:lnL>
-                    <a:lnR w="12700" cap="flat" cmpd="sng" algn="ctr">
-                      <a:solidFill>
-                        <a:schemeClr val="bg1"/>
-                      </a:solidFill>
-                      <a:prstDash val="sysDot"/>
-                      <a:round/>
-                      <a:headEnd type="none" w="med" len="med"/>
-                      <a:tailEnd type="none" w="med" len="med"/>
-                    </a:lnR>
-                    <a:lnT w="12700" cap="flat" cmpd="sng" algn="ctr">
-                      <a:solidFill>
-                        <a:schemeClr val="bg1"/>
-                      </a:solidFill>
-                      <a:prstDash val="sysDot"/>
-                      <a:round/>
-                      <a:headEnd type="none" w="med" len="med"/>
-                      <a:tailEnd type="none" w="med" len="med"/>
-                    </a:lnT>
-                    <a:lnB w="12700" cap="flat" cmpd="sng" algn="ctr">
-                      <a:solidFill>
-                        <a:schemeClr val="bg1"/>
-                      </a:solidFill>
-                      <a:prstDash val="sysDot"/>
-                      <a:round/>
-                      <a:headEnd type="none" w="med" len="med"/>
-                      <a:tailEnd type="none" w="med" len="med"/>
-                    </a:lnB>
-                    <a:solidFill>
-                      <a:schemeClr val="bg2">
-                        <a:lumMod val="25000"/>
-                      </a:schemeClr>
-                    </a:solidFill>
-                  </a:tcPr>
-                </a:tc>
-                <a:tc>
-                  <a:txBody>
-                    <a:bodyPr/>
-                    <a:lstStyle/>
-                    <a:p>
-                      <a:pPr rtl="0"/>
-                      <a:endParaRPr lang="en-US" sz="2000">
-                        <a:latin typeface="Arial Narrow" pitchFamily="34" charset="0"/>
-                      </a:endParaRPr>
-                    </a:p>
-                  </a:txBody>
-                  <a:tcPr marL="99020" marR="99020" marT="49510" marB="49510">
-                    <a:lnL w="12700" cap="flat" cmpd="sng" algn="ctr">
-                      <a:solidFill>
-                        <a:schemeClr val="bg1"/>
-                      </a:solidFill>
-                      <a:prstDash val="sysDot"/>
-                      <a:round/>
-                      <a:headEnd type="none" w="med" len="med"/>
-                      <a:tailEnd type="none" w="med" len="med"/>
-                    </a:lnL>
-                    <a:lnR w="12700" cap="flat" cmpd="sng" algn="ctr">
-                      <a:solidFill>
-                        <a:schemeClr val="bg1"/>
-                      </a:solidFill>
-                      <a:prstDash val="sysDot"/>
-                      <a:round/>
-                      <a:headEnd type="none" w="med" len="med"/>
-                      <a:tailEnd type="none" w="med" len="med"/>
-                    </a:lnR>
-                    <a:lnT w="12700" cap="flat" cmpd="sng" algn="ctr">
-                      <a:solidFill>
-                        <a:schemeClr val="bg1"/>
-                      </a:solidFill>
-                      <a:prstDash val="sysDot"/>
-                      <a:round/>
-                      <a:headEnd type="none" w="med" len="med"/>
-                      <a:tailEnd type="none" w="med" len="med"/>
-                    </a:lnT>
-                    <a:lnB w="12700" cap="flat" cmpd="sng" algn="ctr">
-                      <a:solidFill>
-                        <a:schemeClr val="bg1"/>
-                      </a:solidFill>
-                      <a:prstDash val="sysDot"/>
-                      <a:round/>
-                      <a:headEnd type="none" w="med" len="med"/>
-                      <a:tailEnd type="none" w="med" len="med"/>
-                    </a:lnB>
-                    <a:solidFill>
-                      <a:schemeClr val="bg2"/>
-                    </a:solidFill>
-                  </a:tcPr>
-                </a:tc>
-                <a:tc>
-                  <a:txBody>
-                    <a:bodyPr/>
-                    <a:lstStyle/>
-                    <a:p>
-                      <a:pPr rtl="0"/>
-                      <a:endParaRPr lang="en-US" sz="2000">
-                        <a:latin typeface="Arial Narrow" pitchFamily="34" charset="0"/>
-                      </a:endParaRPr>
-                    </a:p>
-                  </a:txBody>
-                  <a:tcPr marL="99020" marR="99020" marT="49510" marB="49510">
-                    <a:lnL w="12700" cap="flat" cmpd="sng" algn="ctr">
-                      <a:solidFill>
-                        <a:schemeClr val="bg1"/>
-                      </a:solidFill>
-                      <a:prstDash val="sysDot"/>
-                      <a:round/>
-                      <a:headEnd type="none" w="med" len="med"/>
-                      <a:tailEnd type="none" w="med" len="med"/>
-                    </a:lnL>
-                    <a:lnR w="12700" cap="flat" cmpd="sng" algn="ctr">
-                      <a:solidFill>
-                        <a:schemeClr val="bg1"/>
-                      </a:solidFill>
-                      <a:prstDash val="sysDot"/>
-                      <a:round/>
-                      <a:headEnd type="none" w="med" len="med"/>
-                      <a:tailEnd type="none" w="med" len="med"/>
-                    </a:lnR>
-                    <a:lnT w="12700" cap="flat" cmpd="sng" algn="ctr">
-                      <a:solidFill>
-                        <a:schemeClr val="bg1"/>
-                      </a:solidFill>
-                      <a:prstDash val="sysDot"/>
-                      <a:round/>
-                      <a:headEnd type="none" w="med" len="med"/>
-                      <a:tailEnd type="none" w="med" len="med"/>
-                    </a:lnT>
-                    <a:lnB w="12700" cap="flat" cmpd="sng" algn="ctr">
-                      <a:solidFill>
-                        <a:schemeClr val="bg1"/>
-                      </a:solidFill>
-                      <a:prstDash val="sysDot"/>
-                      <a:round/>
-                      <a:headEnd type="none" w="med" len="med"/>
-                      <a:tailEnd type="none" w="med" len="med"/>
-                    </a:lnB>
-                    <a:solidFill>
-                      <a:schemeClr val="bg2"/>
-                    </a:solidFill>
-                  </a:tcPr>
-                </a:tc>
-                <a:tc>
-                  <a:txBody>
-                    <a:bodyPr/>
-                    <a:lstStyle/>
-                    <a:p>
-                      <a:pPr rtl="0"/>
-                      <a:endParaRPr lang="en-US" sz="2000" dirty="0">
-                        <a:latin typeface="Arial Narrow" pitchFamily="34" charset="0"/>
-                      </a:endParaRPr>
-                    </a:p>
-                  </a:txBody>
-                  <a:tcPr marL="99020" marR="99020" marT="49510" marB="49510">
-                    <a:lnL w="12700" cap="flat" cmpd="sng" algn="ctr">
-                      <a:solidFill>
-                        <a:schemeClr val="bg1"/>
-                      </a:solidFill>
-                      <a:prstDash val="sysDot"/>
-                      <a:round/>
-                      <a:headEnd type="none" w="med" len="med"/>
-                      <a:tailEnd type="none" w="med" len="med"/>
-                    </a:lnL>
-                    <a:lnR w="12700" cap="flat" cmpd="sng" algn="ctr">
-                      <a:solidFill>
-                        <a:schemeClr val="bg1"/>
-                      </a:solidFill>
-                      <a:prstDash val="sysDot"/>
-                      <a:round/>
-                      <a:headEnd type="none" w="med" len="med"/>
-                      <a:tailEnd type="none" w="med" len="med"/>
-                    </a:lnR>
-                    <a:lnT w="12700" cap="flat" cmpd="sng" algn="ctr">
-                      <a:solidFill>
-                        <a:schemeClr val="bg1"/>
-                      </a:solidFill>
-                      <a:prstDash val="sysDot"/>
-                      <a:round/>
-                      <a:headEnd type="none" w="med" len="med"/>
-                      <a:tailEnd type="none" w="med" len="med"/>
-                    </a:lnT>
-                    <a:lnB w="12700" cap="flat" cmpd="sng" algn="ctr">
-                      <a:solidFill>
-                        <a:schemeClr val="bg1"/>
-                      </a:solidFill>
-                      <a:prstDash val="sysDot"/>
-                      <a:round/>
-                      <a:headEnd type="none" w="med" len="med"/>
-                      <a:tailEnd type="none" w="med" len="med"/>
-                    </a:lnB>
-                    <a:solidFill>
-                      <a:schemeClr val="bg2"/>
-                    </a:solidFill>
-                  </a:tcPr>
-                </a:tc>
-                <a:tc>
-                  <a:txBody>
-                    <a:bodyPr/>
-                    <a:lstStyle/>
-                    <a:p>
-                      <a:pPr rtl="0"/>
-                      <a:endParaRPr lang="en-US" sz="2000" dirty="0">
-                        <a:latin typeface="Arial Narrow" pitchFamily="34" charset="0"/>
-                      </a:endParaRPr>
-                    </a:p>
-                  </a:txBody>
-                  <a:tcPr marL="99020" marR="99020" marT="49510" marB="49510">
-                    <a:lnL w="12700" cap="flat" cmpd="sng" algn="ctr">
-                      <a:solidFill>
-                        <a:schemeClr val="bg1"/>
-                      </a:solidFill>
-                      <a:prstDash val="sysDot"/>
-                      <a:round/>
-                      <a:headEnd type="none" w="med" len="med"/>
-                      <a:tailEnd type="none" w="med" len="med"/>
-                    </a:lnL>
-                    <a:lnR w="12700" cap="flat" cmpd="sng" algn="ctr">
-                      <a:solidFill>
-                        <a:schemeClr val="bg1"/>
-                      </a:solidFill>
-                      <a:prstDash val="sysDot"/>
-                      <a:round/>
-                      <a:headEnd type="none" w="med" len="med"/>
-                      <a:tailEnd type="none" w="med" len="med"/>
-                    </a:lnR>
-                    <a:lnT w="12700" cap="flat" cmpd="sng" algn="ctr">
-                      <a:solidFill>
-                        <a:schemeClr val="bg1"/>
-                      </a:solidFill>
-                      <a:prstDash val="sysDot"/>
-                      <a:round/>
-                      <a:headEnd type="none" w="med" len="med"/>
-                      <a:tailEnd type="none" w="med" len="med"/>
-                    </a:lnT>
-                    <a:lnB w="12700" cap="flat" cmpd="sng" algn="ctr">
-                      <a:solidFill>
-                        <a:schemeClr val="bg1"/>
-                      </a:solidFill>
-                      <a:prstDash val="sysDot"/>
-                      <a:round/>
-                      <a:headEnd type="none" w="med" len="med"/>
-                      <a:tailEnd type="none" w="med" len="med"/>
-                    </a:lnB>
-                    <a:solidFill>
-                      <a:schemeClr val="bg2"/>
-                    </a:solidFill>
-                  </a:tcPr>
-                </a:tc>
-                <a:tc>
-                  <a:txBody>
-                    <a:bodyPr/>
-                    <a:lstStyle/>
-                    <a:p>
-                      <a:pPr rtl="0"/>
-                      <a:endParaRPr lang="en-US" sz="2000" dirty="0">
-                        <a:latin typeface="Arial Narrow" pitchFamily="34" charset="0"/>
-                      </a:endParaRPr>
-                    </a:p>
-                  </a:txBody>
-                  <a:tcPr marL="99020" marR="99020" marT="49510" marB="49510">
-                    <a:lnL w="12700" cap="flat" cmpd="sng" algn="ctr">
-                      <a:solidFill>
-                        <a:schemeClr val="bg1"/>
-                      </a:solidFill>
-                      <a:prstDash val="sysDot"/>
-                      <a:round/>
-                      <a:headEnd type="none" w="med" len="med"/>
-                      <a:tailEnd type="none" w="med" len="med"/>
-                    </a:lnL>
-                    <a:lnR w="12700" cap="flat" cmpd="sng" algn="ctr">
-                      <a:solidFill>
-                        <a:schemeClr val="bg1"/>
-                      </a:solidFill>
-                      <a:prstDash val="sysDot"/>
-                      <a:round/>
-                      <a:headEnd type="none" w="med" len="med"/>
-                      <a:tailEnd type="none" w="med" len="med"/>
-                    </a:lnR>
-                    <a:lnT w="12700" cap="flat" cmpd="sng" algn="ctr">
-                      <a:solidFill>
-                        <a:schemeClr val="bg1"/>
-                      </a:solidFill>
-                      <a:prstDash val="sysDot"/>
-                      <a:round/>
-                      <a:headEnd type="none" w="med" len="med"/>
-                      <a:tailEnd type="none" w="med" len="med"/>
-                    </a:lnT>
-                    <a:lnB w="12700" cap="flat" cmpd="sng" algn="ctr">
-                      <a:solidFill>
-                        <a:schemeClr val="bg1"/>
-                      </a:solidFill>
-                      <a:prstDash val="sysDot"/>
-                      <a:round/>
-                      <a:headEnd type="none" w="med" len="med"/>
-                      <a:tailEnd type="none" w="med" len="med"/>
-                    </a:lnB>
-                    <a:solidFill>
-                      <a:schemeClr val="bg2"/>
-                    </a:solidFill>
-                  </a:tcPr>
-                </a:tc>
-                <a:tc>
-                  <a:txBody>
-                    <a:bodyPr/>
-                    <a:lstStyle/>
-                    <a:p>
-                      <a:pPr rtl="0"/>
-                      <a:endParaRPr lang="en-US" sz="2000" dirty="0">
-                        <a:latin typeface="Arial Narrow" pitchFamily="34" charset="0"/>
-                      </a:endParaRPr>
-                    </a:p>
-                  </a:txBody>
-                  <a:tcPr marL="99020" marR="99020" marT="49510" marB="49510">
-                    <a:lnL w="12700" cap="flat" cmpd="sng" algn="ctr">
-                      <a:solidFill>
-                        <a:schemeClr val="bg1"/>
-                      </a:solidFill>
-                      <a:prstDash val="sysDot"/>
-                      <a:round/>
-                      <a:headEnd type="none" w="med" len="med"/>
-                      <a:tailEnd type="none" w="med" len="med"/>
-                    </a:lnL>
-                    <a:lnR w="12700" cap="flat" cmpd="sng" algn="ctr">
-                      <a:solidFill>
-                        <a:schemeClr val="bg1"/>
-                      </a:solidFill>
-                      <a:prstDash val="sysDot"/>
-                      <a:round/>
-                      <a:headEnd type="none" w="med" len="med"/>
-                      <a:tailEnd type="none" w="med" len="med"/>
-                    </a:lnR>
-                    <a:lnT w="12700" cap="flat" cmpd="sng" algn="ctr">
-                      <a:solidFill>
-                        <a:schemeClr val="bg1"/>
-                      </a:solidFill>
-                      <a:prstDash val="sysDot"/>
-                      <a:round/>
-                      <a:headEnd type="none" w="med" len="med"/>
-                      <a:tailEnd type="none" w="med" len="med"/>
-                    </a:lnT>
-                    <a:lnB w="12700" cap="flat" cmpd="sng" algn="ctr">
-                      <a:solidFill>
-                        <a:schemeClr val="bg1"/>
-                      </a:solidFill>
-                      <a:prstDash val="sysDot"/>
-                      <a:round/>
-                      <a:headEnd type="none" w="med" len="med"/>
-                      <a:tailEnd type="none" w="med" len="med"/>
-                    </a:lnB>
-                    <a:solidFill>
-                      <a:schemeClr val="bg2"/>
-                    </a:solidFill>
-                  </a:tcPr>
-                </a:tc>
-                <a:tc>
-                  <a:txBody>
-                    <a:bodyPr/>
-                    <a:lstStyle/>
-                    <a:p>
-                      <a:pPr rtl="0"/>
-                      <a:endParaRPr lang="en-US" sz="2000" dirty="0">
-                        <a:latin typeface="Arial Narrow" pitchFamily="34" charset="0"/>
-                      </a:endParaRPr>
-                    </a:p>
-                  </a:txBody>
-                  <a:tcPr marL="99020" marR="99020" marT="49510" marB="49510">
-                    <a:lnL w="12700" cap="flat" cmpd="sng" algn="ctr">
-                      <a:solidFill>
-                        <a:schemeClr val="bg1"/>
-                      </a:solidFill>
-                      <a:prstDash val="sysDot"/>
-                      <a:round/>
-                      <a:headEnd type="none" w="med" len="med"/>
-                      <a:tailEnd type="none" w="med" len="med"/>
-                    </a:lnL>
-                    <a:lnR w="12700" cap="flat" cmpd="sng" algn="ctr">
-                      <a:solidFill>
-                        <a:schemeClr val="bg1"/>
-                      </a:solidFill>
-                      <a:prstDash val="sysDot"/>
-                      <a:round/>
-                      <a:headEnd type="none" w="med" len="med"/>
-                      <a:tailEnd type="none" w="med" len="med"/>
-                    </a:lnR>
-                    <a:lnT w="12700" cap="flat" cmpd="sng" algn="ctr">
-                      <a:solidFill>
-                        <a:schemeClr val="bg1"/>
-                      </a:solidFill>
-                      <a:prstDash val="sysDot"/>
-                      <a:round/>
-                      <a:headEnd type="none" w="med" len="med"/>
-                      <a:tailEnd type="none" w="med" len="med"/>
-                    </a:lnT>
-                    <a:lnB w="12700" cap="flat" cmpd="sng" algn="ctr">
-                      <a:solidFill>
-                        <a:schemeClr val="bg1"/>
-                      </a:solidFill>
-                      <a:prstDash val="sysDot"/>
-                      <a:round/>
-                      <a:headEnd type="none" w="med" len="med"/>
-                      <a:tailEnd type="none" w="med" len="med"/>
-                    </a:lnB>
-                    <a:solidFill>
-                      <a:schemeClr val="bg2"/>
-                    </a:solidFill>
-                  </a:tcPr>
-                </a:tc>
-                <a:tc>
-                  <a:txBody>
-                    <a:bodyPr/>
-                    <a:lstStyle/>
-                    <a:p>
-                      <a:pPr marL="0" algn="r" defTabSz="914400" rtl="0" eaLnBrk="1" latinLnBrk="0" hangingPunct="1"/>
-                      <a:endParaRPr lang="en-US" sz="1600" kern="1200" dirty="0">
-                        <a:solidFill>
-                          <a:schemeClr val="accent4"/>
-                        </a:solidFill>
-                        <a:latin typeface="Arial Narrow" pitchFamily="34" charset="0"/>
-                        <a:ea typeface="+mn-ea"/>
-                        <a:cs typeface="+mn-cs"/>
-                      </a:endParaRPr>
-                    </a:p>
-                  </a:txBody>
-                  <a:tcPr marL="99020" marR="99020" marT="49510" marB="49510">
-                    <a:lnL w="12700" cap="flat" cmpd="sng" algn="ctr">
-                      <a:solidFill>
-                        <a:schemeClr val="bg1"/>
-                      </a:solidFill>
-                      <a:prstDash val="sysDot"/>
-                      <a:round/>
-                      <a:headEnd type="none" w="med" len="med"/>
-                      <a:tailEnd type="none" w="med" len="med"/>
-                    </a:lnL>
-                    <a:lnR w="12700" cap="flat" cmpd="sng" algn="ctr">
-                      <a:solidFill>
-                        <a:schemeClr val="bg1"/>
-                      </a:solidFill>
-                      <a:prstDash val="sysDot"/>
-                      <a:round/>
-                      <a:headEnd type="none" w="med" len="med"/>
-                      <a:tailEnd type="none" w="med" len="med"/>
-                    </a:lnR>
-                    <a:lnT w="12700" cap="flat" cmpd="sng" algn="ctr">
-                      <a:solidFill>
-                        <a:schemeClr val="bg1"/>
-                      </a:solidFill>
-                      <a:prstDash val="sysDot"/>
-                      <a:round/>
-                      <a:headEnd type="none" w="med" len="med"/>
-                      <a:tailEnd type="none" w="med" len="med"/>
-                    </a:lnT>
-                    <a:lnB w="12700" cap="flat" cmpd="sng" algn="ctr">
-                      <a:solidFill>
-                        <a:schemeClr val="bg1"/>
-                      </a:solidFill>
-                      <a:prstDash val="sysDot"/>
-                      <a:round/>
-                      <a:headEnd type="none" w="med" len="med"/>
-                      <a:tailEnd type="none" w="med" len="med"/>
-                    </a:lnB>
-                    <a:solidFill>
-                      <a:schemeClr val="accent5">
-                        <a:lumMod val="20000"/>
-                        <a:lumOff val="80000"/>
-                      </a:schemeClr>
-                    </a:solidFill>
-                  </a:tcPr>
-                </a:tc>
-                <a:tc>
-                  <a:txBody>
-                    <a:bodyPr/>
-                    <a:lstStyle/>
-                    <a:p>
-                      <a:pPr marL="0" algn="r" defTabSz="914400" rtl="0" eaLnBrk="1" latinLnBrk="0" hangingPunct="1"/>
-                      <a:endParaRPr lang="en-US" sz="1600" kern="1200">
-                        <a:solidFill>
-                          <a:schemeClr val="accent4"/>
-                        </a:solidFill>
-                        <a:latin typeface="Arial Narrow" pitchFamily="34" charset="0"/>
-                        <a:ea typeface="+mn-ea"/>
-                        <a:cs typeface="+mn-cs"/>
-                      </a:endParaRPr>
-                    </a:p>
-                  </a:txBody>
-                  <a:tcPr marL="99020" marR="99020" marT="49510" marB="49510">
-                    <a:lnL w="12700" cap="flat" cmpd="sng" algn="ctr">
-                      <a:solidFill>
-                        <a:schemeClr val="bg1"/>
-                      </a:solidFill>
-                      <a:prstDash val="sysDot"/>
-                      <a:round/>
-                      <a:headEnd type="none" w="med" len="med"/>
-                      <a:tailEnd type="none" w="med" len="med"/>
-                    </a:lnL>
-                    <a:lnR w="12700" cap="flat" cmpd="sng" algn="ctr">
-                      <a:solidFill>
-                        <a:schemeClr val="bg1"/>
-                      </a:solidFill>
-                      <a:prstDash val="sysDot"/>
-                      <a:round/>
-                      <a:headEnd type="none" w="med" len="med"/>
-                      <a:tailEnd type="none" w="med" len="med"/>
-                    </a:lnR>
-                    <a:lnT w="12700" cap="flat" cmpd="sng" algn="ctr">
-                      <a:solidFill>
-                        <a:schemeClr val="bg1"/>
-                      </a:solidFill>
-                      <a:prstDash val="sysDot"/>
-                      <a:round/>
-                      <a:headEnd type="none" w="med" len="med"/>
-                      <a:tailEnd type="none" w="med" len="med"/>
-                    </a:lnT>
-                    <a:lnB w="12700" cap="flat" cmpd="sng" algn="ctr">
-                      <a:solidFill>
-                        <a:schemeClr val="bg1"/>
-                      </a:solidFill>
-                      <a:prstDash val="sysDot"/>
-                      <a:round/>
-                      <a:headEnd type="none" w="med" len="med"/>
-                      <a:tailEnd type="none" w="med" len="med"/>
-                    </a:lnB>
-                    <a:solidFill>
-                      <a:schemeClr val="accent5">
-                        <a:lumMod val="20000"/>
-                        <a:lumOff val="80000"/>
-                      </a:schemeClr>
-                    </a:solidFill>
-                  </a:tcPr>
-                </a:tc>
-                <a:tc>
-                  <a:txBody>
-                    <a:bodyPr/>
-                    <a:lstStyle/>
-                    <a:p>
-                      <a:pPr marL="0" algn="r" defTabSz="914400" rtl="0" eaLnBrk="1" latinLnBrk="0" hangingPunct="1"/>
-                      <a:endParaRPr lang="en-US" sz="1600" kern="1200">
-                        <a:solidFill>
-                          <a:schemeClr val="accent4"/>
-                        </a:solidFill>
-                        <a:latin typeface="Arial Narrow" pitchFamily="34" charset="0"/>
-                        <a:ea typeface="+mn-ea"/>
-                        <a:cs typeface="+mn-cs"/>
-                      </a:endParaRPr>
-                    </a:p>
-                  </a:txBody>
-                  <a:tcPr marL="99020" marR="99020" marT="49510" marB="49510">
-                    <a:lnL w="12700" cap="flat" cmpd="sng" algn="ctr">
-                      <a:solidFill>
-                        <a:schemeClr val="bg1"/>
-                      </a:solidFill>
-                      <a:prstDash val="sysDot"/>
-                      <a:round/>
-                      <a:headEnd type="none" w="med" len="med"/>
-                      <a:tailEnd type="none" w="med" len="med"/>
-                    </a:lnL>
-                    <a:lnR w="12700" cap="flat" cmpd="sng" algn="ctr">
-                      <a:solidFill>
-                        <a:schemeClr val="bg1"/>
-                      </a:solidFill>
-                      <a:prstDash val="sysDot"/>
-                      <a:round/>
-                      <a:headEnd type="none" w="med" len="med"/>
-                      <a:tailEnd type="none" w="med" len="med"/>
-                    </a:lnR>
-                    <a:lnT w="12700" cap="flat" cmpd="sng" algn="ctr">
-                      <a:solidFill>
-                        <a:schemeClr val="bg1"/>
-                      </a:solidFill>
-                      <a:prstDash val="sysDot"/>
-                      <a:round/>
-                      <a:headEnd type="none" w="med" len="med"/>
-                      <a:tailEnd type="none" w="med" len="med"/>
-                    </a:lnT>
-                    <a:lnB w="12700" cap="flat" cmpd="sng" algn="ctr">
-                      <a:solidFill>
-                        <a:schemeClr val="bg1"/>
-                      </a:solidFill>
-                      <a:prstDash val="sysDot"/>
-                      <a:round/>
-                      <a:headEnd type="none" w="med" len="med"/>
-                      <a:tailEnd type="none" w="med" len="med"/>
-                    </a:lnB>
-                    <a:solidFill>
-                      <a:schemeClr val="accent5">
-                        <a:lumMod val="20000"/>
-                        <a:lumOff val="80000"/>
-                      </a:schemeClr>
-                    </a:solidFill>
-                  </a:tcPr>
-                </a:tc>
-                <a:tc>
-                  <a:txBody>
-                    <a:bodyPr/>
-                    <a:lstStyle/>
-                    <a:p>
-                      <a:pPr marL="0" algn="r" defTabSz="914400" rtl="0" eaLnBrk="1" latinLnBrk="0" hangingPunct="1"/>
-                      <a:endParaRPr lang="en-US" sz="1600" kern="1200" dirty="0">
-                        <a:solidFill>
-                          <a:schemeClr val="accent4"/>
-                        </a:solidFill>
-                        <a:latin typeface="Arial Narrow" pitchFamily="34" charset="0"/>
-                        <a:ea typeface="+mn-ea"/>
-                        <a:cs typeface="+mn-cs"/>
-                      </a:endParaRPr>
-                    </a:p>
-                  </a:txBody>
-                  <a:tcPr marL="99020" marR="99020" marT="49510" marB="49510">
-                    <a:lnL w="12700" cap="flat" cmpd="sng" algn="ctr">
-                      <a:solidFill>
-                        <a:schemeClr val="bg1"/>
-                      </a:solidFill>
-                      <a:prstDash val="sysDot"/>
-                      <a:round/>
-                      <a:headEnd type="none" w="med" len="med"/>
-                      <a:tailEnd type="none" w="med" len="med"/>
-                    </a:lnL>
-                    <a:lnR w="12700" cap="flat" cmpd="sng" algn="ctr">
-                      <a:solidFill>
-                        <a:schemeClr val="bg1"/>
-                      </a:solidFill>
-                      <a:prstDash val="sysDot"/>
-                      <a:round/>
-                      <a:headEnd type="none" w="med" len="med"/>
-                      <a:tailEnd type="none" w="med" len="med"/>
-                    </a:lnR>
-                    <a:lnT w="12700" cap="flat" cmpd="sng" algn="ctr">
-                      <a:solidFill>
-                        <a:schemeClr val="bg1"/>
-                      </a:solidFill>
-                      <a:prstDash val="sysDot"/>
-                      <a:round/>
-                      <a:headEnd type="none" w="med" len="med"/>
-                      <a:tailEnd type="none" w="med" len="med"/>
-                    </a:lnT>
-                    <a:lnB w="12700" cap="flat" cmpd="sng" algn="ctr">
-                      <a:solidFill>
-                        <a:schemeClr val="bg1"/>
-                      </a:solidFill>
-                      <a:prstDash val="sysDot"/>
-                      <a:round/>
-                      <a:headEnd type="none" w="med" len="med"/>
-                      <a:tailEnd type="none" w="med" len="med"/>
-                    </a:lnB>
-                    <a:solidFill>
-                      <a:schemeClr val="accent5">
-                        <a:lumMod val="20000"/>
-                        <a:lumOff val="80000"/>
-                      </a:schemeClr>
-                    </a:solidFill>
-                  </a:tcPr>
-                </a:tc>
-                <a:tc>
-                  <a:txBody>
-                    <a:bodyPr/>
-                    <a:lstStyle/>
-                    <a:p>
-                      <a:pPr marL="0" algn="r" defTabSz="914400" rtl="0" eaLnBrk="1" latinLnBrk="0" hangingPunct="1"/>
-                      <a:endParaRPr lang="en-US" sz="1600" kern="1200" dirty="0">
-                        <a:solidFill>
-                          <a:schemeClr val="accent4"/>
-                        </a:solidFill>
-                        <a:latin typeface="Arial Narrow" pitchFamily="34" charset="0"/>
-                        <a:ea typeface="+mn-ea"/>
-                        <a:cs typeface="+mn-cs"/>
-                      </a:endParaRPr>
-                    </a:p>
-                  </a:txBody>
-                  <a:tcPr marL="99020" marR="99020" marT="49510" marB="49510">
-                    <a:lnL w="12700" cap="flat" cmpd="sng" algn="ctr">
-                      <a:solidFill>
-                        <a:schemeClr val="bg1"/>
-                      </a:solidFill>
-                      <a:prstDash val="sysDot"/>
-                      <a:round/>
-                      <a:headEnd type="none" w="med" len="med"/>
-                      <a:tailEnd type="none" w="med" len="med"/>
-                    </a:lnL>
-                    <a:lnR w="12700" cap="flat" cmpd="sng" algn="ctr">
-                      <a:solidFill>
-                        <a:schemeClr val="bg1"/>
-                      </a:solidFill>
-                      <a:prstDash val="sysDot"/>
-                      <a:round/>
-                      <a:headEnd type="none" w="med" len="med"/>
-                      <a:tailEnd type="none" w="med" len="med"/>
-                    </a:lnR>
-                    <a:lnT w="12700" cap="flat" cmpd="sng" algn="ctr">
-                      <a:solidFill>
-                        <a:schemeClr val="bg1"/>
-                      </a:solidFill>
-                      <a:prstDash val="sysDot"/>
-                      <a:round/>
-                      <a:headEnd type="none" w="med" len="med"/>
-                      <a:tailEnd type="none" w="med" len="med"/>
-                    </a:lnT>
-                    <a:lnB w="12700" cap="flat" cmpd="sng" algn="ctr">
-                      <a:solidFill>
-                        <a:schemeClr val="bg1"/>
-                      </a:solidFill>
-                      <a:prstDash val="sysDot"/>
-                      <a:round/>
-                      <a:headEnd type="none" w="med" len="med"/>
-                      <a:tailEnd type="none" w="med" len="med"/>
-                    </a:lnB>
-                    <a:solidFill>
-                      <a:schemeClr val="accent5">
-                        <a:lumMod val="20000"/>
-                        <a:lumOff val="80000"/>
-                      </a:schemeClr>
-                    </a:solidFill>
-                  </a:tcPr>
-                </a:tc>
-                <a:tc>
-                  <a:txBody>
-                    <a:bodyPr/>
-                    <a:lstStyle/>
-                    <a:p>
-                      <a:pPr marL="0" algn="r" defTabSz="914400" rtl="0" eaLnBrk="1" latinLnBrk="0" hangingPunct="1"/>
-                      <a:endParaRPr lang="en-US" sz="1600" kern="1200" dirty="0">
-                        <a:solidFill>
-                          <a:schemeClr val="accent4"/>
-                        </a:solidFill>
-                        <a:latin typeface="Arial Narrow" pitchFamily="34" charset="0"/>
-                        <a:ea typeface="+mn-ea"/>
-                        <a:cs typeface="+mn-cs"/>
-                      </a:endParaRPr>
-                    </a:p>
-                  </a:txBody>
-                  <a:tcPr marL="99020" marR="99020" marT="49510" marB="49510">
-                    <a:lnL w="12700" cap="flat" cmpd="sng" algn="ctr">
-                      <a:solidFill>
-                        <a:schemeClr val="bg1"/>
-                      </a:solidFill>
-                      <a:prstDash val="sysDot"/>
-                      <a:round/>
-                      <a:headEnd type="none" w="med" len="med"/>
-                      <a:tailEnd type="none" w="med" len="med"/>
-                    </a:lnL>
-                    <a:lnR w="12700" cap="flat" cmpd="sng" algn="ctr">
-                      <a:solidFill>
-                        <a:schemeClr val="bg1"/>
-                      </a:solidFill>
-                      <a:prstDash val="sysDot"/>
-                      <a:round/>
-                      <a:headEnd type="none" w="med" len="med"/>
-                      <a:tailEnd type="none" w="med" len="med"/>
-                    </a:lnR>
-                    <a:lnT w="12700" cap="flat" cmpd="sng" algn="ctr">
-                      <a:solidFill>
-                        <a:schemeClr val="bg1"/>
-                      </a:solidFill>
-                      <a:prstDash val="sysDot"/>
-                      <a:round/>
-                      <a:headEnd type="none" w="med" len="med"/>
-                      <a:tailEnd type="none" w="med" len="med"/>
-                    </a:lnT>
-                    <a:lnB w="12700" cap="flat" cmpd="sng" algn="ctr">
-                      <a:solidFill>
-                        <a:schemeClr val="bg1"/>
-                      </a:solidFill>
-                      <a:prstDash val="sysDot"/>
-                      <a:round/>
-                      <a:headEnd type="none" w="med" len="med"/>
-                      <a:tailEnd type="none" w="med" len="med"/>
-                    </a:lnB>
-                    <a:solidFill>
-                      <a:schemeClr val="accent5">
-                        <a:lumMod val="20000"/>
-                        <a:lumOff val="80000"/>
-                      </a:schemeClr>
-                    </a:solidFill>
-                  </a:tcPr>
-                </a:tc>
-                <a:tc>
-                  <a:txBody>
-                    <a:bodyPr/>
-                    <a:lstStyle/>
-                    <a:p>
-                      <a:pPr marL="0" algn="r" defTabSz="914400" rtl="0" eaLnBrk="1" latinLnBrk="0" hangingPunct="1"/>
-                      <a:endParaRPr lang="en-US" sz="1600" kern="1200" dirty="0">
-                        <a:solidFill>
-                          <a:schemeClr val="accent4"/>
-                        </a:solidFill>
-                        <a:latin typeface="Arial Narrow" pitchFamily="34" charset="0"/>
-                        <a:ea typeface="+mn-ea"/>
-                        <a:cs typeface="+mn-cs"/>
-                      </a:endParaRPr>
-                    </a:p>
-                  </a:txBody>
-                  <a:tcPr marL="99020" marR="99020" marT="49510" marB="49510">
-                    <a:lnL w="12700" cap="flat" cmpd="sng" algn="ctr">
-                      <a:solidFill>
-                        <a:schemeClr val="bg1"/>
-                      </a:solidFill>
-                      <a:prstDash val="sysDot"/>
-                      <a:round/>
-                      <a:headEnd type="none" w="med" len="med"/>
-                      <a:tailEnd type="none" w="med" len="med"/>
-                    </a:lnL>
-                    <a:lnR w="12700" cap="flat" cmpd="sng" algn="ctr">
-                      <a:solidFill>
-                        <a:schemeClr val="bg1"/>
-                      </a:solidFill>
-                      <a:prstDash val="sysDot"/>
-                      <a:round/>
-                      <a:headEnd type="none" w="med" len="med"/>
-                      <a:tailEnd type="none" w="med" len="med"/>
-                    </a:lnR>
-                    <a:lnT w="12700" cap="flat" cmpd="sng" algn="ctr">
-                      <a:solidFill>
-                        <a:schemeClr val="bg1"/>
-                      </a:solidFill>
-                      <a:prstDash val="sysDot"/>
-                      <a:round/>
-                      <a:headEnd type="none" w="med" len="med"/>
-                      <a:tailEnd type="none" w="med" len="med"/>
-                    </a:lnT>
-                    <a:lnB w="12700" cap="flat" cmpd="sng" algn="ctr">
-                      <a:solidFill>
-                        <a:schemeClr val="bg1"/>
-                      </a:solidFill>
-                      <a:prstDash val="sysDot"/>
-                      <a:round/>
-                      <a:headEnd type="none" w="med" len="med"/>
-                      <a:tailEnd type="none" w="med" len="med"/>
-                    </a:lnB>
-                    <a:solidFill>
-                      <a:schemeClr val="accent5">
-                        <a:lumMod val="20000"/>
-                        <a:lumOff val="80000"/>
-                      </a:schemeClr>
-                    </a:solidFill>
-                  </a:tcPr>
-                </a:tc>
-                <a:tc>
-                  <a:txBody>
-                    <a:bodyPr/>
-                    <a:lstStyle/>
-                    <a:p>
-                      <a:pPr marL="0" algn="r" defTabSz="914400" rtl="0" eaLnBrk="1" latinLnBrk="0" hangingPunct="1"/>
-                      <a:endParaRPr lang="en-US" sz="1600" kern="1200" dirty="0">
-                        <a:solidFill>
-                          <a:schemeClr val="accent4"/>
-                        </a:solidFill>
-                        <a:latin typeface="Arial Narrow" pitchFamily="34" charset="0"/>
-                        <a:ea typeface="+mn-ea"/>
-                        <a:cs typeface="+mn-cs"/>
-                      </a:endParaRPr>
-                    </a:p>
-                  </a:txBody>
-                  <a:tcPr marL="99020" marR="99020" marT="49510" marB="49510">
-                    <a:lnL w="12700" cap="flat" cmpd="sng" algn="ctr">
-                      <a:solidFill>
-                        <a:schemeClr val="bg1"/>
-                      </a:solidFill>
-                      <a:prstDash val="sysDot"/>
-                      <a:round/>
-                      <a:headEnd type="none" w="med" len="med"/>
-                      <a:tailEnd type="none" w="med" len="med"/>
-                    </a:lnL>
-                    <a:lnR w="12700" cap="flat" cmpd="sng" algn="ctr">
-                      <a:solidFill>
-                        <a:schemeClr val="bg1"/>
-                      </a:solidFill>
-                      <a:prstDash val="sysDot"/>
-                      <a:round/>
-                      <a:headEnd type="none" w="med" len="med"/>
-                      <a:tailEnd type="none" w="med" len="med"/>
-                    </a:lnR>
-                    <a:lnT w="12700" cap="flat" cmpd="sng" algn="ctr">
-                      <a:solidFill>
-                        <a:schemeClr val="bg1"/>
-                      </a:solidFill>
-                      <a:prstDash val="sysDot"/>
-                      <a:round/>
-                      <a:headEnd type="none" w="med" len="med"/>
-                      <a:tailEnd type="none" w="med" len="med"/>
-                    </a:lnT>
-                    <a:lnB w="12700" cap="flat" cmpd="sng" algn="ctr">
-                      <a:solidFill>
-                        <a:schemeClr val="bg1"/>
-                      </a:solidFill>
-                      <a:prstDash val="sysDot"/>
-                      <a:round/>
-                      <a:headEnd type="none" w="med" len="med"/>
-                      <a:tailEnd type="none" w="med" len="med"/>
-                    </a:lnB>
-                    <a:solidFill>
-                      <a:schemeClr val="accent5">
-                        <a:lumMod val="40000"/>
-                        <a:lumOff val="60000"/>
-                      </a:schemeClr>
-                    </a:solidFill>
-                  </a:tcPr>
-                </a:tc>
-                <a:tc>
-                  <a:txBody>
-                    <a:bodyPr/>
-                    <a:lstStyle/>
-                    <a:p>
-                      <a:pPr marL="0" algn="r" defTabSz="914400" rtl="0" eaLnBrk="1" latinLnBrk="0" hangingPunct="1"/>
-                      <a:endParaRPr lang="en-US" sz="1600" kern="1200" dirty="0">
-                        <a:solidFill>
-                          <a:schemeClr val="accent4"/>
-                        </a:solidFill>
-                        <a:latin typeface="Arial Narrow" pitchFamily="34" charset="0"/>
-                        <a:ea typeface="+mn-ea"/>
-                        <a:cs typeface="+mn-cs"/>
-                      </a:endParaRPr>
-                    </a:p>
-                  </a:txBody>
-                  <a:tcPr marL="99020" marR="99020" marT="49510" marB="49510">
-                    <a:lnL w="12700" cap="flat" cmpd="sng" algn="ctr">
-                      <a:solidFill>
-                        <a:schemeClr val="bg1"/>
-                      </a:solidFill>
-                      <a:prstDash val="sysDot"/>
-                      <a:round/>
-                      <a:headEnd type="none" w="med" len="med"/>
-                      <a:tailEnd type="none" w="med" len="med"/>
-                    </a:lnL>
-                    <a:lnR w="12700" cap="flat" cmpd="sng" algn="ctr">
-                      <a:solidFill>
-                        <a:schemeClr val="bg1"/>
-                      </a:solidFill>
-                      <a:prstDash val="sysDot"/>
-                      <a:round/>
-                      <a:headEnd type="none" w="med" len="med"/>
-                      <a:tailEnd type="none" w="med" len="med"/>
-                    </a:lnR>
-                    <a:lnT w="12700" cap="flat" cmpd="sng" algn="ctr">
-                      <a:solidFill>
-                        <a:schemeClr val="bg1"/>
-                      </a:solidFill>
-                      <a:prstDash val="sysDot"/>
-                      <a:round/>
-                      <a:headEnd type="none" w="med" len="med"/>
-                      <a:tailEnd type="none" w="med" len="med"/>
-                    </a:lnT>
-                    <a:lnB w="12700" cap="flat" cmpd="sng" algn="ctr">
-                      <a:solidFill>
-                        <a:schemeClr val="bg1"/>
-                      </a:solidFill>
-                      <a:prstDash val="sysDot"/>
-                      <a:round/>
-                      <a:headEnd type="none" w="med" len="med"/>
-                      <a:tailEnd type="none" w="med" len="med"/>
-                    </a:lnB>
-                    <a:solidFill>
-                      <a:schemeClr val="accent5">
-                        <a:lumMod val="40000"/>
-                        <a:lumOff val="60000"/>
-                      </a:schemeClr>
-                    </a:solidFill>
-                  </a:tcPr>
-                </a:tc>
-                <a:tc>
-                  <a:txBody>
-                    <a:bodyPr/>
-                    <a:lstStyle/>
-                    <a:p>
-                      <a:pPr marL="0" algn="r" defTabSz="914400" rtl="0" eaLnBrk="1" latinLnBrk="0" hangingPunct="1"/>
-                      <a:endParaRPr lang="en-US" sz="1600" kern="1200" dirty="0">
-                        <a:solidFill>
-                          <a:schemeClr val="accent4"/>
-                        </a:solidFill>
-                        <a:latin typeface="Arial Narrow" pitchFamily="34" charset="0"/>
-                        <a:ea typeface="+mn-ea"/>
-                        <a:cs typeface="+mn-cs"/>
-                      </a:endParaRPr>
-                    </a:p>
-                  </a:txBody>
-                  <a:tcPr marL="99020" marR="99020" marT="49510" marB="49510">
-                    <a:lnL w="12700" cap="flat" cmpd="sng" algn="ctr">
-                      <a:solidFill>
-                        <a:schemeClr val="bg1"/>
-                      </a:solidFill>
-                      <a:prstDash val="sysDot"/>
-                      <a:round/>
-                      <a:headEnd type="none" w="med" len="med"/>
-                      <a:tailEnd type="none" w="med" len="med"/>
-                    </a:lnL>
-                    <a:lnR w="12700" cap="flat" cmpd="sng" algn="ctr">
-                      <a:solidFill>
-                        <a:schemeClr val="bg1"/>
-                      </a:solidFill>
-                      <a:prstDash val="sysDot"/>
-                      <a:round/>
-                      <a:headEnd type="none" w="med" len="med"/>
-                      <a:tailEnd type="none" w="med" len="med"/>
-                    </a:lnR>
-                    <a:lnT w="12700" cap="flat" cmpd="sng" algn="ctr">
-                      <a:solidFill>
-                        <a:schemeClr val="bg1"/>
-                      </a:solidFill>
-                      <a:prstDash val="sysDot"/>
-                      <a:round/>
-                      <a:headEnd type="none" w="med" len="med"/>
-                      <a:tailEnd type="none" w="med" len="med"/>
-                    </a:lnT>
-                    <a:lnB w="12700" cap="flat" cmpd="sng" algn="ctr">
-                      <a:solidFill>
-                        <a:schemeClr val="bg1"/>
-                      </a:solidFill>
-                      <a:prstDash val="sysDot"/>
-                      <a:round/>
-                      <a:headEnd type="none" w="med" len="med"/>
-                      <a:tailEnd type="none" w="med" len="med"/>
-                    </a:lnB>
-                    <a:solidFill>
-                      <a:schemeClr val="accent5">
-                        <a:lumMod val="40000"/>
-                        <a:lumOff val="60000"/>
-                      </a:schemeClr>
-                    </a:solidFill>
-                  </a:tcPr>
-                </a:tc>
-                <a:tc>
-                  <a:txBody>
-                    <a:bodyPr/>
-                    <a:lstStyle/>
-                    <a:p>
-                      <a:pPr marL="0" algn="r" defTabSz="914400" rtl="0" eaLnBrk="1" latinLnBrk="0" hangingPunct="1"/>
-                      <a:endParaRPr lang="en-US" sz="1600" kern="1200" dirty="0">
-                        <a:solidFill>
-                          <a:schemeClr val="accent4"/>
-                        </a:solidFill>
-                        <a:latin typeface="Arial Narrow" pitchFamily="34" charset="0"/>
-                        <a:ea typeface="+mn-ea"/>
-                        <a:cs typeface="+mn-cs"/>
-                      </a:endParaRPr>
-                    </a:p>
-                  </a:txBody>
-                  <a:tcPr marL="99020" marR="99020" marT="49510" marB="49510">
-                    <a:lnL w="12700" cap="flat" cmpd="sng" algn="ctr">
-                      <a:solidFill>
-                        <a:schemeClr val="bg1"/>
-                      </a:solidFill>
-                      <a:prstDash val="sysDot"/>
-                      <a:round/>
-                      <a:headEnd type="none" w="med" len="med"/>
-                      <a:tailEnd type="none" w="med" len="med"/>
-                    </a:lnL>
-                    <a:lnR w="12700" cap="flat" cmpd="sng" algn="ctr">
-                      <a:solidFill>
-                        <a:schemeClr val="bg1"/>
-                      </a:solidFill>
-                      <a:prstDash val="sysDot"/>
-                      <a:round/>
-                      <a:headEnd type="none" w="med" len="med"/>
-                      <a:tailEnd type="none" w="med" len="med"/>
-                    </a:lnR>
-                    <a:lnT w="12700" cap="flat" cmpd="sng" algn="ctr">
-                      <a:solidFill>
-                        <a:schemeClr val="bg1"/>
-                      </a:solidFill>
-                      <a:prstDash val="sysDot"/>
-                      <a:round/>
-                      <a:headEnd type="none" w="med" len="med"/>
-                      <a:tailEnd type="none" w="med" len="med"/>
-                    </a:lnT>
-                    <a:lnB w="12700" cap="flat" cmpd="sng" algn="ctr">
-                      <a:solidFill>
-                        <a:schemeClr val="bg1"/>
-                      </a:solidFill>
-                      <a:prstDash val="sysDot"/>
-                      <a:round/>
-                      <a:headEnd type="none" w="med" len="med"/>
-                      <a:tailEnd type="none" w="med" len="med"/>
-                    </a:lnB>
-                    <a:solidFill>
-                      <a:schemeClr val="accent5">
-                        <a:lumMod val="40000"/>
-                        <a:lumOff val="60000"/>
-                      </a:schemeClr>
-                    </a:solidFill>
-                  </a:tcPr>
-                </a:tc>
-                <a:extLst>
-                  <a:ext uri="{0D108BD9-81ED-4DB2-BD59-A6C34878D82A}">
-                    <a16:rowId xmlns:a16="http://schemas.microsoft.com/office/drawing/2014/main" val="10007"/>
-                  </a:ext>
-                </a:extLst>
-              </a:tr>
-              <a:tr h="398276">
-                <a:tc>
-                  <a:txBody>
-                    <a:bodyPr/>
-                    <a:lstStyle/>
-                    <a:p>
-                      <a:pPr rtl="0"/>
-                      <a:r>
-                        <a:rPr lang="fr" sz="1400" dirty="0">
-                          <a:solidFill>
-                            <a:schemeClr val="bg1"/>
-                          </a:solidFill>
-                          <a:latin typeface="+mn-lt"/>
-                          <a:cs typeface="Arial" panose="020B0604020202020204" pitchFamily="34" charset="0"/>
-                        </a:rPr>
-                        <a:t>Scanning Methods</a:t>
-                      </a:r>
-                    </a:p>
-                  </a:txBody>
-                  <a:tcPr marL="99020" marR="99020" marT="49510" marB="49510">
-                    <a:lnL w="12700" cap="flat" cmpd="sng" algn="ctr">
-                      <a:solidFill>
-                        <a:schemeClr val="bg1"/>
-                      </a:solidFill>
-                      <a:prstDash val="sysDot"/>
-                      <a:round/>
-                      <a:headEnd type="none" w="med" len="med"/>
-                      <a:tailEnd type="none" w="med" len="med"/>
-                    </a:lnL>
-                    <a:lnR w="12700" cap="flat" cmpd="sng" algn="ctr">
-                      <a:solidFill>
-                        <a:schemeClr val="bg1"/>
-                      </a:solidFill>
-                      <a:prstDash val="sysDot"/>
-                      <a:round/>
-                      <a:headEnd type="none" w="med" len="med"/>
-                      <a:tailEnd type="none" w="med" len="med"/>
-                    </a:lnR>
-                    <a:lnT w="12700" cap="flat" cmpd="sng" algn="ctr">
-                      <a:solidFill>
-                        <a:schemeClr val="bg1"/>
-                      </a:solidFill>
-                      <a:prstDash val="sysDot"/>
-                      <a:round/>
-                      <a:headEnd type="none" w="med" len="med"/>
-                      <a:tailEnd type="none" w="med" len="med"/>
-                    </a:lnT>
-                    <a:lnB w="12700" cap="flat" cmpd="sng" algn="ctr">
-                      <a:solidFill>
-                        <a:schemeClr val="bg1"/>
-                      </a:solidFill>
-                      <a:prstDash val="sysDot"/>
-                      <a:round/>
-                      <a:headEnd type="none" w="med" len="med"/>
-                      <a:tailEnd type="none" w="med" len="med"/>
-                    </a:lnB>
-                    <a:solidFill>
-                      <a:schemeClr val="bg2">
-                        <a:lumMod val="25000"/>
-                      </a:schemeClr>
-                    </a:solidFill>
-                  </a:tcPr>
-                </a:tc>
-                <a:tc>
-                  <a:txBody>
-                    <a:bodyPr/>
-                    <a:lstStyle/>
-                    <a:p>
-                      <a:pPr rtl="0"/>
-                      <a:endParaRPr lang="en-US" sz="2000" dirty="0">
-                        <a:latin typeface="Arial Narrow" pitchFamily="34" charset="0"/>
-                      </a:endParaRPr>
-                    </a:p>
-                  </a:txBody>
-                  <a:tcPr marL="99020" marR="99020" marT="49510" marB="49510">
-                    <a:lnL w="12700" cap="flat" cmpd="sng" algn="ctr">
-                      <a:solidFill>
-                        <a:schemeClr val="bg1"/>
-                      </a:solidFill>
-                      <a:prstDash val="sysDot"/>
-                      <a:round/>
-                      <a:headEnd type="none" w="med" len="med"/>
-                      <a:tailEnd type="none" w="med" len="med"/>
-                    </a:lnL>
-                    <a:lnR w="12700" cap="flat" cmpd="sng" algn="ctr">
-                      <a:solidFill>
-                        <a:schemeClr val="bg1"/>
-                      </a:solidFill>
-                      <a:prstDash val="sysDot"/>
-                      <a:round/>
-                      <a:headEnd type="none" w="med" len="med"/>
-                      <a:tailEnd type="none" w="med" len="med"/>
-                    </a:lnR>
-                    <a:lnT w="12700" cap="flat" cmpd="sng" algn="ctr">
-                      <a:solidFill>
-                        <a:schemeClr val="bg1"/>
-                      </a:solidFill>
-                      <a:prstDash val="sysDot"/>
-                      <a:round/>
-                      <a:headEnd type="none" w="med" len="med"/>
-                      <a:tailEnd type="none" w="med" len="med"/>
-                    </a:lnT>
-                    <a:lnB w="12700" cap="flat" cmpd="sng" algn="ctr">
-                      <a:solidFill>
-                        <a:schemeClr val="bg1"/>
-                      </a:solidFill>
-                      <a:prstDash val="sysDot"/>
-                      <a:round/>
-                      <a:headEnd type="none" w="med" len="med"/>
-                      <a:tailEnd type="none" w="med" len="med"/>
-                    </a:lnB>
-                    <a:solidFill>
-                      <a:schemeClr val="bg2"/>
-                    </a:solidFill>
-                  </a:tcPr>
-                </a:tc>
-                <a:tc>
-                  <a:txBody>
-                    <a:bodyPr/>
-                    <a:lstStyle/>
-                    <a:p>
-                      <a:pPr rtl="0"/>
-                      <a:endParaRPr lang="en-US" sz="2000" dirty="0">
-                        <a:latin typeface="Arial Narrow" pitchFamily="34" charset="0"/>
-                      </a:endParaRPr>
-                    </a:p>
-                  </a:txBody>
-                  <a:tcPr marL="99020" marR="99020" marT="49510" marB="49510">
-                    <a:lnL w="12700" cap="flat" cmpd="sng" algn="ctr">
-                      <a:solidFill>
-                        <a:schemeClr val="bg1"/>
-                      </a:solidFill>
-                      <a:prstDash val="sysDot"/>
-                      <a:round/>
-                      <a:headEnd type="none" w="med" len="med"/>
-                      <a:tailEnd type="none" w="med" len="med"/>
-                    </a:lnL>
-                    <a:lnR w="12700" cap="flat" cmpd="sng" algn="ctr">
-                      <a:solidFill>
-                        <a:schemeClr val="bg1"/>
-                      </a:solidFill>
-                      <a:prstDash val="sysDot"/>
-                      <a:round/>
-                      <a:headEnd type="none" w="med" len="med"/>
-                      <a:tailEnd type="none" w="med" len="med"/>
-                    </a:lnR>
-                    <a:lnT w="12700" cap="flat" cmpd="sng" algn="ctr">
-                      <a:solidFill>
-                        <a:schemeClr val="bg1"/>
-                      </a:solidFill>
-                      <a:prstDash val="sysDot"/>
-                      <a:round/>
-                      <a:headEnd type="none" w="med" len="med"/>
-                      <a:tailEnd type="none" w="med" len="med"/>
-                    </a:lnT>
-                    <a:lnB w="12700" cap="flat" cmpd="sng" algn="ctr">
-                      <a:solidFill>
-                        <a:schemeClr val="bg1"/>
-                      </a:solidFill>
-                      <a:prstDash val="sysDot"/>
-                      <a:round/>
-                      <a:headEnd type="none" w="med" len="med"/>
-                      <a:tailEnd type="none" w="med" len="med"/>
-                    </a:lnB>
-                    <a:solidFill>
-                      <a:schemeClr val="bg2"/>
-                    </a:solidFill>
-                  </a:tcPr>
-                </a:tc>
-                <a:tc>
-                  <a:txBody>
-                    <a:bodyPr/>
-                    <a:lstStyle/>
-                    <a:p>
-                      <a:pPr rtl="0"/>
-                      <a:endParaRPr lang="en-US" sz="2000" dirty="0">
-                        <a:latin typeface="Arial Narrow" pitchFamily="34" charset="0"/>
-                      </a:endParaRPr>
-                    </a:p>
-                  </a:txBody>
-                  <a:tcPr marL="99020" marR="99020" marT="49510" marB="49510">
-                    <a:lnL w="12700" cap="flat" cmpd="sng" algn="ctr">
-                      <a:solidFill>
-                        <a:schemeClr val="bg1"/>
-                      </a:solidFill>
-                      <a:prstDash val="sysDot"/>
-                      <a:round/>
-                      <a:headEnd type="none" w="med" len="med"/>
-                      <a:tailEnd type="none" w="med" len="med"/>
-                    </a:lnL>
-                    <a:lnR w="12700" cap="flat" cmpd="sng" algn="ctr">
-                      <a:solidFill>
-                        <a:schemeClr val="bg1"/>
-                      </a:solidFill>
-                      <a:prstDash val="sysDot"/>
-                      <a:round/>
-                      <a:headEnd type="none" w="med" len="med"/>
-                      <a:tailEnd type="none" w="med" len="med"/>
-                    </a:lnR>
-                    <a:lnT w="12700" cap="flat" cmpd="sng" algn="ctr">
-                      <a:solidFill>
-                        <a:schemeClr val="bg1"/>
-                      </a:solidFill>
-                      <a:prstDash val="sysDot"/>
-                      <a:round/>
-                      <a:headEnd type="none" w="med" len="med"/>
-                      <a:tailEnd type="none" w="med" len="med"/>
-                    </a:lnT>
-                    <a:lnB w="12700" cap="flat" cmpd="sng" algn="ctr">
-                      <a:solidFill>
-                        <a:schemeClr val="bg1"/>
-                      </a:solidFill>
-                      <a:prstDash val="sysDot"/>
-                      <a:round/>
-                      <a:headEnd type="none" w="med" len="med"/>
-                      <a:tailEnd type="none" w="med" len="med"/>
-                    </a:lnB>
-                    <a:solidFill>
-                      <a:schemeClr val="bg2"/>
-                    </a:solidFill>
-                  </a:tcPr>
-                </a:tc>
-                <a:tc>
-                  <a:txBody>
-                    <a:bodyPr/>
-                    <a:lstStyle/>
-                    <a:p>
-                      <a:pPr rtl="0"/>
-                      <a:endParaRPr lang="en-US" sz="2000" dirty="0">
-                        <a:latin typeface="Arial Narrow" pitchFamily="34" charset="0"/>
-                      </a:endParaRPr>
-                    </a:p>
-                  </a:txBody>
-                  <a:tcPr marL="99020" marR="99020" marT="49510" marB="49510">
-                    <a:lnL w="12700" cap="flat" cmpd="sng" algn="ctr">
-                      <a:solidFill>
-                        <a:schemeClr val="bg1"/>
-                      </a:solidFill>
-                      <a:prstDash val="sysDot"/>
-                      <a:round/>
-                      <a:headEnd type="none" w="med" len="med"/>
-                      <a:tailEnd type="none" w="med" len="med"/>
-                    </a:lnL>
-                    <a:lnR w="12700" cap="flat" cmpd="sng" algn="ctr">
-                      <a:solidFill>
-                        <a:schemeClr val="bg1"/>
-                      </a:solidFill>
-                      <a:prstDash val="sysDot"/>
-                      <a:round/>
-                      <a:headEnd type="none" w="med" len="med"/>
-                      <a:tailEnd type="none" w="med" len="med"/>
-                    </a:lnR>
-                    <a:lnT w="12700" cap="flat" cmpd="sng" algn="ctr">
-                      <a:solidFill>
-                        <a:schemeClr val="bg1"/>
-                      </a:solidFill>
-                      <a:prstDash val="sysDot"/>
-                      <a:round/>
-                      <a:headEnd type="none" w="med" len="med"/>
-                      <a:tailEnd type="none" w="med" len="med"/>
-                    </a:lnT>
-                    <a:lnB w="12700" cap="flat" cmpd="sng" algn="ctr">
-                      <a:solidFill>
-                        <a:schemeClr val="bg1"/>
-                      </a:solidFill>
-                      <a:prstDash val="sysDot"/>
-                      <a:round/>
-                      <a:headEnd type="none" w="med" len="med"/>
-                      <a:tailEnd type="none" w="med" len="med"/>
-                    </a:lnB>
-                    <a:solidFill>
-                      <a:schemeClr val="bg2"/>
-                    </a:solidFill>
-                  </a:tcPr>
-                </a:tc>
-                <a:tc>
-                  <a:txBody>
-                    <a:bodyPr/>
-                    <a:lstStyle/>
-                    <a:p>
-                      <a:pPr rtl="0"/>
-                      <a:endParaRPr lang="en-US" sz="2000" dirty="0">
-                        <a:latin typeface="Arial Narrow" pitchFamily="34" charset="0"/>
-                      </a:endParaRPr>
-                    </a:p>
-                  </a:txBody>
-                  <a:tcPr marL="99020" marR="99020" marT="49510" marB="49510">
-                    <a:lnL w="12700" cap="flat" cmpd="sng" algn="ctr">
-                      <a:solidFill>
-                        <a:schemeClr val="bg1"/>
-                      </a:solidFill>
-                      <a:prstDash val="sysDot"/>
-                      <a:round/>
-                      <a:headEnd type="none" w="med" len="med"/>
-                      <a:tailEnd type="none" w="med" len="med"/>
-                    </a:lnL>
-                    <a:lnR w="12700" cap="flat" cmpd="sng" algn="ctr">
-                      <a:solidFill>
-                        <a:schemeClr val="bg1"/>
-                      </a:solidFill>
-                      <a:prstDash val="sysDot"/>
-                      <a:round/>
-                      <a:headEnd type="none" w="med" len="med"/>
-                      <a:tailEnd type="none" w="med" len="med"/>
-                    </a:lnR>
-                    <a:lnT w="12700" cap="flat" cmpd="sng" algn="ctr">
-                      <a:solidFill>
-                        <a:schemeClr val="bg1"/>
-                      </a:solidFill>
-                      <a:prstDash val="sysDot"/>
-                      <a:round/>
-                      <a:headEnd type="none" w="med" len="med"/>
-                      <a:tailEnd type="none" w="med" len="med"/>
-                    </a:lnT>
-                    <a:lnB w="12700" cap="flat" cmpd="sng" algn="ctr">
-                      <a:solidFill>
-                        <a:schemeClr val="bg1"/>
-                      </a:solidFill>
-                      <a:prstDash val="sysDot"/>
-                      <a:round/>
-                      <a:headEnd type="none" w="med" len="med"/>
-                      <a:tailEnd type="none" w="med" len="med"/>
-                    </a:lnB>
-                    <a:solidFill>
-                      <a:schemeClr val="bg2"/>
-                    </a:solidFill>
-                  </a:tcPr>
-                </a:tc>
-                <a:tc>
-                  <a:txBody>
-                    <a:bodyPr/>
-                    <a:lstStyle/>
-                    <a:p>
-                      <a:pPr rtl="0"/>
-                      <a:endParaRPr lang="en-US" sz="2000" dirty="0">
-                        <a:latin typeface="Arial Narrow" pitchFamily="34" charset="0"/>
-                      </a:endParaRPr>
-                    </a:p>
-                  </a:txBody>
-                  <a:tcPr marL="99020" marR="99020" marT="49510" marB="49510">
-                    <a:lnL w="12700" cap="flat" cmpd="sng" algn="ctr">
-                      <a:solidFill>
-                        <a:schemeClr val="bg1"/>
-                      </a:solidFill>
-                      <a:prstDash val="sysDot"/>
-                      <a:round/>
-                      <a:headEnd type="none" w="med" len="med"/>
-                      <a:tailEnd type="none" w="med" len="med"/>
-                    </a:lnL>
-                    <a:lnR w="12700" cap="flat" cmpd="sng" algn="ctr">
-                      <a:solidFill>
-                        <a:schemeClr val="bg1"/>
-                      </a:solidFill>
-                      <a:prstDash val="sysDot"/>
-                      <a:round/>
-                      <a:headEnd type="none" w="med" len="med"/>
-                      <a:tailEnd type="none" w="med" len="med"/>
-                    </a:lnR>
-                    <a:lnT w="12700" cap="flat" cmpd="sng" algn="ctr">
-                      <a:solidFill>
-                        <a:schemeClr val="bg1"/>
-                      </a:solidFill>
-                      <a:prstDash val="sysDot"/>
-                      <a:round/>
-                      <a:headEnd type="none" w="med" len="med"/>
-                      <a:tailEnd type="none" w="med" len="med"/>
-                    </a:lnT>
-                    <a:lnB w="12700" cap="flat" cmpd="sng" algn="ctr">
-                      <a:solidFill>
-                        <a:schemeClr val="bg1"/>
-                      </a:solidFill>
-                      <a:prstDash val="sysDot"/>
-                      <a:round/>
-                      <a:headEnd type="none" w="med" len="med"/>
-                      <a:tailEnd type="none" w="med" len="med"/>
-                    </a:lnB>
-                    <a:solidFill>
-                      <a:schemeClr val="bg2"/>
-                    </a:solidFill>
-                  </a:tcPr>
-                </a:tc>
-                <a:tc>
-                  <a:txBody>
-                    <a:bodyPr/>
-                    <a:lstStyle/>
-                    <a:p>
-                      <a:pPr rtl="0"/>
-                      <a:endParaRPr lang="en-US" sz="2000" dirty="0">
-                        <a:latin typeface="Arial Narrow" pitchFamily="34" charset="0"/>
-                      </a:endParaRPr>
-                    </a:p>
-                  </a:txBody>
-                  <a:tcPr marL="99020" marR="99020" marT="49510" marB="49510">
-                    <a:lnL w="12700" cap="flat" cmpd="sng" algn="ctr">
-                      <a:solidFill>
-                        <a:schemeClr val="bg1"/>
-                      </a:solidFill>
-                      <a:prstDash val="sysDot"/>
-                      <a:round/>
-                      <a:headEnd type="none" w="med" len="med"/>
-                      <a:tailEnd type="none" w="med" len="med"/>
-                    </a:lnL>
-                    <a:lnR w="12700" cap="flat" cmpd="sng" algn="ctr">
-                      <a:solidFill>
-                        <a:schemeClr val="bg1"/>
-                      </a:solidFill>
-                      <a:prstDash val="sysDot"/>
-                      <a:round/>
-                      <a:headEnd type="none" w="med" len="med"/>
-                      <a:tailEnd type="none" w="med" len="med"/>
-                    </a:lnR>
-                    <a:lnT w="12700" cap="flat" cmpd="sng" algn="ctr">
-                      <a:solidFill>
-                        <a:schemeClr val="bg1"/>
-                      </a:solidFill>
-                      <a:prstDash val="sysDot"/>
-                      <a:round/>
-                      <a:headEnd type="none" w="med" len="med"/>
-                      <a:tailEnd type="none" w="med" len="med"/>
-                    </a:lnT>
-                    <a:lnB w="12700" cap="flat" cmpd="sng" algn="ctr">
-                      <a:solidFill>
-                        <a:schemeClr val="bg1"/>
-                      </a:solidFill>
-                      <a:prstDash val="sysDot"/>
-                      <a:round/>
-                      <a:headEnd type="none" w="med" len="med"/>
-                      <a:tailEnd type="none" w="med" len="med"/>
-                    </a:lnB>
-                    <a:solidFill>
-                      <a:schemeClr val="bg2"/>
-                    </a:solidFill>
-                  </a:tcPr>
-                </a:tc>
-                <a:tc>
-                  <a:txBody>
-                    <a:bodyPr/>
-                    <a:lstStyle/>
-                    <a:p>
-                      <a:pPr marL="0" algn="r" defTabSz="914400" rtl="0" eaLnBrk="1" latinLnBrk="0" hangingPunct="1"/>
-                      <a:endParaRPr lang="en-US" sz="1600" kern="1200" dirty="0">
-                        <a:solidFill>
-                          <a:schemeClr val="accent4"/>
-                        </a:solidFill>
-                        <a:latin typeface="Arial Narrow" pitchFamily="34" charset="0"/>
-                        <a:ea typeface="+mn-ea"/>
-                        <a:cs typeface="+mn-cs"/>
-                      </a:endParaRPr>
-                    </a:p>
-                  </a:txBody>
-                  <a:tcPr marL="99020" marR="99020" marT="49510" marB="49510">
-                    <a:lnL w="12700" cap="flat" cmpd="sng" algn="ctr">
-                      <a:solidFill>
-                        <a:schemeClr val="bg1"/>
-                      </a:solidFill>
-                      <a:prstDash val="sysDot"/>
-                      <a:round/>
-                      <a:headEnd type="none" w="med" len="med"/>
-                      <a:tailEnd type="none" w="med" len="med"/>
-                    </a:lnL>
-                    <a:lnR w="12700" cap="flat" cmpd="sng" algn="ctr">
-                      <a:solidFill>
-                        <a:schemeClr val="bg1"/>
-                      </a:solidFill>
-                      <a:prstDash val="sysDot"/>
-                      <a:round/>
-                      <a:headEnd type="none" w="med" len="med"/>
-                      <a:tailEnd type="none" w="med" len="med"/>
-                    </a:lnR>
-                    <a:lnT w="12700" cap="flat" cmpd="sng" algn="ctr">
-                      <a:solidFill>
-                        <a:schemeClr val="bg1"/>
-                      </a:solidFill>
-                      <a:prstDash val="sysDot"/>
-                      <a:round/>
-                      <a:headEnd type="none" w="med" len="med"/>
-                      <a:tailEnd type="none" w="med" len="med"/>
-                    </a:lnT>
-                    <a:lnB w="12700" cap="flat" cmpd="sng" algn="ctr">
-                      <a:solidFill>
-                        <a:schemeClr val="bg1"/>
-                      </a:solidFill>
-                      <a:prstDash val="sysDot"/>
-                      <a:round/>
-                      <a:headEnd type="none" w="med" len="med"/>
-                      <a:tailEnd type="none" w="med" len="med"/>
-                    </a:lnB>
-                    <a:solidFill>
-                      <a:schemeClr val="accent5">
-                        <a:lumMod val="20000"/>
-                        <a:lumOff val="80000"/>
-                      </a:schemeClr>
-                    </a:solidFill>
-                  </a:tcPr>
-                </a:tc>
-                <a:tc>
-                  <a:txBody>
-                    <a:bodyPr/>
-                    <a:lstStyle/>
-                    <a:p>
-                      <a:pPr marL="0" algn="r" defTabSz="914400" rtl="0" eaLnBrk="1" latinLnBrk="0" hangingPunct="1"/>
-                      <a:endParaRPr lang="en-US" sz="1600" kern="1200">
-                        <a:solidFill>
-                          <a:schemeClr val="accent4"/>
-                        </a:solidFill>
-                        <a:latin typeface="Arial Narrow" pitchFamily="34" charset="0"/>
-                        <a:ea typeface="+mn-ea"/>
-                        <a:cs typeface="+mn-cs"/>
-                      </a:endParaRPr>
-                    </a:p>
-                  </a:txBody>
-                  <a:tcPr marL="99020" marR="99020" marT="49510" marB="49510">
-                    <a:lnL w="12700" cap="flat" cmpd="sng" algn="ctr">
-                      <a:solidFill>
-                        <a:schemeClr val="bg1"/>
-                      </a:solidFill>
-                      <a:prstDash val="sysDot"/>
-                      <a:round/>
-                      <a:headEnd type="none" w="med" len="med"/>
-                      <a:tailEnd type="none" w="med" len="med"/>
-                    </a:lnL>
-                    <a:lnR w="12700" cap="flat" cmpd="sng" algn="ctr">
-                      <a:solidFill>
-                        <a:schemeClr val="bg1"/>
-                      </a:solidFill>
-                      <a:prstDash val="sysDot"/>
-                      <a:round/>
-                      <a:headEnd type="none" w="med" len="med"/>
-                      <a:tailEnd type="none" w="med" len="med"/>
-                    </a:lnR>
-                    <a:lnT w="12700" cap="flat" cmpd="sng" algn="ctr">
-                      <a:solidFill>
-                        <a:schemeClr val="bg1"/>
-                      </a:solidFill>
-                      <a:prstDash val="sysDot"/>
-                      <a:round/>
-                      <a:headEnd type="none" w="med" len="med"/>
-                      <a:tailEnd type="none" w="med" len="med"/>
-                    </a:lnT>
-                    <a:lnB w="12700" cap="flat" cmpd="sng" algn="ctr">
-                      <a:solidFill>
-                        <a:schemeClr val="bg1"/>
-                      </a:solidFill>
-                      <a:prstDash val="sysDot"/>
-                      <a:round/>
-                      <a:headEnd type="none" w="med" len="med"/>
-                      <a:tailEnd type="none" w="med" len="med"/>
-                    </a:lnB>
-                    <a:solidFill>
-                      <a:schemeClr val="accent5">
-                        <a:lumMod val="20000"/>
-                        <a:lumOff val="80000"/>
-                      </a:schemeClr>
-                    </a:solidFill>
-                  </a:tcPr>
-                </a:tc>
-                <a:tc>
-                  <a:txBody>
-                    <a:bodyPr/>
-                    <a:lstStyle/>
-                    <a:p>
-                      <a:pPr marL="0" algn="r" defTabSz="914400" rtl="0" eaLnBrk="1" latinLnBrk="0" hangingPunct="1"/>
-                      <a:endParaRPr lang="en-US" sz="1600" kern="1200">
-                        <a:solidFill>
-                          <a:schemeClr val="accent4"/>
-                        </a:solidFill>
-                        <a:latin typeface="Arial Narrow" pitchFamily="34" charset="0"/>
-                        <a:ea typeface="+mn-ea"/>
-                        <a:cs typeface="+mn-cs"/>
-                      </a:endParaRPr>
-                    </a:p>
-                  </a:txBody>
-                  <a:tcPr marL="99020" marR="99020" marT="49510" marB="49510">
-                    <a:lnL w="12700" cap="flat" cmpd="sng" algn="ctr">
-                      <a:solidFill>
-                        <a:schemeClr val="bg1"/>
-                      </a:solidFill>
-                      <a:prstDash val="sysDot"/>
-                      <a:round/>
-                      <a:headEnd type="none" w="med" len="med"/>
-                      <a:tailEnd type="none" w="med" len="med"/>
-                    </a:lnL>
-                    <a:lnR w="12700" cap="flat" cmpd="sng" algn="ctr">
-                      <a:solidFill>
-                        <a:schemeClr val="bg1"/>
-                      </a:solidFill>
-                      <a:prstDash val="sysDot"/>
-                      <a:round/>
-                      <a:headEnd type="none" w="med" len="med"/>
-                      <a:tailEnd type="none" w="med" len="med"/>
-                    </a:lnR>
-                    <a:lnT w="12700" cap="flat" cmpd="sng" algn="ctr">
-                      <a:solidFill>
-                        <a:schemeClr val="bg1"/>
-                      </a:solidFill>
-                      <a:prstDash val="sysDot"/>
-                      <a:round/>
-                      <a:headEnd type="none" w="med" len="med"/>
-                      <a:tailEnd type="none" w="med" len="med"/>
-                    </a:lnT>
-                    <a:lnB w="12700" cap="flat" cmpd="sng" algn="ctr">
-                      <a:solidFill>
-                        <a:schemeClr val="bg1"/>
-                      </a:solidFill>
-                      <a:prstDash val="sysDot"/>
-                      <a:round/>
-                      <a:headEnd type="none" w="med" len="med"/>
-                      <a:tailEnd type="none" w="med" len="med"/>
-                    </a:lnB>
-                    <a:solidFill>
-                      <a:schemeClr val="accent5">
-                        <a:lumMod val="20000"/>
-                        <a:lumOff val="80000"/>
-                      </a:schemeClr>
-                    </a:solidFill>
-                  </a:tcPr>
-                </a:tc>
-                <a:tc>
-                  <a:txBody>
-                    <a:bodyPr/>
-                    <a:lstStyle/>
-                    <a:p>
-                      <a:pPr marL="0" algn="r" defTabSz="914400" rtl="0" eaLnBrk="1" latinLnBrk="0" hangingPunct="1"/>
-                      <a:endParaRPr lang="en-US" sz="1600" kern="1200" dirty="0">
-                        <a:solidFill>
-                          <a:schemeClr val="accent4"/>
-                        </a:solidFill>
-                        <a:latin typeface="Arial Narrow" pitchFamily="34" charset="0"/>
-                        <a:ea typeface="+mn-ea"/>
-                        <a:cs typeface="+mn-cs"/>
-                      </a:endParaRPr>
-                    </a:p>
-                  </a:txBody>
-                  <a:tcPr marL="99020" marR="99020" marT="49510" marB="49510">
-                    <a:lnL w="12700" cap="flat" cmpd="sng" algn="ctr">
-                      <a:solidFill>
-                        <a:schemeClr val="bg1"/>
-                      </a:solidFill>
-                      <a:prstDash val="sysDot"/>
-                      <a:round/>
-                      <a:headEnd type="none" w="med" len="med"/>
-                      <a:tailEnd type="none" w="med" len="med"/>
-                    </a:lnL>
-                    <a:lnR w="12700" cap="flat" cmpd="sng" algn="ctr">
-                      <a:solidFill>
-                        <a:schemeClr val="bg1"/>
-                      </a:solidFill>
-                      <a:prstDash val="sysDot"/>
-                      <a:round/>
-                      <a:headEnd type="none" w="med" len="med"/>
-                      <a:tailEnd type="none" w="med" len="med"/>
-                    </a:lnR>
-                    <a:lnT w="12700" cap="flat" cmpd="sng" algn="ctr">
-                      <a:solidFill>
-                        <a:schemeClr val="bg1"/>
-                      </a:solidFill>
-                      <a:prstDash val="sysDot"/>
-                      <a:round/>
-                      <a:headEnd type="none" w="med" len="med"/>
-                      <a:tailEnd type="none" w="med" len="med"/>
-                    </a:lnT>
-                    <a:lnB w="12700" cap="flat" cmpd="sng" algn="ctr">
-                      <a:solidFill>
-                        <a:schemeClr val="bg1"/>
-                      </a:solidFill>
-                      <a:prstDash val="sysDot"/>
-                      <a:round/>
-                      <a:headEnd type="none" w="med" len="med"/>
-                      <a:tailEnd type="none" w="med" len="med"/>
-                    </a:lnB>
-                    <a:solidFill>
-                      <a:schemeClr val="accent5">
-                        <a:lumMod val="20000"/>
-                        <a:lumOff val="80000"/>
-                      </a:schemeClr>
-                    </a:solidFill>
-                  </a:tcPr>
-                </a:tc>
-                <a:tc>
-                  <a:txBody>
-                    <a:bodyPr/>
-                    <a:lstStyle/>
-                    <a:p>
-                      <a:pPr marL="0" algn="r" defTabSz="914400" rtl="0" eaLnBrk="1" latinLnBrk="0" hangingPunct="1"/>
-                      <a:endParaRPr lang="en-US" sz="1600" kern="1200" dirty="0">
-                        <a:solidFill>
-                          <a:schemeClr val="accent4"/>
-                        </a:solidFill>
-                        <a:latin typeface="Arial Narrow" pitchFamily="34" charset="0"/>
-                        <a:ea typeface="+mn-ea"/>
-                        <a:cs typeface="+mn-cs"/>
-                      </a:endParaRPr>
-                    </a:p>
-                  </a:txBody>
-                  <a:tcPr marL="99020" marR="99020" marT="49510" marB="49510">
-                    <a:lnL w="12700" cap="flat" cmpd="sng" algn="ctr">
-                      <a:solidFill>
-                        <a:schemeClr val="bg1"/>
-                      </a:solidFill>
-                      <a:prstDash val="sysDot"/>
-                      <a:round/>
-                      <a:headEnd type="none" w="med" len="med"/>
-                      <a:tailEnd type="none" w="med" len="med"/>
-                    </a:lnL>
-                    <a:lnR w="12700" cap="flat" cmpd="sng" algn="ctr">
-                      <a:solidFill>
-                        <a:schemeClr val="bg1"/>
-                      </a:solidFill>
-                      <a:prstDash val="sysDot"/>
-                      <a:round/>
-                      <a:headEnd type="none" w="med" len="med"/>
-                      <a:tailEnd type="none" w="med" len="med"/>
-                    </a:lnR>
-                    <a:lnT w="12700" cap="flat" cmpd="sng" algn="ctr">
-                      <a:solidFill>
-                        <a:schemeClr val="bg1"/>
-                      </a:solidFill>
-                      <a:prstDash val="sysDot"/>
-                      <a:round/>
-                      <a:headEnd type="none" w="med" len="med"/>
-                      <a:tailEnd type="none" w="med" len="med"/>
-                    </a:lnT>
-                    <a:lnB w="12700" cap="flat" cmpd="sng" algn="ctr">
-                      <a:solidFill>
-                        <a:schemeClr val="bg1"/>
-                      </a:solidFill>
-                      <a:prstDash val="sysDot"/>
-                      <a:round/>
-                      <a:headEnd type="none" w="med" len="med"/>
-                      <a:tailEnd type="none" w="med" len="med"/>
-                    </a:lnB>
-                    <a:solidFill>
-                      <a:schemeClr val="accent5">
-                        <a:lumMod val="20000"/>
-                        <a:lumOff val="80000"/>
-                      </a:schemeClr>
-                    </a:solidFill>
-                  </a:tcPr>
-                </a:tc>
-                <a:tc>
-                  <a:txBody>
-                    <a:bodyPr/>
-                    <a:lstStyle/>
-                    <a:p>
-                      <a:pPr marL="0" algn="r" defTabSz="914400" rtl="0" eaLnBrk="1" latinLnBrk="0" hangingPunct="1"/>
-                      <a:endParaRPr lang="en-US" sz="1600" kern="1200" dirty="0">
-                        <a:solidFill>
-                          <a:schemeClr val="accent4"/>
-                        </a:solidFill>
-                        <a:latin typeface="Arial Narrow" pitchFamily="34" charset="0"/>
-                        <a:ea typeface="+mn-ea"/>
-                        <a:cs typeface="+mn-cs"/>
-                      </a:endParaRPr>
-                    </a:p>
-                  </a:txBody>
-                  <a:tcPr marL="99020" marR="99020" marT="49510" marB="49510">
-                    <a:lnL w="12700" cap="flat" cmpd="sng" algn="ctr">
-                      <a:solidFill>
-                        <a:schemeClr val="bg1"/>
-                      </a:solidFill>
-                      <a:prstDash val="sysDot"/>
-                      <a:round/>
-                      <a:headEnd type="none" w="med" len="med"/>
-                      <a:tailEnd type="none" w="med" len="med"/>
-                    </a:lnL>
-                    <a:lnR w="12700" cap="flat" cmpd="sng" algn="ctr">
-                      <a:solidFill>
-                        <a:schemeClr val="bg1"/>
-                      </a:solidFill>
-                      <a:prstDash val="sysDot"/>
-                      <a:round/>
-                      <a:headEnd type="none" w="med" len="med"/>
-                      <a:tailEnd type="none" w="med" len="med"/>
-                    </a:lnR>
-                    <a:lnT w="12700" cap="flat" cmpd="sng" algn="ctr">
-                      <a:solidFill>
-                        <a:schemeClr val="bg1"/>
-                      </a:solidFill>
-                      <a:prstDash val="sysDot"/>
-                      <a:round/>
-                      <a:headEnd type="none" w="med" len="med"/>
-                      <a:tailEnd type="none" w="med" len="med"/>
-                    </a:lnT>
-                    <a:lnB w="12700" cap="flat" cmpd="sng" algn="ctr">
-                      <a:solidFill>
-                        <a:schemeClr val="bg1"/>
-                      </a:solidFill>
-                      <a:prstDash val="sysDot"/>
-                      <a:round/>
-                      <a:headEnd type="none" w="med" len="med"/>
-                      <a:tailEnd type="none" w="med" len="med"/>
-                    </a:lnB>
-                    <a:solidFill>
-                      <a:schemeClr val="accent5">
-                        <a:lumMod val="20000"/>
-                        <a:lumOff val="80000"/>
-                      </a:schemeClr>
-                    </a:solidFill>
-                  </a:tcPr>
-                </a:tc>
-                <a:tc>
-                  <a:txBody>
-                    <a:bodyPr/>
-                    <a:lstStyle/>
-                    <a:p>
-                      <a:pPr marL="0" algn="r" defTabSz="914400" rtl="0" eaLnBrk="1" latinLnBrk="0" hangingPunct="1"/>
-                      <a:endParaRPr lang="en-US" sz="1600" kern="1200" dirty="0">
-                        <a:solidFill>
-                          <a:schemeClr val="accent4"/>
-                        </a:solidFill>
-                        <a:latin typeface="Arial Narrow" pitchFamily="34" charset="0"/>
-                        <a:ea typeface="+mn-ea"/>
-                        <a:cs typeface="+mn-cs"/>
-                      </a:endParaRPr>
-                    </a:p>
-                  </a:txBody>
-                  <a:tcPr marL="99020" marR="99020" marT="49510" marB="49510">
-                    <a:lnL w="12700" cap="flat" cmpd="sng" algn="ctr">
-                      <a:solidFill>
-                        <a:schemeClr val="bg1"/>
-                      </a:solidFill>
-                      <a:prstDash val="sysDot"/>
-                      <a:round/>
-                      <a:headEnd type="none" w="med" len="med"/>
-                      <a:tailEnd type="none" w="med" len="med"/>
-                    </a:lnL>
-                    <a:lnR w="12700" cap="flat" cmpd="sng" algn="ctr">
-                      <a:solidFill>
-                        <a:schemeClr val="bg1"/>
-                      </a:solidFill>
-                      <a:prstDash val="sysDot"/>
-                      <a:round/>
-                      <a:headEnd type="none" w="med" len="med"/>
-                      <a:tailEnd type="none" w="med" len="med"/>
-                    </a:lnR>
-                    <a:lnT w="12700" cap="flat" cmpd="sng" algn="ctr">
-                      <a:solidFill>
-                        <a:schemeClr val="bg1"/>
-                      </a:solidFill>
-                      <a:prstDash val="sysDot"/>
-                      <a:round/>
-                      <a:headEnd type="none" w="med" len="med"/>
-                      <a:tailEnd type="none" w="med" len="med"/>
-                    </a:lnT>
-                    <a:lnB w="12700" cap="flat" cmpd="sng" algn="ctr">
-                      <a:solidFill>
-                        <a:schemeClr val="bg1"/>
-                      </a:solidFill>
-                      <a:prstDash val="sysDot"/>
-                      <a:round/>
-                      <a:headEnd type="none" w="med" len="med"/>
-                      <a:tailEnd type="none" w="med" len="med"/>
-                    </a:lnB>
-                    <a:solidFill>
-                      <a:schemeClr val="accent5">
-                        <a:lumMod val="20000"/>
-                        <a:lumOff val="80000"/>
-                      </a:schemeClr>
-                    </a:solidFill>
-                  </a:tcPr>
-                </a:tc>
-                <a:tc>
-                  <a:txBody>
-                    <a:bodyPr/>
-                    <a:lstStyle/>
-                    <a:p>
-                      <a:pPr marL="0" algn="r" defTabSz="914400" rtl="0" eaLnBrk="1" latinLnBrk="0" hangingPunct="1"/>
-                      <a:endParaRPr lang="en-US" sz="1600" kern="1200" dirty="0">
-                        <a:solidFill>
-                          <a:schemeClr val="accent4"/>
-                        </a:solidFill>
-                        <a:latin typeface="Arial Narrow" pitchFamily="34" charset="0"/>
-                        <a:ea typeface="+mn-ea"/>
-                        <a:cs typeface="+mn-cs"/>
-                      </a:endParaRPr>
-                    </a:p>
-                  </a:txBody>
-                  <a:tcPr marL="99020" marR="99020" marT="49510" marB="49510">
-                    <a:lnL w="12700" cap="flat" cmpd="sng" algn="ctr">
-                      <a:solidFill>
-                        <a:schemeClr val="bg1"/>
-                      </a:solidFill>
-                      <a:prstDash val="sysDot"/>
-                      <a:round/>
-                      <a:headEnd type="none" w="med" len="med"/>
-                      <a:tailEnd type="none" w="med" len="med"/>
-                    </a:lnL>
-                    <a:lnR w="12700" cap="flat" cmpd="sng" algn="ctr">
-                      <a:solidFill>
-                        <a:schemeClr val="bg1"/>
-                      </a:solidFill>
-                      <a:prstDash val="sysDot"/>
-                      <a:round/>
-                      <a:headEnd type="none" w="med" len="med"/>
-                      <a:tailEnd type="none" w="med" len="med"/>
-                    </a:lnR>
-                    <a:lnT w="12700" cap="flat" cmpd="sng" algn="ctr">
-                      <a:solidFill>
-                        <a:schemeClr val="bg1"/>
-                      </a:solidFill>
-                      <a:prstDash val="sysDot"/>
-                      <a:round/>
-                      <a:headEnd type="none" w="med" len="med"/>
-                      <a:tailEnd type="none" w="med" len="med"/>
-                    </a:lnT>
-                    <a:lnB w="12700" cap="flat" cmpd="sng" algn="ctr">
-                      <a:solidFill>
-                        <a:schemeClr val="bg1"/>
-                      </a:solidFill>
-                      <a:prstDash val="sysDot"/>
-                      <a:round/>
-                      <a:headEnd type="none" w="med" len="med"/>
-                      <a:tailEnd type="none" w="med" len="med"/>
-                    </a:lnB>
-                    <a:solidFill>
-                      <a:schemeClr val="accent5">
-                        <a:lumMod val="40000"/>
-                        <a:lumOff val="60000"/>
-                      </a:schemeClr>
-                    </a:solidFill>
-                  </a:tcPr>
-                </a:tc>
-                <a:tc>
-                  <a:txBody>
-                    <a:bodyPr/>
-                    <a:lstStyle/>
-                    <a:p>
-                      <a:pPr marL="0" algn="r" defTabSz="914400" rtl="0" eaLnBrk="1" latinLnBrk="0" hangingPunct="1"/>
-                      <a:endParaRPr lang="en-US" sz="1600" kern="1200" dirty="0">
-                        <a:solidFill>
-                          <a:schemeClr val="accent4"/>
-                        </a:solidFill>
-                        <a:latin typeface="Arial Narrow" pitchFamily="34" charset="0"/>
-                        <a:ea typeface="+mn-ea"/>
-                        <a:cs typeface="+mn-cs"/>
-                      </a:endParaRPr>
-                    </a:p>
-                  </a:txBody>
-                  <a:tcPr marL="99020" marR="99020" marT="49510" marB="49510">
-                    <a:lnL w="12700" cap="flat" cmpd="sng" algn="ctr">
-                      <a:solidFill>
-                        <a:schemeClr val="bg1"/>
-                      </a:solidFill>
-                      <a:prstDash val="sysDot"/>
-                      <a:round/>
-                      <a:headEnd type="none" w="med" len="med"/>
-                      <a:tailEnd type="none" w="med" len="med"/>
-                    </a:lnL>
-                    <a:lnR w="12700" cap="flat" cmpd="sng" algn="ctr">
-                      <a:solidFill>
-                        <a:schemeClr val="bg1"/>
-                      </a:solidFill>
-                      <a:prstDash val="sysDot"/>
-                      <a:round/>
-                      <a:headEnd type="none" w="med" len="med"/>
-                      <a:tailEnd type="none" w="med" len="med"/>
-                    </a:lnR>
-                    <a:lnT w="12700" cap="flat" cmpd="sng" algn="ctr">
-                      <a:solidFill>
-                        <a:schemeClr val="bg1"/>
-                      </a:solidFill>
-                      <a:prstDash val="sysDot"/>
-                      <a:round/>
-                      <a:headEnd type="none" w="med" len="med"/>
-                      <a:tailEnd type="none" w="med" len="med"/>
-                    </a:lnT>
-                    <a:lnB w="12700" cap="flat" cmpd="sng" algn="ctr">
-                      <a:solidFill>
-                        <a:schemeClr val="bg1"/>
-                      </a:solidFill>
-                      <a:prstDash val="sysDot"/>
-                      <a:round/>
-                      <a:headEnd type="none" w="med" len="med"/>
-                      <a:tailEnd type="none" w="med" len="med"/>
-                    </a:lnB>
-                    <a:solidFill>
-                      <a:schemeClr val="accent5">
-                        <a:lumMod val="40000"/>
-                        <a:lumOff val="60000"/>
-                      </a:schemeClr>
-                    </a:solidFill>
-                  </a:tcPr>
-                </a:tc>
-                <a:tc>
-                  <a:txBody>
-                    <a:bodyPr/>
-                    <a:lstStyle/>
-                    <a:p>
-                      <a:pPr marL="0" algn="r" defTabSz="914400" rtl="0" eaLnBrk="1" latinLnBrk="0" hangingPunct="1"/>
-                      <a:endParaRPr lang="en-US" sz="1600" kern="1200" dirty="0">
-                        <a:solidFill>
-                          <a:schemeClr val="accent4"/>
-                        </a:solidFill>
-                        <a:latin typeface="Arial Narrow" pitchFamily="34" charset="0"/>
-                        <a:ea typeface="+mn-ea"/>
-                        <a:cs typeface="+mn-cs"/>
-                      </a:endParaRPr>
-                    </a:p>
-                  </a:txBody>
-                  <a:tcPr marL="99020" marR="99020" marT="49510" marB="49510">
-                    <a:lnL w="12700" cap="flat" cmpd="sng" algn="ctr">
-                      <a:solidFill>
-                        <a:schemeClr val="bg1"/>
-                      </a:solidFill>
-                      <a:prstDash val="sysDot"/>
-                      <a:round/>
-                      <a:headEnd type="none" w="med" len="med"/>
-                      <a:tailEnd type="none" w="med" len="med"/>
-                    </a:lnL>
-                    <a:lnR w="12700" cap="flat" cmpd="sng" algn="ctr">
-                      <a:solidFill>
-                        <a:schemeClr val="bg1"/>
-                      </a:solidFill>
-                      <a:prstDash val="sysDot"/>
-                      <a:round/>
-                      <a:headEnd type="none" w="med" len="med"/>
-                      <a:tailEnd type="none" w="med" len="med"/>
-                    </a:lnR>
-                    <a:lnT w="12700" cap="flat" cmpd="sng" algn="ctr">
-                      <a:solidFill>
-                        <a:schemeClr val="bg1"/>
-                      </a:solidFill>
-                      <a:prstDash val="sysDot"/>
-                      <a:round/>
-                      <a:headEnd type="none" w="med" len="med"/>
-                      <a:tailEnd type="none" w="med" len="med"/>
-                    </a:lnT>
-                    <a:lnB w="12700" cap="flat" cmpd="sng" algn="ctr">
-                      <a:solidFill>
-                        <a:schemeClr val="bg1"/>
-                      </a:solidFill>
-                      <a:prstDash val="sysDot"/>
-                      <a:round/>
-                      <a:headEnd type="none" w="med" len="med"/>
-                      <a:tailEnd type="none" w="med" len="med"/>
-                    </a:lnB>
-                    <a:solidFill>
-                      <a:schemeClr val="accent5">
-                        <a:lumMod val="40000"/>
-                        <a:lumOff val="60000"/>
-                      </a:schemeClr>
-                    </a:solidFill>
-                  </a:tcPr>
-                </a:tc>
-                <a:tc>
-                  <a:txBody>
-                    <a:bodyPr/>
-                    <a:lstStyle/>
-                    <a:p>
-                      <a:pPr marL="0" algn="r" defTabSz="914400" rtl="0" eaLnBrk="1" latinLnBrk="0" hangingPunct="1"/>
-                      <a:endParaRPr lang="en-US" sz="1600" kern="1200" dirty="0">
-                        <a:solidFill>
-                          <a:schemeClr val="accent4"/>
-                        </a:solidFill>
-                        <a:latin typeface="Arial Narrow" pitchFamily="34" charset="0"/>
-                        <a:ea typeface="+mn-ea"/>
-                        <a:cs typeface="+mn-cs"/>
-                      </a:endParaRPr>
-                    </a:p>
-                  </a:txBody>
-                  <a:tcPr marL="99020" marR="99020" marT="49510" marB="49510">
-                    <a:lnL w="12700" cap="flat" cmpd="sng" algn="ctr">
-                      <a:solidFill>
-                        <a:schemeClr val="bg1"/>
-                      </a:solidFill>
-                      <a:prstDash val="sysDot"/>
-                      <a:round/>
-                      <a:headEnd type="none" w="med" len="med"/>
-                      <a:tailEnd type="none" w="med" len="med"/>
-                    </a:lnL>
-                    <a:lnR w="12700" cap="flat" cmpd="sng" algn="ctr">
-                      <a:solidFill>
-                        <a:schemeClr val="bg1"/>
-                      </a:solidFill>
-                      <a:prstDash val="sysDot"/>
-                      <a:round/>
-                      <a:headEnd type="none" w="med" len="med"/>
-                      <a:tailEnd type="none" w="med" len="med"/>
-                    </a:lnR>
-                    <a:lnT w="12700" cap="flat" cmpd="sng" algn="ctr">
-                      <a:solidFill>
-                        <a:schemeClr val="bg1"/>
-                      </a:solidFill>
-                      <a:prstDash val="sysDot"/>
-                      <a:round/>
-                      <a:headEnd type="none" w="med" len="med"/>
-                      <a:tailEnd type="none" w="med" len="med"/>
-                    </a:lnT>
-                    <a:lnB w="12700" cap="flat" cmpd="sng" algn="ctr">
-                      <a:solidFill>
-                        <a:schemeClr val="bg1"/>
-                      </a:solidFill>
-                      <a:prstDash val="sysDot"/>
-                      <a:round/>
-                      <a:headEnd type="none" w="med" len="med"/>
-                      <a:tailEnd type="none" w="med" len="med"/>
-                    </a:lnB>
-                    <a:solidFill>
-                      <a:schemeClr val="accent5">
-                        <a:lumMod val="40000"/>
-                        <a:lumOff val="60000"/>
-                      </a:schemeClr>
-                    </a:solidFill>
-                  </a:tcPr>
-                </a:tc>
-                <a:extLst>
-                  <a:ext uri="{0D108BD9-81ED-4DB2-BD59-A6C34878D82A}">
-                    <a16:rowId xmlns:a16="http://schemas.microsoft.com/office/drawing/2014/main" val="10008"/>
                   </a:ext>
                 </a:extLst>
               </a:tr>
@@ -11125,17 +8874,2243 @@
                           <a:latin typeface="+mn-lt"/>
                           <a:cs typeface="Arial" panose="020B0604020202020204" pitchFamily="34" charset="0"/>
                         </a:rPr>
-                        <a:t>Report </a:t>
+                        <a:t>Parameters</a:t>
                       </a:r>
+                      <a:endParaRPr lang="fr" sz="1400" dirty="0">
+                        <a:solidFill>
+                          <a:schemeClr val="bg1"/>
+                        </a:solidFill>
+                        <a:latin typeface="+mn-lt"/>
+                        <a:cs typeface="Arial" panose="020B0604020202020204" pitchFamily="34" charset="0"/>
+                      </a:endParaRPr>
+                    </a:p>
+                  </a:txBody>
+                  <a:tcPr marL="99020" marR="99020" marT="49510" marB="49510">
+                    <a:lnL w="12700" cap="flat" cmpd="sng" algn="ctr">
+                      <a:solidFill>
+                        <a:schemeClr val="bg1"/>
+                      </a:solidFill>
+                      <a:prstDash val="sysDot"/>
+                      <a:round/>
+                      <a:headEnd type="none" w="med" len="med"/>
+                      <a:tailEnd type="none" w="med" len="med"/>
+                    </a:lnL>
+                    <a:lnR w="12700" cap="flat" cmpd="sng" algn="ctr">
+                      <a:solidFill>
+                        <a:schemeClr val="bg1"/>
+                      </a:solidFill>
+                      <a:prstDash val="sysDot"/>
+                      <a:round/>
+                      <a:headEnd type="none" w="med" len="med"/>
+                      <a:tailEnd type="none" w="med" len="med"/>
+                    </a:lnR>
+                    <a:lnT w="12700" cap="flat" cmpd="sng" algn="ctr">
+                      <a:solidFill>
+                        <a:schemeClr val="bg1"/>
+                      </a:solidFill>
+                      <a:prstDash val="sysDot"/>
+                      <a:round/>
+                      <a:headEnd type="none" w="med" len="med"/>
+                      <a:tailEnd type="none" w="med" len="med"/>
+                    </a:lnT>
+                    <a:lnB w="12700" cap="flat" cmpd="sng" algn="ctr">
+                      <a:solidFill>
+                        <a:schemeClr val="bg1"/>
+                      </a:solidFill>
+                      <a:prstDash val="sysDot"/>
+                      <a:round/>
+                      <a:headEnd type="none" w="med" len="med"/>
+                      <a:tailEnd type="none" w="med" len="med"/>
+                    </a:lnB>
+                    <a:solidFill>
+                      <a:schemeClr val="bg2">
+                        <a:lumMod val="25000"/>
+                      </a:schemeClr>
+                    </a:solidFill>
+                  </a:tcPr>
+                </a:tc>
+                <a:tc>
+                  <a:txBody>
+                    <a:bodyPr/>
+                    <a:lstStyle/>
+                    <a:p>
+                      <a:pPr rtl="0"/>
+                      <a:endParaRPr lang="en-US" sz="2000">
+                        <a:latin typeface="Arial Narrow" pitchFamily="34" charset="0"/>
+                      </a:endParaRPr>
+                    </a:p>
+                  </a:txBody>
+                  <a:tcPr marL="99020" marR="99020" marT="49510" marB="49510">
+                    <a:lnL w="12700" cap="flat" cmpd="sng" algn="ctr">
+                      <a:solidFill>
+                        <a:schemeClr val="bg1"/>
+                      </a:solidFill>
+                      <a:prstDash val="sysDot"/>
+                      <a:round/>
+                      <a:headEnd type="none" w="med" len="med"/>
+                      <a:tailEnd type="none" w="med" len="med"/>
+                    </a:lnL>
+                    <a:lnR w="12700" cap="flat" cmpd="sng" algn="ctr">
+                      <a:solidFill>
+                        <a:schemeClr val="bg1"/>
+                      </a:solidFill>
+                      <a:prstDash val="sysDot"/>
+                      <a:round/>
+                      <a:headEnd type="none" w="med" len="med"/>
+                      <a:tailEnd type="none" w="med" len="med"/>
+                    </a:lnR>
+                    <a:lnT w="12700" cap="flat" cmpd="sng" algn="ctr">
+                      <a:solidFill>
+                        <a:schemeClr val="bg1"/>
+                      </a:solidFill>
+                      <a:prstDash val="sysDot"/>
+                      <a:round/>
+                      <a:headEnd type="none" w="med" len="med"/>
+                      <a:tailEnd type="none" w="med" len="med"/>
+                    </a:lnT>
+                    <a:lnB w="12700" cap="flat" cmpd="sng" algn="ctr">
+                      <a:solidFill>
+                        <a:schemeClr val="bg1"/>
+                      </a:solidFill>
+                      <a:prstDash val="sysDot"/>
+                      <a:round/>
+                      <a:headEnd type="none" w="med" len="med"/>
+                      <a:tailEnd type="none" w="med" len="med"/>
+                    </a:lnB>
+                    <a:solidFill>
+                      <a:schemeClr val="bg2"/>
+                    </a:solidFill>
+                  </a:tcPr>
+                </a:tc>
+                <a:tc>
+                  <a:txBody>
+                    <a:bodyPr/>
+                    <a:lstStyle/>
+                    <a:p>
+                      <a:pPr rtl="0"/>
+                      <a:endParaRPr lang="en-US" sz="2000">
+                        <a:latin typeface="Arial Narrow" pitchFamily="34" charset="0"/>
+                      </a:endParaRPr>
+                    </a:p>
+                  </a:txBody>
+                  <a:tcPr marL="99020" marR="99020" marT="49510" marB="49510">
+                    <a:lnL w="12700" cap="flat" cmpd="sng" algn="ctr">
+                      <a:solidFill>
+                        <a:schemeClr val="bg1"/>
+                      </a:solidFill>
+                      <a:prstDash val="sysDot"/>
+                      <a:round/>
+                      <a:headEnd type="none" w="med" len="med"/>
+                      <a:tailEnd type="none" w="med" len="med"/>
+                    </a:lnL>
+                    <a:lnR w="12700" cap="flat" cmpd="sng" algn="ctr">
+                      <a:solidFill>
+                        <a:schemeClr val="bg1"/>
+                      </a:solidFill>
+                      <a:prstDash val="sysDot"/>
+                      <a:round/>
+                      <a:headEnd type="none" w="med" len="med"/>
+                      <a:tailEnd type="none" w="med" len="med"/>
+                    </a:lnR>
+                    <a:lnT w="12700" cap="flat" cmpd="sng" algn="ctr">
+                      <a:solidFill>
+                        <a:schemeClr val="bg1"/>
+                      </a:solidFill>
+                      <a:prstDash val="sysDot"/>
+                      <a:round/>
+                      <a:headEnd type="none" w="med" len="med"/>
+                      <a:tailEnd type="none" w="med" len="med"/>
+                    </a:lnT>
+                    <a:lnB w="12700" cap="flat" cmpd="sng" algn="ctr">
+                      <a:solidFill>
+                        <a:schemeClr val="bg1"/>
+                      </a:solidFill>
+                      <a:prstDash val="sysDot"/>
+                      <a:round/>
+                      <a:headEnd type="none" w="med" len="med"/>
+                      <a:tailEnd type="none" w="med" len="med"/>
+                    </a:lnB>
+                    <a:solidFill>
+                      <a:schemeClr val="bg2"/>
+                    </a:solidFill>
+                  </a:tcPr>
+                </a:tc>
+                <a:tc>
+                  <a:txBody>
+                    <a:bodyPr/>
+                    <a:lstStyle/>
+                    <a:p>
+                      <a:pPr rtl="0"/>
+                      <a:endParaRPr lang="en-US" sz="2000" dirty="0">
+                        <a:latin typeface="Arial Narrow" pitchFamily="34" charset="0"/>
+                      </a:endParaRPr>
+                    </a:p>
+                  </a:txBody>
+                  <a:tcPr marL="99020" marR="99020" marT="49510" marB="49510">
+                    <a:lnL w="12700" cap="flat" cmpd="sng" algn="ctr">
+                      <a:solidFill>
+                        <a:schemeClr val="bg1"/>
+                      </a:solidFill>
+                      <a:prstDash val="sysDot"/>
+                      <a:round/>
+                      <a:headEnd type="none" w="med" len="med"/>
+                      <a:tailEnd type="none" w="med" len="med"/>
+                    </a:lnL>
+                    <a:lnR w="12700" cap="flat" cmpd="sng" algn="ctr">
+                      <a:solidFill>
+                        <a:schemeClr val="bg1"/>
+                      </a:solidFill>
+                      <a:prstDash val="sysDot"/>
+                      <a:round/>
+                      <a:headEnd type="none" w="med" len="med"/>
+                      <a:tailEnd type="none" w="med" len="med"/>
+                    </a:lnR>
+                    <a:lnT w="12700" cap="flat" cmpd="sng" algn="ctr">
+                      <a:solidFill>
+                        <a:schemeClr val="bg1"/>
+                      </a:solidFill>
+                      <a:prstDash val="sysDot"/>
+                      <a:round/>
+                      <a:headEnd type="none" w="med" len="med"/>
+                      <a:tailEnd type="none" w="med" len="med"/>
+                    </a:lnT>
+                    <a:lnB w="12700" cap="flat" cmpd="sng" algn="ctr">
+                      <a:solidFill>
+                        <a:schemeClr val="bg1"/>
+                      </a:solidFill>
+                      <a:prstDash val="sysDot"/>
+                      <a:round/>
+                      <a:headEnd type="none" w="med" len="med"/>
+                      <a:tailEnd type="none" w="med" len="med"/>
+                    </a:lnB>
+                    <a:solidFill>
+                      <a:schemeClr val="bg2"/>
+                    </a:solidFill>
+                  </a:tcPr>
+                </a:tc>
+                <a:tc>
+                  <a:txBody>
+                    <a:bodyPr/>
+                    <a:lstStyle/>
+                    <a:p>
+                      <a:pPr rtl="0"/>
+                      <a:endParaRPr lang="en-US" sz="2000" dirty="0">
+                        <a:latin typeface="Arial Narrow" pitchFamily="34" charset="0"/>
+                      </a:endParaRPr>
+                    </a:p>
+                  </a:txBody>
+                  <a:tcPr marL="99020" marR="99020" marT="49510" marB="49510">
+                    <a:lnL w="12700" cap="flat" cmpd="sng" algn="ctr">
+                      <a:solidFill>
+                        <a:schemeClr val="bg1"/>
+                      </a:solidFill>
+                      <a:prstDash val="sysDot"/>
+                      <a:round/>
+                      <a:headEnd type="none" w="med" len="med"/>
+                      <a:tailEnd type="none" w="med" len="med"/>
+                    </a:lnL>
+                    <a:lnR w="12700" cap="flat" cmpd="sng" algn="ctr">
+                      <a:solidFill>
+                        <a:schemeClr val="bg1"/>
+                      </a:solidFill>
+                      <a:prstDash val="sysDot"/>
+                      <a:round/>
+                      <a:headEnd type="none" w="med" len="med"/>
+                      <a:tailEnd type="none" w="med" len="med"/>
+                    </a:lnR>
+                    <a:lnT w="12700" cap="flat" cmpd="sng" algn="ctr">
+                      <a:solidFill>
+                        <a:schemeClr val="bg1"/>
+                      </a:solidFill>
+                      <a:prstDash val="sysDot"/>
+                      <a:round/>
+                      <a:headEnd type="none" w="med" len="med"/>
+                      <a:tailEnd type="none" w="med" len="med"/>
+                    </a:lnT>
+                    <a:lnB w="12700" cap="flat" cmpd="sng" algn="ctr">
+                      <a:solidFill>
+                        <a:schemeClr val="bg1"/>
+                      </a:solidFill>
+                      <a:prstDash val="sysDot"/>
+                      <a:round/>
+                      <a:headEnd type="none" w="med" len="med"/>
+                      <a:tailEnd type="none" w="med" len="med"/>
+                    </a:lnB>
+                    <a:solidFill>
+                      <a:schemeClr val="bg2"/>
+                    </a:solidFill>
+                  </a:tcPr>
+                </a:tc>
+                <a:tc>
+                  <a:txBody>
+                    <a:bodyPr/>
+                    <a:lstStyle/>
+                    <a:p>
+                      <a:pPr rtl="0"/>
+                      <a:endParaRPr lang="en-US" sz="2000" dirty="0">
+                        <a:latin typeface="Arial Narrow" pitchFamily="34" charset="0"/>
+                      </a:endParaRPr>
+                    </a:p>
+                  </a:txBody>
+                  <a:tcPr marL="99020" marR="99020" marT="49510" marB="49510">
+                    <a:lnL w="12700" cap="flat" cmpd="sng" algn="ctr">
+                      <a:solidFill>
+                        <a:schemeClr val="bg1"/>
+                      </a:solidFill>
+                      <a:prstDash val="sysDot"/>
+                      <a:round/>
+                      <a:headEnd type="none" w="med" len="med"/>
+                      <a:tailEnd type="none" w="med" len="med"/>
+                    </a:lnL>
+                    <a:lnR w="12700" cap="flat" cmpd="sng" algn="ctr">
+                      <a:solidFill>
+                        <a:schemeClr val="bg1"/>
+                      </a:solidFill>
+                      <a:prstDash val="sysDot"/>
+                      <a:round/>
+                      <a:headEnd type="none" w="med" len="med"/>
+                      <a:tailEnd type="none" w="med" len="med"/>
+                    </a:lnR>
+                    <a:lnT w="12700" cap="flat" cmpd="sng" algn="ctr">
+                      <a:solidFill>
+                        <a:schemeClr val="bg1"/>
+                      </a:solidFill>
+                      <a:prstDash val="sysDot"/>
+                      <a:round/>
+                      <a:headEnd type="none" w="med" len="med"/>
+                      <a:tailEnd type="none" w="med" len="med"/>
+                    </a:lnT>
+                    <a:lnB w="12700" cap="flat" cmpd="sng" algn="ctr">
+                      <a:solidFill>
+                        <a:schemeClr val="bg1"/>
+                      </a:solidFill>
+                      <a:prstDash val="sysDot"/>
+                      <a:round/>
+                      <a:headEnd type="none" w="med" len="med"/>
+                      <a:tailEnd type="none" w="med" len="med"/>
+                    </a:lnB>
+                    <a:solidFill>
+                      <a:schemeClr val="bg2"/>
+                    </a:solidFill>
+                  </a:tcPr>
+                </a:tc>
+                <a:tc>
+                  <a:txBody>
+                    <a:bodyPr/>
+                    <a:lstStyle/>
+                    <a:p>
+                      <a:pPr rtl="0"/>
+                      <a:endParaRPr lang="en-US" sz="2000" dirty="0">
+                        <a:latin typeface="Arial Narrow" pitchFamily="34" charset="0"/>
+                      </a:endParaRPr>
+                    </a:p>
+                  </a:txBody>
+                  <a:tcPr marL="99020" marR="99020" marT="49510" marB="49510">
+                    <a:lnL w="12700" cap="flat" cmpd="sng" algn="ctr">
+                      <a:solidFill>
+                        <a:schemeClr val="bg1"/>
+                      </a:solidFill>
+                      <a:prstDash val="sysDot"/>
+                      <a:round/>
+                      <a:headEnd type="none" w="med" len="med"/>
+                      <a:tailEnd type="none" w="med" len="med"/>
+                    </a:lnL>
+                    <a:lnR w="12700" cap="flat" cmpd="sng" algn="ctr">
+                      <a:solidFill>
+                        <a:schemeClr val="bg1"/>
+                      </a:solidFill>
+                      <a:prstDash val="sysDot"/>
+                      <a:round/>
+                      <a:headEnd type="none" w="med" len="med"/>
+                      <a:tailEnd type="none" w="med" len="med"/>
+                    </a:lnR>
+                    <a:lnT w="12700" cap="flat" cmpd="sng" algn="ctr">
+                      <a:solidFill>
+                        <a:schemeClr val="bg1"/>
+                      </a:solidFill>
+                      <a:prstDash val="sysDot"/>
+                      <a:round/>
+                      <a:headEnd type="none" w="med" len="med"/>
+                      <a:tailEnd type="none" w="med" len="med"/>
+                    </a:lnT>
+                    <a:lnB w="12700" cap="flat" cmpd="sng" algn="ctr">
+                      <a:solidFill>
+                        <a:schemeClr val="bg1"/>
+                      </a:solidFill>
+                      <a:prstDash val="sysDot"/>
+                      <a:round/>
+                      <a:headEnd type="none" w="med" len="med"/>
+                      <a:tailEnd type="none" w="med" len="med"/>
+                    </a:lnB>
+                    <a:solidFill>
+                      <a:schemeClr val="bg2"/>
+                    </a:solidFill>
+                  </a:tcPr>
+                </a:tc>
+                <a:tc>
+                  <a:txBody>
+                    <a:bodyPr/>
+                    <a:lstStyle/>
+                    <a:p>
+                      <a:pPr rtl="0"/>
+                      <a:endParaRPr lang="en-US" sz="2000" dirty="0">
+                        <a:latin typeface="Arial Narrow" pitchFamily="34" charset="0"/>
+                      </a:endParaRPr>
+                    </a:p>
+                  </a:txBody>
+                  <a:tcPr marL="99020" marR="99020" marT="49510" marB="49510">
+                    <a:lnL w="12700" cap="flat" cmpd="sng" algn="ctr">
+                      <a:solidFill>
+                        <a:schemeClr val="bg1"/>
+                      </a:solidFill>
+                      <a:prstDash val="sysDot"/>
+                      <a:round/>
+                      <a:headEnd type="none" w="med" len="med"/>
+                      <a:tailEnd type="none" w="med" len="med"/>
+                    </a:lnL>
+                    <a:lnR w="12700" cap="flat" cmpd="sng" algn="ctr">
+                      <a:solidFill>
+                        <a:schemeClr val="bg1"/>
+                      </a:solidFill>
+                      <a:prstDash val="sysDot"/>
+                      <a:round/>
+                      <a:headEnd type="none" w="med" len="med"/>
+                      <a:tailEnd type="none" w="med" len="med"/>
+                    </a:lnR>
+                    <a:lnT w="12700" cap="flat" cmpd="sng" algn="ctr">
+                      <a:solidFill>
+                        <a:schemeClr val="bg1"/>
+                      </a:solidFill>
+                      <a:prstDash val="sysDot"/>
+                      <a:round/>
+                      <a:headEnd type="none" w="med" len="med"/>
+                      <a:tailEnd type="none" w="med" len="med"/>
+                    </a:lnT>
+                    <a:lnB w="12700" cap="flat" cmpd="sng" algn="ctr">
+                      <a:solidFill>
+                        <a:schemeClr val="bg1"/>
+                      </a:solidFill>
+                      <a:prstDash val="sysDot"/>
+                      <a:round/>
+                      <a:headEnd type="none" w="med" len="med"/>
+                      <a:tailEnd type="none" w="med" len="med"/>
+                    </a:lnB>
+                    <a:solidFill>
+                      <a:schemeClr val="bg2"/>
+                    </a:solidFill>
+                  </a:tcPr>
+                </a:tc>
+                <a:tc>
+                  <a:txBody>
+                    <a:bodyPr/>
+                    <a:lstStyle/>
+                    <a:p>
+                      <a:pPr marL="0" algn="r" defTabSz="914400" rtl="0" eaLnBrk="1" latinLnBrk="0" hangingPunct="1"/>
+                      <a:endParaRPr lang="en-US" sz="1600" kern="1200" dirty="0">
+                        <a:solidFill>
+                          <a:schemeClr val="accent4"/>
+                        </a:solidFill>
+                        <a:latin typeface="Arial Narrow" pitchFamily="34" charset="0"/>
+                        <a:ea typeface="+mn-ea"/>
+                        <a:cs typeface="+mn-cs"/>
+                      </a:endParaRPr>
+                    </a:p>
+                  </a:txBody>
+                  <a:tcPr marL="99020" marR="99020" marT="49510" marB="49510">
+                    <a:lnL w="12700" cap="flat" cmpd="sng" algn="ctr">
+                      <a:solidFill>
+                        <a:schemeClr val="bg1"/>
+                      </a:solidFill>
+                      <a:prstDash val="sysDot"/>
+                      <a:round/>
+                      <a:headEnd type="none" w="med" len="med"/>
+                      <a:tailEnd type="none" w="med" len="med"/>
+                    </a:lnL>
+                    <a:lnR w="12700" cap="flat" cmpd="sng" algn="ctr">
+                      <a:solidFill>
+                        <a:schemeClr val="bg1"/>
+                      </a:solidFill>
+                      <a:prstDash val="sysDot"/>
+                      <a:round/>
+                      <a:headEnd type="none" w="med" len="med"/>
+                      <a:tailEnd type="none" w="med" len="med"/>
+                    </a:lnR>
+                    <a:lnT w="12700" cap="flat" cmpd="sng" algn="ctr">
+                      <a:solidFill>
+                        <a:schemeClr val="bg1"/>
+                      </a:solidFill>
+                      <a:prstDash val="sysDot"/>
+                      <a:round/>
+                      <a:headEnd type="none" w="med" len="med"/>
+                      <a:tailEnd type="none" w="med" len="med"/>
+                    </a:lnT>
+                    <a:lnB w="12700" cap="flat" cmpd="sng" algn="ctr">
+                      <a:solidFill>
+                        <a:schemeClr val="bg1"/>
+                      </a:solidFill>
+                      <a:prstDash val="sysDot"/>
+                      <a:round/>
+                      <a:headEnd type="none" w="med" len="med"/>
+                      <a:tailEnd type="none" w="med" len="med"/>
+                    </a:lnB>
+                    <a:solidFill>
+                      <a:schemeClr val="accent5">
+                        <a:lumMod val="20000"/>
+                        <a:lumOff val="80000"/>
+                      </a:schemeClr>
+                    </a:solidFill>
+                  </a:tcPr>
+                </a:tc>
+                <a:tc>
+                  <a:txBody>
+                    <a:bodyPr/>
+                    <a:lstStyle/>
+                    <a:p>
+                      <a:pPr marL="0" algn="r" defTabSz="914400" rtl="0" eaLnBrk="1" latinLnBrk="0" hangingPunct="1"/>
+                      <a:endParaRPr lang="en-US" sz="1600" kern="1200">
+                        <a:solidFill>
+                          <a:schemeClr val="accent4"/>
+                        </a:solidFill>
+                        <a:latin typeface="Arial Narrow" pitchFamily="34" charset="0"/>
+                        <a:ea typeface="+mn-ea"/>
+                        <a:cs typeface="+mn-cs"/>
+                      </a:endParaRPr>
+                    </a:p>
+                  </a:txBody>
+                  <a:tcPr marL="99020" marR="99020" marT="49510" marB="49510">
+                    <a:lnL w="12700" cap="flat" cmpd="sng" algn="ctr">
+                      <a:solidFill>
+                        <a:schemeClr val="bg1"/>
+                      </a:solidFill>
+                      <a:prstDash val="sysDot"/>
+                      <a:round/>
+                      <a:headEnd type="none" w="med" len="med"/>
+                      <a:tailEnd type="none" w="med" len="med"/>
+                    </a:lnL>
+                    <a:lnR w="12700" cap="flat" cmpd="sng" algn="ctr">
+                      <a:solidFill>
+                        <a:schemeClr val="bg1"/>
+                      </a:solidFill>
+                      <a:prstDash val="sysDot"/>
+                      <a:round/>
+                      <a:headEnd type="none" w="med" len="med"/>
+                      <a:tailEnd type="none" w="med" len="med"/>
+                    </a:lnR>
+                    <a:lnT w="12700" cap="flat" cmpd="sng" algn="ctr">
+                      <a:solidFill>
+                        <a:schemeClr val="bg1"/>
+                      </a:solidFill>
+                      <a:prstDash val="sysDot"/>
+                      <a:round/>
+                      <a:headEnd type="none" w="med" len="med"/>
+                      <a:tailEnd type="none" w="med" len="med"/>
+                    </a:lnT>
+                    <a:lnB w="12700" cap="flat" cmpd="sng" algn="ctr">
+                      <a:solidFill>
+                        <a:schemeClr val="bg1"/>
+                      </a:solidFill>
+                      <a:prstDash val="sysDot"/>
+                      <a:round/>
+                      <a:headEnd type="none" w="med" len="med"/>
+                      <a:tailEnd type="none" w="med" len="med"/>
+                    </a:lnB>
+                    <a:solidFill>
+                      <a:schemeClr val="accent5">
+                        <a:lumMod val="20000"/>
+                        <a:lumOff val="80000"/>
+                      </a:schemeClr>
+                    </a:solidFill>
+                  </a:tcPr>
+                </a:tc>
+                <a:tc>
+                  <a:txBody>
+                    <a:bodyPr/>
+                    <a:lstStyle/>
+                    <a:p>
+                      <a:pPr marL="0" algn="r" defTabSz="914400" rtl="0" eaLnBrk="1" latinLnBrk="0" hangingPunct="1"/>
+                      <a:endParaRPr lang="en-US" sz="1600" kern="1200">
+                        <a:solidFill>
+                          <a:schemeClr val="accent4"/>
+                        </a:solidFill>
+                        <a:latin typeface="Arial Narrow" pitchFamily="34" charset="0"/>
+                        <a:ea typeface="+mn-ea"/>
+                        <a:cs typeface="+mn-cs"/>
+                      </a:endParaRPr>
+                    </a:p>
+                  </a:txBody>
+                  <a:tcPr marL="99020" marR="99020" marT="49510" marB="49510">
+                    <a:lnL w="12700" cap="flat" cmpd="sng" algn="ctr">
+                      <a:solidFill>
+                        <a:schemeClr val="bg1"/>
+                      </a:solidFill>
+                      <a:prstDash val="sysDot"/>
+                      <a:round/>
+                      <a:headEnd type="none" w="med" len="med"/>
+                      <a:tailEnd type="none" w="med" len="med"/>
+                    </a:lnL>
+                    <a:lnR w="12700" cap="flat" cmpd="sng" algn="ctr">
+                      <a:solidFill>
+                        <a:schemeClr val="bg1"/>
+                      </a:solidFill>
+                      <a:prstDash val="sysDot"/>
+                      <a:round/>
+                      <a:headEnd type="none" w="med" len="med"/>
+                      <a:tailEnd type="none" w="med" len="med"/>
+                    </a:lnR>
+                    <a:lnT w="12700" cap="flat" cmpd="sng" algn="ctr">
+                      <a:solidFill>
+                        <a:schemeClr val="bg1"/>
+                      </a:solidFill>
+                      <a:prstDash val="sysDot"/>
+                      <a:round/>
+                      <a:headEnd type="none" w="med" len="med"/>
+                      <a:tailEnd type="none" w="med" len="med"/>
+                    </a:lnT>
+                    <a:lnB w="12700" cap="flat" cmpd="sng" algn="ctr">
+                      <a:solidFill>
+                        <a:schemeClr val="bg1"/>
+                      </a:solidFill>
+                      <a:prstDash val="sysDot"/>
+                      <a:round/>
+                      <a:headEnd type="none" w="med" len="med"/>
+                      <a:tailEnd type="none" w="med" len="med"/>
+                    </a:lnB>
+                    <a:solidFill>
+                      <a:schemeClr val="accent5">
+                        <a:lumMod val="20000"/>
+                        <a:lumOff val="80000"/>
+                      </a:schemeClr>
+                    </a:solidFill>
+                  </a:tcPr>
+                </a:tc>
+                <a:tc>
+                  <a:txBody>
+                    <a:bodyPr/>
+                    <a:lstStyle/>
+                    <a:p>
+                      <a:pPr marL="0" algn="r" defTabSz="914400" rtl="0" eaLnBrk="1" latinLnBrk="0" hangingPunct="1"/>
+                      <a:endParaRPr lang="en-US" sz="1600" kern="1200" dirty="0">
+                        <a:solidFill>
+                          <a:schemeClr val="accent4"/>
+                        </a:solidFill>
+                        <a:latin typeface="Arial Narrow" pitchFamily="34" charset="0"/>
+                        <a:ea typeface="+mn-ea"/>
+                        <a:cs typeface="+mn-cs"/>
+                      </a:endParaRPr>
+                    </a:p>
+                  </a:txBody>
+                  <a:tcPr marL="99020" marR="99020" marT="49510" marB="49510">
+                    <a:lnL w="12700" cap="flat" cmpd="sng" algn="ctr">
+                      <a:solidFill>
+                        <a:schemeClr val="bg1"/>
+                      </a:solidFill>
+                      <a:prstDash val="sysDot"/>
+                      <a:round/>
+                      <a:headEnd type="none" w="med" len="med"/>
+                      <a:tailEnd type="none" w="med" len="med"/>
+                    </a:lnL>
+                    <a:lnR w="12700" cap="flat" cmpd="sng" algn="ctr">
+                      <a:solidFill>
+                        <a:schemeClr val="bg1"/>
+                      </a:solidFill>
+                      <a:prstDash val="sysDot"/>
+                      <a:round/>
+                      <a:headEnd type="none" w="med" len="med"/>
+                      <a:tailEnd type="none" w="med" len="med"/>
+                    </a:lnR>
+                    <a:lnT w="12700" cap="flat" cmpd="sng" algn="ctr">
+                      <a:solidFill>
+                        <a:schemeClr val="bg1"/>
+                      </a:solidFill>
+                      <a:prstDash val="sysDot"/>
+                      <a:round/>
+                      <a:headEnd type="none" w="med" len="med"/>
+                      <a:tailEnd type="none" w="med" len="med"/>
+                    </a:lnT>
+                    <a:lnB w="12700" cap="flat" cmpd="sng" algn="ctr">
+                      <a:solidFill>
+                        <a:schemeClr val="bg1"/>
+                      </a:solidFill>
+                      <a:prstDash val="sysDot"/>
+                      <a:round/>
+                      <a:headEnd type="none" w="med" len="med"/>
+                      <a:tailEnd type="none" w="med" len="med"/>
+                    </a:lnB>
+                    <a:solidFill>
+                      <a:schemeClr val="accent5">
+                        <a:lumMod val="20000"/>
+                        <a:lumOff val="80000"/>
+                      </a:schemeClr>
+                    </a:solidFill>
+                  </a:tcPr>
+                </a:tc>
+                <a:tc>
+                  <a:txBody>
+                    <a:bodyPr/>
+                    <a:lstStyle/>
+                    <a:p>
+                      <a:pPr marL="0" algn="r" defTabSz="914400" rtl="0" eaLnBrk="1" latinLnBrk="0" hangingPunct="1"/>
+                      <a:endParaRPr lang="en-US" sz="1600" kern="1200" dirty="0">
+                        <a:solidFill>
+                          <a:schemeClr val="accent4"/>
+                        </a:solidFill>
+                        <a:latin typeface="Arial Narrow" pitchFamily="34" charset="0"/>
+                        <a:ea typeface="+mn-ea"/>
+                        <a:cs typeface="+mn-cs"/>
+                      </a:endParaRPr>
+                    </a:p>
+                  </a:txBody>
+                  <a:tcPr marL="99020" marR="99020" marT="49510" marB="49510">
+                    <a:lnL w="12700" cap="flat" cmpd="sng" algn="ctr">
+                      <a:solidFill>
+                        <a:schemeClr val="bg1"/>
+                      </a:solidFill>
+                      <a:prstDash val="sysDot"/>
+                      <a:round/>
+                      <a:headEnd type="none" w="med" len="med"/>
+                      <a:tailEnd type="none" w="med" len="med"/>
+                    </a:lnL>
+                    <a:lnR w="12700" cap="flat" cmpd="sng" algn="ctr">
+                      <a:solidFill>
+                        <a:schemeClr val="bg1"/>
+                      </a:solidFill>
+                      <a:prstDash val="sysDot"/>
+                      <a:round/>
+                      <a:headEnd type="none" w="med" len="med"/>
+                      <a:tailEnd type="none" w="med" len="med"/>
+                    </a:lnR>
+                    <a:lnT w="12700" cap="flat" cmpd="sng" algn="ctr">
+                      <a:solidFill>
+                        <a:schemeClr val="bg1"/>
+                      </a:solidFill>
+                      <a:prstDash val="sysDot"/>
+                      <a:round/>
+                      <a:headEnd type="none" w="med" len="med"/>
+                      <a:tailEnd type="none" w="med" len="med"/>
+                    </a:lnT>
+                    <a:lnB w="12700" cap="flat" cmpd="sng" algn="ctr">
+                      <a:solidFill>
+                        <a:schemeClr val="bg1"/>
+                      </a:solidFill>
+                      <a:prstDash val="sysDot"/>
+                      <a:round/>
+                      <a:headEnd type="none" w="med" len="med"/>
+                      <a:tailEnd type="none" w="med" len="med"/>
+                    </a:lnB>
+                    <a:solidFill>
+                      <a:schemeClr val="accent5">
+                        <a:lumMod val="20000"/>
+                        <a:lumOff val="80000"/>
+                      </a:schemeClr>
+                    </a:solidFill>
+                  </a:tcPr>
+                </a:tc>
+                <a:tc>
+                  <a:txBody>
+                    <a:bodyPr/>
+                    <a:lstStyle/>
+                    <a:p>
+                      <a:pPr marL="0" algn="r" defTabSz="914400" rtl="0" eaLnBrk="1" latinLnBrk="0" hangingPunct="1"/>
+                      <a:endParaRPr lang="en-US" sz="1600" kern="1200" dirty="0">
+                        <a:solidFill>
+                          <a:schemeClr val="accent4"/>
+                        </a:solidFill>
+                        <a:latin typeface="Arial Narrow" pitchFamily="34" charset="0"/>
+                        <a:ea typeface="+mn-ea"/>
+                        <a:cs typeface="+mn-cs"/>
+                      </a:endParaRPr>
+                    </a:p>
+                  </a:txBody>
+                  <a:tcPr marL="99020" marR="99020" marT="49510" marB="49510">
+                    <a:lnL w="12700" cap="flat" cmpd="sng" algn="ctr">
+                      <a:solidFill>
+                        <a:schemeClr val="bg1"/>
+                      </a:solidFill>
+                      <a:prstDash val="sysDot"/>
+                      <a:round/>
+                      <a:headEnd type="none" w="med" len="med"/>
+                      <a:tailEnd type="none" w="med" len="med"/>
+                    </a:lnL>
+                    <a:lnR w="12700" cap="flat" cmpd="sng" algn="ctr">
+                      <a:solidFill>
+                        <a:schemeClr val="bg1"/>
+                      </a:solidFill>
+                      <a:prstDash val="sysDot"/>
+                      <a:round/>
+                      <a:headEnd type="none" w="med" len="med"/>
+                      <a:tailEnd type="none" w="med" len="med"/>
+                    </a:lnR>
+                    <a:lnT w="12700" cap="flat" cmpd="sng" algn="ctr">
+                      <a:solidFill>
+                        <a:schemeClr val="bg1"/>
+                      </a:solidFill>
+                      <a:prstDash val="sysDot"/>
+                      <a:round/>
+                      <a:headEnd type="none" w="med" len="med"/>
+                      <a:tailEnd type="none" w="med" len="med"/>
+                    </a:lnT>
+                    <a:lnB w="12700" cap="flat" cmpd="sng" algn="ctr">
+                      <a:solidFill>
+                        <a:schemeClr val="bg1"/>
+                      </a:solidFill>
+                      <a:prstDash val="sysDot"/>
+                      <a:round/>
+                      <a:headEnd type="none" w="med" len="med"/>
+                      <a:tailEnd type="none" w="med" len="med"/>
+                    </a:lnB>
+                    <a:solidFill>
+                      <a:schemeClr val="accent5">
+                        <a:lumMod val="20000"/>
+                        <a:lumOff val="80000"/>
+                      </a:schemeClr>
+                    </a:solidFill>
+                  </a:tcPr>
+                </a:tc>
+                <a:tc>
+                  <a:txBody>
+                    <a:bodyPr/>
+                    <a:lstStyle/>
+                    <a:p>
+                      <a:pPr marL="0" algn="r" defTabSz="914400" rtl="0" eaLnBrk="1" latinLnBrk="0" hangingPunct="1"/>
+                      <a:endParaRPr lang="en-US" sz="1600" kern="1200" dirty="0">
+                        <a:solidFill>
+                          <a:schemeClr val="accent4"/>
+                        </a:solidFill>
+                        <a:latin typeface="Arial Narrow" pitchFamily="34" charset="0"/>
+                        <a:ea typeface="+mn-ea"/>
+                        <a:cs typeface="+mn-cs"/>
+                      </a:endParaRPr>
+                    </a:p>
+                  </a:txBody>
+                  <a:tcPr marL="99020" marR="99020" marT="49510" marB="49510">
+                    <a:lnL w="12700" cap="flat" cmpd="sng" algn="ctr">
+                      <a:solidFill>
+                        <a:schemeClr val="bg1"/>
+                      </a:solidFill>
+                      <a:prstDash val="sysDot"/>
+                      <a:round/>
+                      <a:headEnd type="none" w="med" len="med"/>
+                      <a:tailEnd type="none" w="med" len="med"/>
+                    </a:lnL>
+                    <a:lnR w="12700" cap="flat" cmpd="sng" algn="ctr">
+                      <a:solidFill>
+                        <a:schemeClr val="bg1"/>
+                      </a:solidFill>
+                      <a:prstDash val="sysDot"/>
+                      <a:round/>
+                      <a:headEnd type="none" w="med" len="med"/>
+                      <a:tailEnd type="none" w="med" len="med"/>
+                    </a:lnR>
+                    <a:lnT w="12700" cap="flat" cmpd="sng" algn="ctr">
+                      <a:solidFill>
+                        <a:schemeClr val="bg1"/>
+                      </a:solidFill>
+                      <a:prstDash val="sysDot"/>
+                      <a:round/>
+                      <a:headEnd type="none" w="med" len="med"/>
+                      <a:tailEnd type="none" w="med" len="med"/>
+                    </a:lnT>
+                    <a:lnB w="12700" cap="flat" cmpd="sng" algn="ctr">
+                      <a:solidFill>
+                        <a:schemeClr val="bg1"/>
+                      </a:solidFill>
+                      <a:prstDash val="sysDot"/>
+                      <a:round/>
+                      <a:headEnd type="none" w="med" len="med"/>
+                      <a:tailEnd type="none" w="med" len="med"/>
+                    </a:lnB>
+                    <a:solidFill>
+                      <a:schemeClr val="accent5">
+                        <a:lumMod val="20000"/>
+                        <a:lumOff val="80000"/>
+                      </a:schemeClr>
+                    </a:solidFill>
+                  </a:tcPr>
+                </a:tc>
+                <a:tc>
+                  <a:txBody>
+                    <a:bodyPr/>
+                    <a:lstStyle/>
+                    <a:p>
+                      <a:pPr marL="0" algn="r" defTabSz="914400" rtl="0" eaLnBrk="1" latinLnBrk="0" hangingPunct="1"/>
+                      <a:endParaRPr lang="en-US" sz="1600" kern="1200" dirty="0">
+                        <a:solidFill>
+                          <a:schemeClr val="accent4"/>
+                        </a:solidFill>
+                        <a:latin typeface="Arial Narrow" pitchFamily="34" charset="0"/>
+                        <a:ea typeface="+mn-ea"/>
+                        <a:cs typeface="+mn-cs"/>
+                      </a:endParaRPr>
+                    </a:p>
+                  </a:txBody>
+                  <a:tcPr marL="99020" marR="99020" marT="49510" marB="49510">
+                    <a:lnL w="12700" cap="flat" cmpd="sng" algn="ctr">
+                      <a:solidFill>
+                        <a:schemeClr val="bg1"/>
+                      </a:solidFill>
+                      <a:prstDash val="sysDot"/>
+                      <a:round/>
+                      <a:headEnd type="none" w="med" len="med"/>
+                      <a:tailEnd type="none" w="med" len="med"/>
+                    </a:lnL>
+                    <a:lnR w="12700" cap="flat" cmpd="sng" algn="ctr">
+                      <a:solidFill>
+                        <a:schemeClr val="bg1"/>
+                      </a:solidFill>
+                      <a:prstDash val="sysDot"/>
+                      <a:round/>
+                      <a:headEnd type="none" w="med" len="med"/>
+                      <a:tailEnd type="none" w="med" len="med"/>
+                    </a:lnR>
+                    <a:lnT w="12700" cap="flat" cmpd="sng" algn="ctr">
+                      <a:solidFill>
+                        <a:schemeClr val="bg1"/>
+                      </a:solidFill>
+                      <a:prstDash val="sysDot"/>
+                      <a:round/>
+                      <a:headEnd type="none" w="med" len="med"/>
+                      <a:tailEnd type="none" w="med" len="med"/>
+                    </a:lnT>
+                    <a:lnB w="12700" cap="flat" cmpd="sng" algn="ctr">
+                      <a:solidFill>
+                        <a:schemeClr val="bg1"/>
+                      </a:solidFill>
+                      <a:prstDash val="sysDot"/>
+                      <a:round/>
+                      <a:headEnd type="none" w="med" len="med"/>
+                      <a:tailEnd type="none" w="med" len="med"/>
+                    </a:lnB>
+                    <a:solidFill>
+                      <a:schemeClr val="accent5">
+                        <a:lumMod val="40000"/>
+                        <a:lumOff val="60000"/>
+                      </a:schemeClr>
+                    </a:solidFill>
+                  </a:tcPr>
+                </a:tc>
+                <a:tc>
+                  <a:txBody>
+                    <a:bodyPr/>
+                    <a:lstStyle/>
+                    <a:p>
+                      <a:pPr marL="0" algn="r" defTabSz="914400" rtl="0" eaLnBrk="1" latinLnBrk="0" hangingPunct="1"/>
+                      <a:endParaRPr lang="en-US" sz="1600" kern="1200" dirty="0">
+                        <a:solidFill>
+                          <a:schemeClr val="accent4"/>
+                        </a:solidFill>
+                        <a:latin typeface="Arial Narrow" pitchFamily="34" charset="0"/>
+                        <a:ea typeface="+mn-ea"/>
+                        <a:cs typeface="+mn-cs"/>
+                      </a:endParaRPr>
+                    </a:p>
+                  </a:txBody>
+                  <a:tcPr marL="99020" marR="99020" marT="49510" marB="49510">
+                    <a:lnL w="12700" cap="flat" cmpd="sng" algn="ctr">
+                      <a:solidFill>
+                        <a:schemeClr val="bg1"/>
+                      </a:solidFill>
+                      <a:prstDash val="sysDot"/>
+                      <a:round/>
+                      <a:headEnd type="none" w="med" len="med"/>
+                      <a:tailEnd type="none" w="med" len="med"/>
+                    </a:lnL>
+                    <a:lnR w="12700" cap="flat" cmpd="sng" algn="ctr">
+                      <a:solidFill>
+                        <a:schemeClr val="bg1"/>
+                      </a:solidFill>
+                      <a:prstDash val="sysDot"/>
+                      <a:round/>
+                      <a:headEnd type="none" w="med" len="med"/>
+                      <a:tailEnd type="none" w="med" len="med"/>
+                    </a:lnR>
+                    <a:lnT w="12700" cap="flat" cmpd="sng" algn="ctr">
+                      <a:solidFill>
+                        <a:schemeClr val="bg1"/>
+                      </a:solidFill>
+                      <a:prstDash val="sysDot"/>
+                      <a:round/>
+                      <a:headEnd type="none" w="med" len="med"/>
+                      <a:tailEnd type="none" w="med" len="med"/>
+                    </a:lnT>
+                    <a:lnB w="12700" cap="flat" cmpd="sng" algn="ctr">
+                      <a:solidFill>
+                        <a:schemeClr val="bg1"/>
+                      </a:solidFill>
+                      <a:prstDash val="sysDot"/>
+                      <a:round/>
+                      <a:headEnd type="none" w="med" len="med"/>
+                      <a:tailEnd type="none" w="med" len="med"/>
+                    </a:lnB>
+                    <a:solidFill>
+                      <a:schemeClr val="accent5">
+                        <a:lumMod val="40000"/>
+                        <a:lumOff val="60000"/>
+                      </a:schemeClr>
+                    </a:solidFill>
+                  </a:tcPr>
+                </a:tc>
+                <a:tc>
+                  <a:txBody>
+                    <a:bodyPr/>
+                    <a:lstStyle/>
+                    <a:p>
+                      <a:pPr marL="0" algn="r" defTabSz="914400" rtl="0" eaLnBrk="1" latinLnBrk="0" hangingPunct="1"/>
+                      <a:endParaRPr lang="en-US" sz="1600" kern="1200" dirty="0">
+                        <a:solidFill>
+                          <a:schemeClr val="accent4"/>
+                        </a:solidFill>
+                        <a:latin typeface="Arial Narrow" pitchFamily="34" charset="0"/>
+                        <a:ea typeface="+mn-ea"/>
+                        <a:cs typeface="+mn-cs"/>
+                      </a:endParaRPr>
+                    </a:p>
+                  </a:txBody>
+                  <a:tcPr marL="99020" marR="99020" marT="49510" marB="49510">
+                    <a:lnL w="12700" cap="flat" cmpd="sng" algn="ctr">
+                      <a:solidFill>
+                        <a:schemeClr val="bg1"/>
+                      </a:solidFill>
+                      <a:prstDash val="sysDot"/>
+                      <a:round/>
+                      <a:headEnd type="none" w="med" len="med"/>
+                      <a:tailEnd type="none" w="med" len="med"/>
+                    </a:lnL>
+                    <a:lnR w="12700" cap="flat" cmpd="sng" algn="ctr">
+                      <a:solidFill>
+                        <a:schemeClr val="bg1"/>
+                      </a:solidFill>
+                      <a:prstDash val="sysDot"/>
+                      <a:round/>
+                      <a:headEnd type="none" w="med" len="med"/>
+                      <a:tailEnd type="none" w="med" len="med"/>
+                    </a:lnR>
+                    <a:lnT w="12700" cap="flat" cmpd="sng" algn="ctr">
+                      <a:solidFill>
+                        <a:schemeClr val="bg1"/>
+                      </a:solidFill>
+                      <a:prstDash val="sysDot"/>
+                      <a:round/>
+                      <a:headEnd type="none" w="med" len="med"/>
+                      <a:tailEnd type="none" w="med" len="med"/>
+                    </a:lnT>
+                    <a:lnB w="12700" cap="flat" cmpd="sng" algn="ctr">
+                      <a:solidFill>
+                        <a:schemeClr val="bg1"/>
+                      </a:solidFill>
+                      <a:prstDash val="sysDot"/>
+                      <a:round/>
+                      <a:headEnd type="none" w="med" len="med"/>
+                      <a:tailEnd type="none" w="med" len="med"/>
+                    </a:lnB>
+                    <a:solidFill>
+                      <a:schemeClr val="accent5">
+                        <a:lumMod val="40000"/>
+                        <a:lumOff val="60000"/>
+                      </a:schemeClr>
+                    </a:solidFill>
+                  </a:tcPr>
+                </a:tc>
+                <a:tc>
+                  <a:txBody>
+                    <a:bodyPr/>
+                    <a:lstStyle/>
+                    <a:p>
+                      <a:pPr marL="0" algn="r" defTabSz="914400" rtl="0" eaLnBrk="1" latinLnBrk="0" hangingPunct="1"/>
+                      <a:endParaRPr lang="en-US" sz="1600" kern="1200" dirty="0">
+                        <a:solidFill>
+                          <a:schemeClr val="accent4"/>
+                        </a:solidFill>
+                        <a:latin typeface="Arial Narrow" pitchFamily="34" charset="0"/>
+                        <a:ea typeface="+mn-ea"/>
+                        <a:cs typeface="+mn-cs"/>
+                      </a:endParaRPr>
+                    </a:p>
+                  </a:txBody>
+                  <a:tcPr marL="99020" marR="99020" marT="49510" marB="49510">
+                    <a:lnL w="12700" cap="flat" cmpd="sng" algn="ctr">
+                      <a:solidFill>
+                        <a:schemeClr val="bg1"/>
+                      </a:solidFill>
+                      <a:prstDash val="sysDot"/>
+                      <a:round/>
+                      <a:headEnd type="none" w="med" len="med"/>
+                      <a:tailEnd type="none" w="med" len="med"/>
+                    </a:lnL>
+                    <a:lnR w="12700" cap="flat" cmpd="sng" algn="ctr">
+                      <a:solidFill>
+                        <a:schemeClr val="bg1"/>
+                      </a:solidFill>
+                      <a:prstDash val="sysDot"/>
+                      <a:round/>
+                      <a:headEnd type="none" w="med" len="med"/>
+                      <a:tailEnd type="none" w="med" len="med"/>
+                    </a:lnR>
+                    <a:lnT w="12700" cap="flat" cmpd="sng" algn="ctr">
+                      <a:solidFill>
+                        <a:schemeClr val="bg1"/>
+                      </a:solidFill>
+                      <a:prstDash val="sysDot"/>
+                      <a:round/>
+                      <a:headEnd type="none" w="med" len="med"/>
+                      <a:tailEnd type="none" w="med" len="med"/>
+                    </a:lnT>
+                    <a:lnB w="12700" cap="flat" cmpd="sng" algn="ctr">
+                      <a:solidFill>
+                        <a:schemeClr val="bg1"/>
+                      </a:solidFill>
+                      <a:prstDash val="sysDot"/>
+                      <a:round/>
+                      <a:headEnd type="none" w="med" len="med"/>
+                      <a:tailEnd type="none" w="med" len="med"/>
+                    </a:lnB>
+                    <a:solidFill>
+                      <a:schemeClr val="accent5">
+                        <a:lumMod val="40000"/>
+                        <a:lumOff val="60000"/>
+                      </a:schemeClr>
+                    </a:solidFill>
+                  </a:tcPr>
+                </a:tc>
+                <a:extLst>
+                  <a:ext uri="{0D108BD9-81ED-4DB2-BD59-A6C34878D82A}">
+                    <a16:rowId xmlns:a16="http://schemas.microsoft.com/office/drawing/2014/main" val="10007"/>
+                  </a:ext>
+                </a:extLst>
+              </a:tr>
+              <a:tr h="398276">
+                <a:tc>
+                  <a:txBody>
+                    <a:bodyPr/>
+                    <a:lstStyle/>
+                    <a:p>
+                      <a:pPr rtl="0"/>
                       <a:r>
-                        <a:rPr lang="fr-CH" sz="1400" dirty="0" err="1">
+                        <a:rPr lang="fr-CH" sz="1400" dirty="0">
                           <a:solidFill>
                             <a:schemeClr val="bg1"/>
                           </a:solidFill>
                           <a:latin typeface="+mn-lt"/>
                           <a:cs typeface="Arial" panose="020B0604020202020204" pitchFamily="34" charset="0"/>
                         </a:rPr>
-                        <a:t>writing</a:t>
+                        <a:t>X-Foil testing</a:t>
+                      </a:r>
+                      <a:endParaRPr lang="fr" sz="1400" dirty="0">
+                        <a:solidFill>
+                          <a:schemeClr val="bg1"/>
+                        </a:solidFill>
+                        <a:latin typeface="+mn-lt"/>
+                        <a:cs typeface="Arial" panose="020B0604020202020204" pitchFamily="34" charset="0"/>
+                      </a:endParaRPr>
+                    </a:p>
+                  </a:txBody>
+                  <a:tcPr marL="99020" marR="99020" marT="49510" marB="49510">
+                    <a:lnL w="12700" cap="flat" cmpd="sng" algn="ctr">
+                      <a:solidFill>
+                        <a:schemeClr val="bg1"/>
+                      </a:solidFill>
+                      <a:prstDash val="sysDot"/>
+                      <a:round/>
+                      <a:headEnd type="none" w="med" len="med"/>
+                      <a:tailEnd type="none" w="med" len="med"/>
+                    </a:lnL>
+                    <a:lnR w="12700" cap="flat" cmpd="sng" algn="ctr">
+                      <a:solidFill>
+                        <a:schemeClr val="bg1"/>
+                      </a:solidFill>
+                      <a:prstDash val="sysDot"/>
+                      <a:round/>
+                      <a:headEnd type="none" w="med" len="med"/>
+                      <a:tailEnd type="none" w="med" len="med"/>
+                    </a:lnR>
+                    <a:lnT w="12700" cap="flat" cmpd="sng" algn="ctr">
+                      <a:solidFill>
+                        <a:schemeClr val="bg1"/>
+                      </a:solidFill>
+                      <a:prstDash val="sysDot"/>
+                      <a:round/>
+                      <a:headEnd type="none" w="med" len="med"/>
+                      <a:tailEnd type="none" w="med" len="med"/>
+                    </a:lnT>
+                    <a:lnB w="12700" cap="flat" cmpd="sng" algn="ctr">
+                      <a:solidFill>
+                        <a:schemeClr val="bg1"/>
+                      </a:solidFill>
+                      <a:prstDash val="sysDot"/>
+                      <a:round/>
+                      <a:headEnd type="none" w="med" len="med"/>
+                      <a:tailEnd type="none" w="med" len="med"/>
+                    </a:lnB>
+                    <a:solidFill>
+                      <a:schemeClr val="bg2">
+                        <a:lumMod val="25000"/>
+                      </a:schemeClr>
+                    </a:solidFill>
+                  </a:tcPr>
+                </a:tc>
+                <a:tc>
+                  <a:txBody>
+                    <a:bodyPr/>
+                    <a:lstStyle/>
+                    <a:p>
+                      <a:pPr rtl="0"/>
+                      <a:endParaRPr lang="en-US" sz="2000" dirty="0">
+                        <a:latin typeface="Arial Narrow" pitchFamily="34" charset="0"/>
+                      </a:endParaRPr>
+                    </a:p>
+                  </a:txBody>
+                  <a:tcPr marL="99020" marR="99020" marT="49510" marB="49510">
+                    <a:lnL w="12700" cap="flat" cmpd="sng" algn="ctr">
+                      <a:solidFill>
+                        <a:schemeClr val="bg1"/>
+                      </a:solidFill>
+                      <a:prstDash val="sysDot"/>
+                      <a:round/>
+                      <a:headEnd type="none" w="med" len="med"/>
+                      <a:tailEnd type="none" w="med" len="med"/>
+                    </a:lnL>
+                    <a:lnR w="12700" cap="flat" cmpd="sng" algn="ctr">
+                      <a:solidFill>
+                        <a:schemeClr val="bg1"/>
+                      </a:solidFill>
+                      <a:prstDash val="sysDot"/>
+                      <a:round/>
+                      <a:headEnd type="none" w="med" len="med"/>
+                      <a:tailEnd type="none" w="med" len="med"/>
+                    </a:lnR>
+                    <a:lnT w="12700" cap="flat" cmpd="sng" algn="ctr">
+                      <a:solidFill>
+                        <a:schemeClr val="bg1"/>
+                      </a:solidFill>
+                      <a:prstDash val="sysDot"/>
+                      <a:round/>
+                      <a:headEnd type="none" w="med" len="med"/>
+                      <a:tailEnd type="none" w="med" len="med"/>
+                    </a:lnT>
+                    <a:lnB w="12700" cap="flat" cmpd="sng" algn="ctr">
+                      <a:solidFill>
+                        <a:schemeClr val="bg1"/>
+                      </a:solidFill>
+                      <a:prstDash val="sysDot"/>
+                      <a:round/>
+                      <a:headEnd type="none" w="med" len="med"/>
+                      <a:tailEnd type="none" w="med" len="med"/>
+                    </a:lnB>
+                    <a:solidFill>
+                      <a:schemeClr val="bg2"/>
+                    </a:solidFill>
+                  </a:tcPr>
+                </a:tc>
+                <a:tc>
+                  <a:txBody>
+                    <a:bodyPr/>
+                    <a:lstStyle/>
+                    <a:p>
+                      <a:pPr rtl="0"/>
+                      <a:endParaRPr lang="en-US" sz="2000" dirty="0">
+                        <a:latin typeface="Arial Narrow" pitchFamily="34" charset="0"/>
+                      </a:endParaRPr>
+                    </a:p>
+                  </a:txBody>
+                  <a:tcPr marL="99020" marR="99020" marT="49510" marB="49510">
+                    <a:lnL w="12700" cap="flat" cmpd="sng" algn="ctr">
+                      <a:solidFill>
+                        <a:schemeClr val="bg1"/>
+                      </a:solidFill>
+                      <a:prstDash val="sysDot"/>
+                      <a:round/>
+                      <a:headEnd type="none" w="med" len="med"/>
+                      <a:tailEnd type="none" w="med" len="med"/>
+                    </a:lnL>
+                    <a:lnR w="12700" cap="flat" cmpd="sng" algn="ctr">
+                      <a:solidFill>
+                        <a:schemeClr val="bg1"/>
+                      </a:solidFill>
+                      <a:prstDash val="sysDot"/>
+                      <a:round/>
+                      <a:headEnd type="none" w="med" len="med"/>
+                      <a:tailEnd type="none" w="med" len="med"/>
+                    </a:lnR>
+                    <a:lnT w="12700" cap="flat" cmpd="sng" algn="ctr">
+                      <a:solidFill>
+                        <a:schemeClr val="bg1"/>
+                      </a:solidFill>
+                      <a:prstDash val="sysDot"/>
+                      <a:round/>
+                      <a:headEnd type="none" w="med" len="med"/>
+                      <a:tailEnd type="none" w="med" len="med"/>
+                    </a:lnT>
+                    <a:lnB w="12700" cap="flat" cmpd="sng" algn="ctr">
+                      <a:solidFill>
+                        <a:schemeClr val="bg1"/>
+                      </a:solidFill>
+                      <a:prstDash val="sysDot"/>
+                      <a:round/>
+                      <a:headEnd type="none" w="med" len="med"/>
+                      <a:tailEnd type="none" w="med" len="med"/>
+                    </a:lnB>
+                    <a:solidFill>
+                      <a:schemeClr val="bg2"/>
+                    </a:solidFill>
+                  </a:tcPr>
+                </a:tc>
+                <a:tc>
+                  <a:txBody>
+                    <a:bodyPr/>
+                    <a:lstStyle/>
+                    <a:p>
+                      <a:pPr rtl="0"/>
+                      <a:endParaRPr lang="en-US" sz="2000" dirty="0">
+                        <a:latin typeface="Arial Narrow" pitchFamily="34" charset="0"/>
+                      </a:endParaRPr>
+                    </a:p>
+                  </a:txBody>
+                  <a:tcPr marL="99020" marR="99020" marT="49510" marB="49510">
+                    <a:lnL w="12700" cap="flat" cmpd="sng" algn="ctr">
+                      <a:solidFill>
+                        <a:schemeClr val="bg1"/>
+                      </a:solidFill>
+                      <a:prstDash val="sysDot"/>
+                      <a:round/>
+                      <a:headEnd type="none" w="med" len="med"/>
+                      <a:tailEnd type="none" w="med" len="med"/>
+                    </a:lnL>
+                    <a:lnR w="12700" cap="flat" cmpd="sng" algn="ctr">
+                      <a:solidFill>
+                        <a:schemeClr val="bg1"/>
+                      </a:solidFill>
+                      <a:prstDash val="sysDot"/>
+                      <a:round/>
+                      <a:headEnd type="none" w="med" len="med"/>
+                      <a:tailEnd type="none" w="med" len="med"/>
+                    </a:lnR>
+                    <a:lnT w="12700" cap="flat" cmpd="sng" algn="ctr">
+                      <a:solidFill>
+                        <a:schemeClr val="bg1"/>
+                      </a:solidFill>
+                      <a:prstDash val="sysDot"/>
+                      <a:round/>
+                      <a:headEnd type="none" w="med" len="med"/>
+                      <a:tailEnd type="none" w="med" len="med"/>
+                    </a:lnT>
+                    <a:lnB w="12700" cap="flat" cmpd="sng" algn="ctr">
+                      <a:solidFill>
+                        <a:schemeClr val="bg1"/>
+                      </a:solidFill>
+                      <a:prstDash val="sysDot"/>
+                      <a:round/>
+                      <a:headEnd type="none" w="med" len="med"/>
+                      <a:tailEnd type="none" w="med" len="med"/>
+                    </a:lnB>
+                    <a:solidFill>
+                      <a:schemeClr val="bg2"/>
+                    </a:solidFill>
+                  </a:tcPr>
+                </a:tc>
+                <a:tc>
+                  <a:txBody>
+                    <a:bodyPr/>
+                    <a:lstStyle/>
+                    <a:p>
+                      <a:pPr rtl="0"/>
+                      <a:endParaRPr lang="en-US" sz="2000" dirty="0">
+                        <a:latin typeface="Arial Narrow" pitchFamily="34" charset="0"/>
+                      </a:endParaRPr>
+                    </a:p>
+                  </a:txBody>
+                  <a:tcPr marL="99020" marR="99020" marT="49510" marB="49510">
+                    <a:lnL w="12700" cap="flat" cmpd="sng" algn="ctr">
+                      <a:solidFill>
+                        <a:schemeClr val="bg1"/>
+                      </a:solidFill>
+                      <a:prstDash val="sysDot"/>
+                      <a:round/>
+                      <a:headEnd type="none" w="med" len="med"/>
+                      <a:tailEnd type="none" w="med" len="med"/>
+                    </a:lnL>
+                    <a:lnR w="12700" cap="flat" cmpd="sng" algn="ctr">
+                      <a:solidFill>
+                        <a:schemeClr val="bg1"/>
+                      </a:solidFill>
+                      <a:prstDash val="sysDot"/>
+                      <a:round/>
+                      <a:headEnd type="none" w="med" len="med"/>
+                      <a:tailEnd type="none" w="med" len="med"/>
+                    </a:lnR>
+                    <a:lnT w="12700" cap="flat" cmpd="sng" algn="ctr">
+                      <a:solidFill>
+                        <a:schemeClr val="bg1"/>
+                      </a:solidFill>
+                      <a:prstDash val="sysDot"/>
+                      <a:round/>
+                      <a:headEnd type="none" w="med" len="med"/>
+                      <a:tailEnd type="none" w="med" len="med"/>
+                    </a:lnT>
+                    <a:lnB w="12700" cap="flat" cmpd="sng" algn="ctr">
+                      <a:solidFill>
+                        <a:schemeClr val="bg1"/>
+                      </a:solidFill>
+                      <a:prstDash val="sysDot"/>
+                      <a:round/>
+                      <a:headEnd type="none" w="med" len="med"/>
+                      <a:tailEnd type="none" w="med" len="med"/>
+                    </a:lnB>
+                    <a:solidFill>
+                      <a:schemeClr val="bg2"/>
+                    </a:solidFill>
+                  </a:tcPr>
+                </a:tc>
+                <a:tc>
+                  <a:txBody>
+                    <a:bodyPr/>
+                    <a:lstStyle/>
+                    <a:p>
+                      <a:pPr rtl="0"/>
+                      <a:endParaRPr lang="en-US" sz="2000" dirty="0">
+                        <a:latin typeface="Arial Narrow" pitchFamily="34" charset="0"/>
+                      </a:endParaRPr>
+                    </a:p>
+                  </a:txBody>
+                  <a:tcPr marL="99020" marR="99020" marT="49510" marB="49510">
+                    <a:lnL w="12700" cap="flat" cmpd="sng" algn="ctr">
+                      <a:solidFill>
+                        <a:schemeClr val="bg1"/>
+                      </a:solidFill>
+                      <a:prstDash val="sysDot"/>
+                      <a:round/>
+                      <a:headEnd type="none" w="med" len="med"/>
+                      <a:tailEnd type="none" w="med" len="med"/>
+                    </a:lnL>
+                    <a:lnR w="12700" cap="flat" cmpd="sng" algn="ctr">
+                      <a:solidFill>
+                        <a:schemeClr val="bg1"/>
+                      </a:solidFill>
+                      <a:prstDash val="sysDot"/>
+                      <a:round/>
+                      <a:headEnd type="none" w="med" len="med"/>
+                      <a:tailEnd type="none" w="med" len="med"/>
+                    </a:lnR>
+                    <a:lnT w="12700" cap="flat" cmpd="sng" algn="ctr">
+                      <a:solidFill>
+                        <a:schemeClr val="bg1"/>
+                      </a:solidFill>
+                      <a:prstDash val="sysDot"/>
+                      <a:round/>
+                      <a:headEnd type="none" w="med" len="med"/>
+                      <a:tailEnd type="none" w="med" len="med"/>
+                    </a:lnT>
+                    <a:lnB w="12700" cap="flat" cmpd="sng" algn="ctr">
+                      <a:solidFill>
+                        <a:schemeClr val="bg1"/>
+                      </a:solidFill>
+                      <a:prstDash val="sysDot"/>
+                      <a:round/>
+                      <a:headEnd type="none" w="med" len="med"/>
+                      <a:tailEnd type="none" w="med" len="med"/>
+                    </a:lnB>
+                    <a:solidFill>
+                      <a:schemeClr val="bg2"/>
+                    </a:solidFill>
+                  </a:tcPr>
+                </a:tc>
+                <a:tc>
+                  <a:txBody>
+                    <a:bodyPr/>
+                    <a:lstStyle/>
+                    <a:p>
+                      <a:pPr rtl="0"/>
+                      <a:endParaRPr lang="en-US" sz="2000" dirty="0">
+                        <a:latin typeface="Arial Narrow" pitchFamily="34" charset="0"/>
+                      </a:endParaRPr>
+                    </a:p>
+                  </a:txBody>
+                  <a:tcPr marL="99020" marR="99020" marT="49510" marB="49510">
+                    <a:lnL w="12700" cap="flat" cmpd="sng" algn="ctr">
+                      <a:solidFill>
+                        <a:schemeClr val="bg1"/>
+                      </a:solidFill>
+                      <a:prstDash val="sysDot"/>
+                      <a:round/>
+                      <a:headEnd type="none" w="med" len="med"/>
+                      <a:tailEnd type="none" w="med" len="med"/>
+                    </a:lnL>
+                    <a:lnR w="12700" cap="flat" cmpd="sng" algn="ctr">
+                      <a:solidFill>
+                        <a:schemeClr val="bg1"/>
+                      </a:solidFill>
+                      <a:prstDash val="sysDot"/>
+                      <a:round/>
+                      <a:headEnd type="none" w="med" len="med"/>
+                      <a:tailEnd type="none" w="med" len="med"/>
+                    </a:lnR>
+                    <a:lnT w="12700" cap="flat" cmpd="sng" algn="ctr">
+                      <a:solidFill>
+                        <a:schemeClr val="bg1"/>
+                      </a:solidFill>
+                      <a:prstDash val="sysDot"/>
+                      <a:round/>
+                      <a:headEnd type="none" w="med" len="med"/>
+                      <a:tailEnd type="none" w="med" len="med"/>
+                    </a:lnT>
+                    <a:lnB w="12700" cap="flat" cmpd="sng" algn="ctr">
+                      <a:solidFill>
+                        <a:schemeClr val="bg1"/>
+                      </a:solidFill>
+                      <a:prstDash val="sysDot"/>
+                      <a:round/>
+                      <a:headEnd type="none" w="med" len="med"/>
+                      <a:tailEnd type="none" w="med" len="med"/>
+                    </a:lnB>
+                    <a:solidFill>
+                      <a:schemeClr val="bg2"/>
+                    </a:solidFill>
+                  </a:tcPr>
+                </a:tc>
+                <a:tc>
+                  <a:txBody>
+                    <a:bodyPr/>
+                    <a:lstStyle/>
+                    <a:p>
+                      <a:pPr rtl="0"/>
+                      <a:endParaRPr lang="en-US" sz="2000" dirty="0">
+                        <a:latin typeface="Arial Narrow" pitchFamily="34" charset="0"/>
+                      </a:endParaRPr>
+                    </a:p>
+                  </a:txBody>
+                  <a:tcPr marL="99020" marR="99020" marT="49510" marB="49510">
+                    <a:lnL w="12700" cap="flat" cmpd="sng" algn="ctr">
+                      <a:solidFill>
+                        <a:schemeClr val="bg1"/>
+                      </a:solidFill>
+                      <a:prstDash val="sysDot"/>
+                      <a:round/>
+                      <a:headEnd type="none" w="med" len="med"/>
+                      <a:tailEnd type="none" w="med" len="med"/>
+                    </a:lnL>
+                    <a:lnR w="12700" cap="flat" cmpd="sng" algn="ctr">
+                      <a:solidFill>
+                        <a:schemeClr val="bg1"/>
+                      </a:solidFill>
+                      <a:prstDash val="sysDot"/>
+                      <a:round/>
+                      <a:headEnd type="none" w="med" len="med"/>
+                      <a:tailEnd type="none" w="med" len="med"/>
+                    </a:lnR>
+                    <a:lnT w="12700" cap="flat" cmpd="sng" algn="ctr">
+                      <a:solidFill>
+                        <a:schemeClr val="bg1"/>
+                      </a:solidFill>
+                      <a:prstDash val="sysDot"/>
+                      <a:round/>
+                      <a:headEnd type="none" w="med" len="med"/>
+                      <a:tailEnd type="none" w="med" len="med"/>
+                    </a:lnT>
+                    <a:lnB w="12700" cap="flat" cmpd="sng" algn="ctr">
+                      <a:solidFill>
+                        <a:schemeClr val="bg1"/>
+                      </a:solidFill>
+                      <a:prstDash val="sysDot"/>
+                      <a:round/>
+                      <a:headEnd type="none" w="med" len="med"/>
+                      <a:tailEnd type="none" w="med" len="med"/>
+                    </a:lnB>
+                    <a:solidFill>
+                      <a:schemeClr val="bg2"/>
+                    </a:solidFill>
+                  </a:tcPr>
+                </a:tc>
+                <a:tc>
+                  <a:txBody>
+                    <a:bodyPr/>
+                    <a:lstStyle/>
+                    <a:p>
+                      <a:pPr marL="0" algn="r" defTabSz="914400" rtl="0" eaLnBrk="1" latinLnBrk="0" hangingPunct="1"/>
+                      <a:endParaRPr lang="en-US" sz="1600" kern="1200" dirty="0">
+                        <a:solidFill>
+                          <a:schemeClr val="accent4"/>
+                        </a:solidFill>
+                        <a:latin typeface="Arial Narrow" pitchFamily="34" charset="0"/>
+                        <a:ea typeface="+mn-ea"/>
+                        <a:cs typeface="+mn-cs"/>
+                      </a:endParaRPr>
+                    </a:p>
+                  </a:txBody>
+                  <a:tcPr marL="99020" marR="99020" marT="49510" marB="49510">
+                    <a:lnL w="12700" cap="flat" cmpd="sng" algn="ctr">
+                      <a:solidFill>
+                        <a:schemeClr val="bg1"/>
+                      </a:solidFill>
+                      <a:prstDash val="sysDot"/>
+                      <a:round/>
+                      <a:headEnd type="none" w="med" len="med"/>
+                      <a:tailEnd type="none" w="med" len="med"/>
+                    </a:lnL>
+                    <a:lnR w="12700" cap="flat" cmpd="sng" algn="ctr">
+                      <a:solidFill>
+                        <a:schemeClr val="bg1"/>
+                      </a:solidFill>
+                      <a:prstDash val="sysDot"/>
+                      <a:round/>
+                      <a:headEnd type="none" w="med" len="med"/>
+                      <a:tailEnd type="none" w="med" len="med"/>
+                    </a:lnR>
+                    <a:lnT w="12700" cap="flat" cmpd="sng" algn="ctr">
+                      <a:solidFill>
+                        <a:schemeClr val="bg1"/>
+                      </a:solidFill>
+                      <a:prstDash val="sysDot"/>
+                      <a:round/>
+                      <a:headEnd type="none" w="med" len="med"/>
+                      <a:tailEnd type="none" w="med" len="med"/>
+                    </a:lnT>
+                    <a:lnB w="12700" cap="flat" cmpd="sng" algn="ctr">
+                      <a:solidFill>
+                        <a:schemeClr val="bg1"/>
+                      </a:solidFill>
+                      <a:prstDash val="sysDot"/>
+                      <a:round/>
+                      <a:headEnd type="none" w="med" len="med"/>
+                      <a:tailEnd type="none" w="med" len="med"/>
+                    </a:lnB>
+                    <a:solidFill>
+                      <a:schemeClr val="accent5">
+                        <a:lumMod val="20000"/>
+                        <a:lumOff val="80000"/>
+                      </a:schemeClr>
+                    </a:solidFill>
+                  </a:tcPr>
+                </a:tc>
+                <a:tc>
+                  <a:txBody>
+                    <a:bodyPr/>
+                    <a:lstStyle/>
+                    <a:p>
+                      <a:pPr marL="0" algn="r" defTabSz="914400" rtl="0" eaLnBrk="1" latinLnBrk="0" hangingPunct="1"/>
+                      <a:endParaRPr lang="en-US" sz="1600" kern="1200">
+                        <a:solidFill>
+                          <a:schemeClr val="accent4"/>
+                        </a:solidFill>
+                        <a:latin typeface="Arial Narrow" pitchFamily="34" charset="0"/>
+                        <a:ea typeface="+mn-ea"/>
+                        <a:cs typeface="+mn-cs"/>
+                      </a:endParaRPr>
+                    </a:p>
+                  </a:txBody>
+                  <a:tcPr marL="99020" marR="99020" marT="49510" marB="49510">
+                    <a:lnL w="12700" cap="flat" cmpd="sng" algn="ctr">
+                      <a:solidFill>
+                        <a:schemeClr val="bg1"/>
+                      </a:solidFill>
+                      <a:prstDash val="sysDot"/>
+                      <a:round/>
+                      <a:headEnd type="none" w="med" len="med"/>
+                      <a:tailEnd type="none" w="med" len="med"/>
+                    </a:lnL>
+                    <a:lnR w="12700" cap="flat" cmpd="sng" algn="ctr">
+                      <a:solidFill>
+                        <a:schemeClr val="bg1"/>
+                      </a:solidFill>
+                      <a:prstDash val="sysDot"/>
+                      <a:round/>
+                      <a:headEnd type="none" w="med" len="med"/>
+                      <a:tailEnd type="none" w="med" len="med"/>
+                    </a:lnR>
+                    <a:lnT w="12700" cap="flat" cmpd="sng" algn="ctr">
+                      <a:solidFill>
+                        <a:schemeClr val="bg1"/>
+                      </a:solidFill>
+                      <a:prstDash val="sysDot"/>
+                      <a:round/>
+                      <a:headEnd type="none" w="med" len="med"/>
+                      <a:tailEnd type="none" w="med" len="med"/>
+                    </a:lnT>
+                    <a:lnB w="12700" cap="flat" cmpd="sng" algn="ctr">
+                      <a:solidFill>
+                        <a:schemeClr val="bg1"/>
+                      </a:solidFill>
+                      <a:prstDash val="sysDot"/>
+                      <a:round/>
+                      <a:headEnd type="none" w="med" len="med"/>
+                      <a:tailEnd type="none" w="med" len="med"/>
+                    </a:lnB>
+                    <a:solidFill>
+                      <a:schemeClr val="accent5">
+                        <a:lumMod val="20000"/>
+                        <a:lumOff val="80000"/>
+                      </a:schemeClr>
+                    </a:solidFill>
+                  </a:tcPr>
+                </a:tc>
+                <a:tc>
+                  <a:txBody>
+                    <a:bodyPr/>
+                    <a:lstStyle/>
+                    <a:p>
+                      <a:pPr marL="0" algn="r" defTabSz="914400" rtl="0" eaLnBrk="1" latinLnBrk="0" hangingPunct="1"/>
+                      <a:endParaRPr lang="en-US" sz="1600" kern="1200">
+                        <a:solidFill>
+                          <a:schemeClr val="accent4"/>
+                        </a:solidFill>
+                        <a:latin typeface="Arial Narrow" pitchFamily="34" charset="0"/>
+                        <a:ea typeface="+mn-ea"/>
+                        <a:cs typeface="+mn-cs"/>
+                      </a:endParaRPr>
+                    </a:p>
+                  </a:txBody>
+                  <a:tcPr marL="99020" marR="99020" marT="49510" marB="49510">
+                    <a:lnL w="12700" cap="flat" cmpd="sng" algn="ctr">
+                      <a:solidFill>
+                        <a:schemeClr val="bg1"/>
+                      </a:solidFill>
+                      <a:prstDash val="sysDot"/>
+                      <a:round/>
+                      <a:headEnd type="none" w="med" len="med"/>
+                      <a:tailEnd type="none" w="med" len="med"/>
+                    </a:lnL>
+                    <a:lnR w="12700" cap="flat" cmpd="sng" algn="ctr">
+                      <a:solidFill>
+                        <a:schemeClr val="bg1"/>
+                      </a:solidFill>
+                      <a:prstDash val="sysDot"/>
+                      <a:round/>
+                      <a:headEnd type="none" w="med" len="med"/>
+                      <a:tailEnd type="none" w="med" len="med"/>
+                    </a:lnR>
+                    <a:lnT w="12700" cap="flat" cmpd="sng" algn="ctr">
+                      <a:solidFill>
+                        <a:schemeClr val="bg1"/>
+                      </a:solidFill>
+                      <a:prstDash val="sysDot"/>
+                      <a:round/>
+                      <a:headEnd type="none" w="med" len="med"/>
+                      <a:tailEnd type="none" w="med" len="med"/>
+                    </a:lnT>
+                    <a:lnB w="12700" cap="flat" cmpd="sng" algn="ctr">
+                      <a:solidFill>
+                        <a:schemeClr val="bg1"/>
+                      </a:solidFill>
+                      <a:prstDash val="sysDot"/>
+                      <a:round/>
+                      <a:headEnd type="none" w="med" len="med"/>
+                      <a:tailEnd type="none" w="med" len="med"/>
+                    </a:lnB>
+                    <a:solidFill>
+                      <a:schemeClr val="accent5">
+                        <a:lumMod val="20000"/>
+                        <a:lumOff val="80000"/>
+                      </a:schemeClr>
+                    </a:solidFill>
+                  </a:tcPr>
+                </a:tc>
+                <a:tc>
+                  <a:txBody>
+                    <a:bodyPr/>
+                    <a:lstStyle/>
+                    <a:p>
+                      <a:pPr marL="0" algn="r" defTabSz="914400" rtl="0" eaLnBrk="1" latinLnBrk="0" hangingPunct="1"/>
+                      <a:endParaRPr lang="en-US" sz="1600" kern="1200" dirty="0">
+                        <a:solidFill>
+                          <a:schemeClr val="accent4"/>
+                        </a:solidFill>
+                        <a:latin typeface="Arial Narrow" pitchFamily="34" charset="0"/>
+                        <a:ea typeface="+mn-ea"/>
+                        <a:cs typeface="+mn-cs"/>
+                      </a:endParaRPr>
+                    </a:p>
+                  </a:txBody>
+                  <a:tcPr marL="99020" marR="99020" marT="49510" marB="49510">
+                    <a:lnL w="12700" cap="flat" cmpd="sng" algn="ctr">
+                      <a:solidFill>
+                        <a:schemeClr val="bg1"/>
+                      </a:solidFill>
+                      <a:prstDash val="sysDot"/>
+                      <a:round/>
+                      <a:headEnd type="none" w="med" len="med"/>
+                      <a:tailEnd type="none" w="med" len="med"/>
+                    </a:lnL>
+                    <a:lnR w="12700" cap="flat" cmpd="sng" algn="ctr">
+                      <a:solidFill>
+                        <a:schemeClr val="bg1"/>
+                      </a:solidFill>
+                      <a:prstDash val="sysDot"/>
+                      <a:round/>
+                      <a:headEnd type="none" w="med" len="med"/>
+                      <a:tailEnd type="none" w="med" len="med"/>
+                    </a:lnR>
+                    <a:lnT w="12700" cap="flat" cmpd="sng" algn="ctr">
+                      <a:solidFill>
+                        <a:schemeClr val="bg1"/>
+                      </a:solidFill>
+                      <a:prstDash val="sysDot"/>
+                      <a:round/>
+                      <a:headEnd type="none" w="med" len="med"/>
+                      <a:tailEnd type="none" w="med" len="med"/>
+                    </a:lnT>
+                    <a:lnB w="12700" cap="flat" cmpd="sng" algn="ctr">
+                      <a:solidFill>
+                        <a:schemeClr val="bg1"/>
+                      </a:solidFill>
+                      <a:prstDash val="sysDot"/>
+                      <a:round/>
+                      <a:headEnd type="none" w="med" len="med"/>
+                      <a:tailEnd type="none" w="med" len="med"/>
+                    </a:lnB>
+                    <a:solidFill>
+                      <a:schemeClr val="accent5">
+                        <a:lumMod val="20000"/>
+                        <a:lumOff val="80000"/>
+                      </a:schemeClr>
+                    </a:solidFill>
+                  </a:tcPr>
+                </a:tc>
+                <a:tc>
+                  <a:txBody>
+                    <a:bodyPr/>
+                    <a:lstStyle/>
+                    <a:p>
+                      <a:pPr marL="0" algn="r" defTabSz="914400" rtl="0" eaLnBrk="1" latinLnBrk="0" hangingPunct="1"/>
+                      <a:endParaRPr lang="en-US" sz="1600" kern="1200" dirty="0">
+                        <a:solidFill>
+                          <a:schemeClr val="accent4"/>
+                        </a:solidFill>
+                        <a:latin typeface="Arial Narrow" pitchFamily="34" charset="0"/>
+                        <a:ea typeface="+mn-ea"/>
+                        <a:cs typeface="+mn-cs"/>
+                      </a:endParaRPr>
+                    </a:p>
+                  </a:txBody>
+                  <a:tcPr marL="99020" marR="99020" marT="49510" marB="49510">
+                    <a:lnL w="12700" cap="flat" cmpd="sng" algn="ctr">
+                      <a:solidFill>
+                        <a:schemeClr val="bg1"/>
+                      </a:solidFill>
+                      <a:prstDash val="sysDot"/>
+                      <a:round/>
+                      <a:headEnd type="none" w="med" len="med"/>
+                      <a:tailEnd type="none" w="med" len="med"/>
+                    </a:lnL>
+                    <a:lnR w="12700" cap="flat" cmpd="sng" algn="ctr">
+                      <a:solidFill>
+                        <a:schemeClr val="bg1"/>
+                      </a:solidFill>
+                      <a:prstDash val="sysDot"/>
+                      <a:round/>
+                      <a:headEnd type="none" w="med" len="med"/>
+                      <a:tailEnd type="none" w="med" len="med"/>
+                    </a:lnR>
+                    <a:lnT w="12700" cap="flat" cmpd="sng" algn="ctr">
+                      <a:solidFill>
+                        <a:schemeClr val="bg1"/>
+                      </a:solidFill>
+                      <a:prstDash val="sysDot"/>
+                      <a:round/>
+                      <a:headEnd type="none" w="med" len="med"/>
+                      <a:tailEnd type="none" w="med" len="med"/>
+                    </a:lnT>
+                    <a:lnB w="12700" cap="flat" cmpd="sng" algn="ctr">
+                      <a:solidFill>
+                        <a:schemeClr val="bg1"/>
+                      </a:solidFill>
+                      <a:prstDash val="sysDot"/>
+                      <a:round/>
+                      <a:headEnd type="none" w="med" len="med"/>
+                      <a:tailEnd type="none" w="med" len="med"/>
+                    </a:lnB>
+                    <a:solidFill>
+                      <a:schemeClr val="accent5">
+                        <a:lumMod val="20000"/>
+                        <a:lumOff val="80000"/>
+                      </a:schemeClr>
+                    </a:solidFill>
+                  </a:tcPr>
+                </a:tc>
+                <a:tc>
+                  <a:txBody>
+                    <a:bodyPr/>
+                    <a:lstStyle/>
+                    <a:p>
+                      <a:pPr marL="0" algn="r" defTabSz="914400" rtl="0" eaLnBrk="1" latinLnBrk="0" hangingPunct="1"/>
+                      <a:endParaRPr lang="en-US" sz="1600" kern="1200" dirty="0">
+                        <a:solidFill>
+                          <a:schemeClr val="accent4"/>
+                        </a:solidFill>
+                        <a:latin typeface="Arial Narrow" pitchFamily="34" charset="0"/>
+                        <a:ea typeface="+mn-ea"/>
+                        <a:cs typeface="+mn-cs"/>
+                      </a:endParaRPr>
+                    </a:p>
+                  </a:txBody>
+                  <a:tcPr marL="99020" marR="99020" marT="49510" marB="49510">
+                    <a:lnL w="12700" cap="flat" cmpd="sng" algn="ctr">
+                      <a:solidFill>
+                        <a:schemeClr val="bg1"/>
+                      </a:solidFill>
+                      <a:prstDash val="sysDot"/>
+                      <a:round/>
+                      <a:headEnd type="none" w="med" len="med"/>
+                      <a:tailEnd type="none" w="med" len="med"/>
+                    </a:lnL>
+                    <a:lnR w="12700" cap="flat" cmpd="sng" algn="ctr">
+                      <a:solidFill>
+                        <a:schemeClr val="bg1"/>
+                      </a:solidFill>
+                      <a:prstDash val="sysDot"/>
+                      <a:round/>
+                      <a:headEnd type="none" w="med" len="med"/>
+                      <a:tailEnd type="none" w="med" len="med"/>
+                    </a:lnR>
+                    <a:lnT w="12700" cap="flat" cmpd="sng" algn="ctr">
+                      <a:solidFill>
+                        <a:schemeClr val="bg1"/>
+                      </a:solidFill>
+                      <a:prstDash val="sysDot"/>
+                      <a:round/>
+                      <a:headEnd type="none" w="med" len="med"/>
+                      <a:tailEnd type="none" w="med" len="med"/>
+                    </a:lnT>
+                    <a:lnB w="12700" cap="flat" cmpd="sng" algn="ctr">
+                      <a:solidFill>
+                        <a:schemeClr val="bg1"/>
+                      </a:solidFill>
+                      <a:prstDash val="sysDot"/>
+                      <a:round/>
+                      <a:headEnd type="none" w="med" len="med"/>
+                      <a:tailEnd type="none" w="med" len="med"/>
+                    </a:lnB>
+                    <a:solidFill>
+                      <a:schemeClr val="accent5">
+                        <a:lumMod val="20000"/>
+                        <a:lumOff val="80000"/>
+                      </a:schemeClr>
+                    </a:solidFill>
+                  </a:tcPr>
+                </a:tc>
+                <a:tc>
+                  <a:txBody>
+                    <a:bodyPr/>
+                    <a:lstStyle/>
+                    <a:p>
+                      <a:pPr marL="0" algn="r" defTabSz="914400" rtl="0" eaLnBrk="1" latinLnBrk="0" hangingPunct="1"/>
+                      <a:endParaRPr lang="en-US" sz="1600" kern="1200" dirty="0">
+                        <a:solidFill>
+                          <a:schemeClr val="accent4"/>
+                        </a:solidFill>
+                        <a:latin typeface="Arial Narrow" pitchFamily="34" charset="0"/>
+                        <a:ea typeface="+mn-ea"/>
+                        <a:cs typeface="+mn-cs"/>
+                      </a:endParaRPr>
+                    </a:p>
+                  </a:txBody>
+                  <a:tcPr marL="99020" marR="99020" marT="49510" marB="49510">
+                    <a:lnL w="12700" cap="flat" cmpd="sng" algn="ctr">
+                      <a:solidFill>
+                        <a:schemeClr val="bg1"/>
+                      </a:solidFill>
+                      <a:prstDash val="sysDot"/>
+                      <a:round/>
+                      <a:headEnd type="none" w="med" len="med"/>
+                      <a:tailEnd type="none" w="med" len="med"/>
+                    </a:lnL>
+                    <a:lnR w="12700" cap="flat" cmpd="sng" algn="ctr">
+                      <a:solidFill>
+                        <a:schemeClr val="bg1"/>
+                      </a:solidFill>
+                      <a:prstDash val="sysDot"/>
+                      <a:round/>
+                      <a:headEnd type="none" w="med" len="med"/>
+                      <a:tailEnd type="none" w="med" len="med"/>
+                    </a:lnR>
+                    <a:lnT w="12700" cap="flat" cmpd="sng" algn="ctr">
+                      <a:solidFill>
+                        <a:schemeClr val="bg1"/>
+                      </a:solidFill>
+                      <a:prstDash val="sysDot"/>
+                      <a:round/>
+                      <a:headEnd type="none" w="med" len="med"/>
+                      <a:tailEnd type="none" w="med" len="med"/>
+                    </a:lnT>
+                    <a:lnB w="12700" cap="flat" cmpd="sng" algn="ctr">
+                      <a:solidFill>
+                        <a:schemeClr val="bg1"/>
+                      </a:solidFill>
+                      <a:prstDash val="sysDot"/>
+                      <a:round/>
+                      <a:headEnd type="none" w="med" len="med"/>
+                      <a:tailEnd type="none" w="med" len="med"/>
+                    </a:lnB>
+                    <a:solidFill>
+                      <a:schemeClr val="accent5">
+                        <a:lumMod val="20000"/>
+                        <a:lumOff val="80000"/>
+                      </a:schemeClr>
+                    </a:solidFill>
+                  </a:tcPr>
+                </a:tc>
+                <a:tc>
+                  <a:txBody>
+                    <a:bodyPr/>
+                    <a:lstStyle/>
+                    <a:p>
+                      <a:pPr marL="0" algn="r" defTabSz="914400" rtl="0" eaLnBrk="1" latinLnBrk="0" hangingPunct="1"/>
+                      <a:endParaRPr lang="en-US" sz="1600" kern="1200" dirty="0">
+                        <a:solidFill>
+                          <a:schemeClr val="accent4"/>
+                        </a:solidFill>
+                        <a:latin typeface="Arial Narrow" pitchFamily="34" charset="0"/>
+                        <a:ea typeface="+mn-ea"/>
+                        <a:cs typeface="+mn-cs"/>
+                      </a:endParaRPr>
+                    </a:p>
+                  </a:txBody>
+                  <a:tcPr marL="99020" marR="99020" marT="49510" marB="49510">
+                    <a:lnL w="12700" cap="flat" cmpd="sng" algn="ctr">
+                      <a:solidFill>
+                        <a:schemeClr val="bg1"/>
+                      </a:solidFill>
+                      <a:prstDash val="sysDot"/>
+                      <a:round/>
+                      <a:headEnd type="none" w="med" len="med"/>
+                      <a:tailEnd type="none" w="med" len="med"/>
+                    </a:lnL>
+                    <a:lnR w="12700" cap="flat" cmpd="sng" algn="ctr">
+                      <a:solidFill>
+                        <a:schemeClr val="bg1"/>
+                      </a:solidFill>
+                      <a:prstDash val="sysDot"/>
+                      <a:round/>
+                      <a:headEnd type="none" w="med" len="med"/>
+                      <a:tailEnd type="none" w="med" len="med"/>
+                    </a:lnR>
+                    <a:lnT w="12700" cap="flat" cmpd="sng" algn="ctr">
+                      <a:solidFill>
+                        <a:schemeClr val="bg1"/>
+                      </a:solidFill>
+                      <a:prstDash val="sysDot"/>
+                      <a:round/>
+                      <a:headEnd type="none" w="med" len="med"/>
+                      <a:tailEnd type="none" w="med" len="med"/>
+                    </a:lnT>
+                    <a:lnB w="12700" cap="flat" cmpd="sng" algn="ctr">
+                      <a:solidFill>
+                        <a:schemeClr val="bg1"/>
+                      </a:solidFill>
+                      <a:prstDash val="sysDot"/>
+                      <a:round/>
+                      <a:headEnd type="none" w="med" len="med"/>
+                      <a:tailEnd type="none" w="med" len="med"/>
+                    </a:lnB>
+                    <a:solidFill>
+                      <a:schemeClr val="accent5">
+                        <a:lumMod val="40000"/>
+                        <a:lumOff val="60000"/>
+                      </a:schemeClr>
+                    </a:solidFill>
+                  </a:tcPr>
+                </a:tc>
+                <a:tc>
+                  <a:txBody>
+                    <a:bodyPr/>
+                    <a:lstStyle/>
+                    <a:p>
+                      <a:pPr marL="0" algn="r" defTabSz="914400" rtl="0" eaLnBrk="1" latinLnBrk="0" hangingPunct="1"/>
+                      <a:endParaRPr lang="en-US" sz="1600" kern="1200" dirty="0">
+                        <a:solidFill>
+                          <a:schemeClr val="accent4"/>
+                        </a:solidFill>
+                        <a:latin typeface="Arial Narrow" pitchFamily="34" charset="0"/>
+                        <a:ea typeface="+mn-ea"/>
+                        <a:cs typeface="+mn-cs"/>
+                      </a:endParaRPr>
+                    </a:p>
+                  </a:txBody>
+                  <a:tcPr marL="99020" marR="99020" marT="49510" marB="49510">
+                    <a:lnL w="12700" cap="flat" cmpd="sng" algn="ctr">
+                      <a:solidFill>
+                        <a:schemeClr val="bg1"/>
+                      </a:solidFill>
+                      <a:prstDash val="sysDot"/>
+                      <a:round/>
+                      <a:headEnd type="none" w="med" len="med"/>
+                      <a:tailEnd type="none" w="med" len="med"/>
+                    </a:lnL>
+                    <a:lnR w="12700" cap="flat" cmpd="sng" algn="ctr">
+                      <a:solidFill>
+                        <a:schemeClr val="bg1"/>
+                      </a:solidFill>
+                      <a:prstDash val="sysDot"/>
+                      <a:round/>
+                      <a:headEnd type="none" w="med" len="med"/>
+                      <a:tailEnd type="none" w="med" len="med"/>
+                    </a:lnR>
+                    <a:lnT w="12700" cap="flat" cmpd="sng" algn="ctr">
+                      <a:solidFill>
+                        <a:schemeClr val="bg1"/>
+                      </a:solidFill>
+                      <a:prstDash val="sysDot"/>
+                      <a:round/>
+                      <a:headEnd type="none" w="med" len="med"/>
+                      <a:tailEnd type="none" w="med" len="med"/>
+                    </a:lnT>
+                    <a:lnB w="12700" cap="flat" cmpd="sng" algn="ctr">
+                      <a:solidFill>
+                        <a:schemeClr val="bg1"/>
+                      </a:solidFill>
+                      <a:prstDash val="sysDot"/>
+                      <a:round/>
+                      <a:headEnd type="none" w="med" len="med"/>
+                      <a:tailEnd type="none" w="med" len="med"/>
+                    </a:lnB>
+                    <a:solidFill>
+                      <a:schemeClr val="accent5">
+                        <a:lumMod val="40000"/>
+                        <a:lumOff val="60000"/>
+                      </a:schemeClr>
+                    </a:solidFill>
+                  </a:tcPr>
+                </a:tc>
+                <a:tc>
+                  <a:txBody>
+                    <a:bodyPr/>
+                    <a:lstStyle/>
+                    <a:p>
+                      <a:pPr marL="0" algn="r" defTabSz="914400" rtl="0" eaLnBrk="1" latinLnBrk="0" hangingPunct="1"/>
+                      <a:endParaRPr lang="en-US" sz="1600" kern="1200" dirty="0">
+                        <a:solidFill>
+                          <a:schemeClr val="accent4"/>
+                        </a:solidFill>
+                        <a:latin typeface="Arial Narrow" pitchFamily="34" charset="0"/>
+                        <a:ea typeface="+mn-ea"/>
+                        <a:cs typeface="+mn-cs"/>
+                      </a:endParaRPr>
+                    </a:p>
+                  </a:txBody>
+                  <a:tcPr marL="99020" marR="99020" marT="49510" marB="49510">
+                    <a:lnL w="12700" cap="flat" cmpd="sng" algn="ctr">
+                      <a:solidFill>
+                        <a:schemeClr val="bg1"/>
+                      </a:solidFill>
+                      <a:prstDash val="sysDot"/>
+                      <a:round/>
+                      <a:headEnd type="none" w="med" len="med"/>
+                      <a:tailEnd type="none" w="med" len="med"/>
+                    </a:lnL>
+                    <a:lnR w="12700" cap="flat" cmpd="sng" algn="ctr">
+                      <a:solidFill>
+                        <a:schemeClr val="bg1"/>
+                      </a:solidFill>
+                      <a:prstDash val="sysDot"/>
+                      <a:round/>
+                      <a:headEnd type="none" w="med" len="med"/>
+                      <a:tailEnd type="none" w="med" len="med"/>
+                    </a:lnR>
+                    <a:lnT w="12700" cap="flat" cmpd="sng" algn="ctr">
+                      <a:solidFill>
+                        <a:schemeClr val="bg1"/>
+                      </a:solidFill>
+                      <a:prstDash val="sysDot"/>
+                      <a:round/>
+                      <a:headEnd type="none" w="med" len="med"/>
+                      <a:tailEnd type="none" w="med" len="med"/>
+                    </a:lnT>
+                    <a:lnB w="12700" cap="flat" cmpd="sng" algn="ctr">
+                      <a:solidFill>
+                        <a:schemeClr val="bg1"/>
+                      </a:solidFill>
+                      <a:prstDash val="sysDot"/>
+                      <a:round/>
+                      <a:headEnd type="none" w="med" len="med"/>
+                      <a:tailEnd type="none" w="med" len="med"/>
+                    </a:lnB>
+                    <a:solidFill>
+                      <a:schemeClr val="accent5">
+                        <a:lumMod val="40000"/>
+                        <a:lumOff val="60000"/>
+                      </a:schemeClr>
+                    </a:solidFill>
+                  </a:tcPr>
+                </a:tc>
+                <a:tc>
+                  <a:txBody>
+                    <a:bodyPr/>
+                    <a:lstStyle/>
+                    <a:p>
+                      <a:pPr marL="0" algn="r" defTabSz="914400" rtl="0" eaLnBrk="1" latinLnBrk="0" hangingPunct="1"/>
+                      <a:endParaRPr lang="en-US" sz="1600" kern="1200" dirty="0">
+                        <a:solidFill>
+                          <a:schemeClr val="accent4"/>
+                        </a:solidFill>
+                        <a:latin typeface="Arial Narrow" pitchFamily="34" charset="0"/>
+                        <a:ea typeface="+mn-ea"/>
+                        <a:cs typeface="+mn-cs"/>
+                      </a:endParaRPr>
+                    </a:p>
+                  </a:txBody>
+                  <a:tcPr marL="99020" marR="99020" marT="49510" marB="49510">
+                    <a:lnL w="12700" cap="flat" cmpd="sng" algn="ctr">
+                      <a:solidFill>
+                        <a:schemeClr val="bg1"/>
+                      </a:solidFill>
+                      <a:prstDash val="sysDot"/>
+                      <a:round/>
+                      <a:headEnd type="none" w="med" len="med"/>
+                      <a:tailEnd type="none" w="med" len="med"/>
+                    </a:lnL>
+                    <a:lnR w="12700" cap="flat" cmpd="sng" algn="ctr">
+                      <a:solidFill>
+                        <a:schemeClr val="bg1"/>
+                      </a:solidFill>
+                      <a:prstDash val="sysDot"/>
+                      <a:round/>
+                      <a:headEnd type="none" w="med" len="med"/>
+                      <a:tailEnd type="none" w="med" len="med"/>
+                    </a:lnR>
+                    <a:lnT w="12700" cap="flat" cmpd="sng" algn="ctr">
+                      <a:solidFill>
+                        <a:schemeClr val="bg1"/>
+                      </a:solidFill>
+                      <a:prstDash val="sysDot"/>
+                      <a:round/>
+                      <a:headEnd type="none" w="med" len="med"/>
+                      <a:tailEnd type="none" w="med" len="med"/>
+                    </a:lnT>
+                    <a:lnB w="12700" cap="flat" cmpd="sng" algn="ctr">
+                      <a:solidFill>
+                        <a:schemeClr val="bg1"/>
+                      </a:solidFill>
+                      <a:prstDash val="sysDot"/>
+                      <a:round/>
+                      <a:headEnd type="none" w="med" len="med"/>
+                      <a:tailEnd type="none" w="med" len="med"/>
+                    </a:lnB>
+                    <a:solidFill>
+                      <a:schemeClr val="accent5">
+                        <a:lumMod val="40000"/>
+                        <a:lumOff val="60000"/>
+                      </a:schemeClr>
+                    </a:solidFill>
+                  </a:tcPr>
+                </a:tc>
+                <a:extLst>
+                  <a:ext uri="{0D108BD9-81ED-4DB2-BD59-A6C34878D82A}">
+                    <a16:rowId xmlns:a16="http://schemas.microsoft.com/office/drawing/2014/main" val="10008"/>
+                  </a:ext>
+                </a:extLst>
+              </a:tr>
+              <a:tr h="398276">
+                <a:tc>
+                  <a:txBody>
+                    <a:bodyPr/>
+                    <a:lstStyle/>
+                    <a:p>
+                      <a:pPr rtl="0"/>
+                      <a:r>
+                        <a:rPr lang="fr-CH" sz="1400" dirty="0">
+                          <a:solidFill>
+                            <a:schemeClr val="bg1"/>
+                          </a:solidFill>
+                          <a:latin typeface="+mn-lt"/>
+                          <a:cs typeface="Arial" panose="020B0604020202020204" pitchFamily="34" charset="0"/>
+                        </a:rPr>
+                        <a:t>Report writing</a:t>
                       </a:r>
                       <a:endParaRPr lang="fr" sz="1400" dirty="0">
                         <a:solidFill>
@@ -12471,7 +12446,7 @@
         <p:spPr bwMode="auto">
           <a:xfrm>
             <a:off x="2639616" y="3014228"/>
-            <a:ext cx="1152128" cy="315434"/>
+            <a:ext cx="1224136" cy="315434"/>
           </a:xfrm>
           <a:prstGeom prst="rect">
             <a:avLst/>
@@ -12628,7 +12603,7 @@
         </p:nvSpPr>
         <p:spPr>
           <a:xfrm>
-            <a:off x="8967871" y="905271"/>
+            <a:off x="8954275" y="1007230"/>
             <a:ext cx="734507" cy="5301781"/>
           </a:xfrm>
           <a:prstGeom prst="rect">
@@ -13049,7 +13024,7 @@
         <p:spPr bwMode="auto">
           <a:xfrm>
             <a:off x="3423851" y="3429000"/>
-            <a:ext cx="1224136" cy="315434"/>
+            <a:ext cx="1152128" cy="315434"/>
           </a:xfrm>
           <a:prstGeom prst="rect">
             <a:avLst/>
@@ -13057,134 +13032,6 @@
           <a:solidFill>
             <a:schemeClr val="accent4">
               <a:lumMod val="75000"/>
-            </a:schemeClr>
-          </a:solidFill>
-          <a:ln>
-            <a:noFill/>
-          </a:ln>
-        </p:spPr>
-        <p:style>
-          <a:lnRef idx="2">
-            <a:schemeClr val="accent1">
-              <a:shade val="50000"/>
-            </a:schemeClr>
-          </a:lnRef>
-          <a:fillRef idx="1">
-            <a:schemeClr val="accent1"/>
-          </a:fillRef>
-          <a:effectRef idx="0">
-            <a:schemeClr val="accent1"/>
-          </a:effectRef>
-          <a:fontRef idx="minor">
-            <a:schemeClr val="lt1"/>
-          </a:fontRef>
-        </p:style>
-        <p:txBody>
-          <a:bodyPr rtlCol="0" anchor="ctr"/>
-          <a:lstStyle/>
-          <a:p>
-            <a:pPr algn="ctr" rtl="0">
-              <a:lnSpc>
-                <a:spcPct val="85000"/>
-              </a:lnSpc>
-              <a:spcBef>
-                <a:spcPct val="20000"/>
-              </a:spcBef>
-            </a:pPr>
-            <a:endParaRPr lang="fr-FR" dirty="0"/>
-          </a:p>
-        </p:txBody>
-      </p:sp>
-      <p:sp>
-        <p:nvSpPr>
-          <p:cNvPr id="50" name="Rectangle 65">
-            <a:extLst>
-              <a:ext uri="{FF2B5EF4-FFF2-40B4-BE49-F238E27FC236}">
-                <a16:creationId xmlns:a16="http://schemas.microsoft.com/office/drawing/2014/main" id="{AD3F47E9-BCF6-46BC-9759-85FB5B7527F1}"/>
-              </a:ext>
-            </a:extLst>
-          </p:cNvPr>
-          <p:cNvSpPr>
-            <a:spLocks noChangeArrowheads="1"/>
-          </p:cNvSpPr>
-          <p:nvPr/>
-        </p:nvSpPr>
-        <p:spPr bwMode="auto">
-          <a:xfrm>
-            <a:off x="4625094" y="3837809"/>
-            <a:ext cx="1368152" cy="315434"/>
-          </a:xfrm>
-          <a:prstGeom prst="rect">
-            <a:avLst/>
-          </a:prstGeom>
-          <a:solidFill>
-            <a:schemeClr val="tx2">
-              <a:lumMod val="40000"/>
-              <a:lumOff val="60000"/>
-            </a:schemeClr>
-          </a:solidFill>
-          <a:ln>
-            <a:noFill/>
-          </a:ln>
-        </p:spPr>
-        <p:style>
-          <a:lnRef idx="2">
-            <a:schemeClr val="accent1">
-              <a:shade val="50000"/>
-            </a:schemeClr>
-          </a:lnRef>
-          <a:fillRef idx="1">
-            <a:schemeClr val="accent1"/>
-          </a:fillRef>
-          <a:effectRef idx="0">
-            <a:schemeClr val="accent1"/>
-          </a:effectRef>
-          <a:fontRef idx="minor">
-            <a:schemeClr val="lt1"/>
-          </a:fontRef>
-        </p:style>
-        <p:txBody>
-          <a:bodyPr rtlCol="0" anchor="ctr"/>
-          <a:lstStyle/>
-          <a:p>
-            <a:pPr algn="ctr" rtl="0">
-              <a:lnSpc>
-                <a:spcPct val="85000"/>
-              </a:lnSpc>
-              <a:spcBef>
-                <a:spcPct val="20000"/>
-              </a:spcBef>
-            </a:pPr>
-            <a:endParaRPr lang="fr-FR" dirty="0"/>
-          </a:p>
-        </p:txBody>
-      </p:sp>
-      <p:sp>
-        <p:nvSpPr>
-          <p:cNvPr id="52" name="Rectangle 65">
-            <a:extLst>
-              <a:ext uri="{FF2B5EF4-FFF2-40B4-BE49-F238E27FC236}">
-                <a16:creationId xmlns:a16="http://schemas.microsoft.com/office/drawing/2014/main" id="{34E6518C-9EBE-491D-A469-A46F8927C0D5}"/>
-              </a:ext>
-            </a:extLst>
-          </p:cNvPr>
-          <p:cNvSpPr>
-            <a:spLocks noChangeArrowheads="1"/>
-          </p:cNvSpPr>
-          <p:nvPr/>
-        </p:nvSpPr>
-        <p:spPr bwMode="auto">
-          <a:xfrm>
-            <a:off x="5864862" y="4355987"/>
-            <a:ext cx="1368152" cy="315434"/>
-          </a:xfrm>
-          <a:prstGeom prst="rect">
-            <a:avLst/>
-          </a:prstGeom>
-          <a:solidFill>
-            <a:schemeClr val="tx2">
-              <a:lumMod val="40000"/>
-              <a:lumOff val="60000"/>
             </a:schemeClr>
           </a:solidFill>
           <a:ln>
@@ -13239,17 +13086,14 @@
         </p:nvSpPr>
         <p:spPr bwMode="auto">
           <a:xfrm>
-            <a:off x="7032104" y="4813942"/>
-            <a:ext cx="360040" cy="315434"/>
+            <a:off x="7009936" y="4633157"/>
+            <a:ext cx="526223" cy="315434"/>
           </a:xfrm>
           <a:prstGeom prst="rect">
             <a:avLst/>
           </a:prstGeom>
           <a:solidFill>
-            <a:schemeClr val="tx2">
-              <a:lumMod val="40000"/>
-              <a:lumOff val="60000"/>
-            </a:schemeClr>
+            <a:srgbClr val="C00000"/>
           </a:solidFill>
           <a:ln>
             <a:noFill/>
@@ -13303,7 +13147,7 @@
         </p:nvSpPr>
         <p:spPr bwMode="auto">
           <a:xfrm>
-            <a:off x="9543782" y="1893139"/>
+            <a:off x="611414" y="5637603"/>
             <a:ext cx="290001" cy="319954"/>
           </a:xfrm>
           <a:custGeom>
@@ -13485,7 +13329,7 @@
         </p:nvSpPr>
         <p:spPr bwMode="auto">
           <a:xfrm>
-            <a:off x="9556823" y="2364944"/>
+            <a:off x="2798124" y="5649780"/>
             <a:ext cx="276960" cy="319954"/>
           </a:xfrm>
           <a:custGeom>
@@ -13665,7 +13509,7 @@
         </p:nvSpPr>
         <p:spPr>
           <a:xfrm>
-            <a:off x="9984431" y="1893139"/>
+            <a:off x="1052063" y="5637603"/>
             <a:ext cx="1656185" cy="307777"/>
           </a:xfrm>
           <a:prstGeom prst="rect">
@@ -13700,8 +13544,8 @@
         </p:nvSpPr>
         <p:spPr>
           <a:xfrm>
-            <a:off x="9987808" y="2364944"/>
-            <a:ext cx="1656185" cy="307777"/>
+            <a:off x="3229109" y="5649780"/>
+            <a:ext cx="917145" cy="307777"/>
           </a:xfrm>
           <a:prstGeom prst="rect">
             <a:avLst/>
@@ -13737,16 +13581,15 @@
         </p:nvSpPr>
         <p:spPr bwMode="auto">
           <a:xfrm>
-            <a:off x="2351584" y="5282974"/>
+            <a:off x="2372319" y="5039692"/>
             <a:ext cx="6048672" cy="315434"/>
           </a:xfrm>
           <a:prstGeom prst="rect">
             <a:avLst/>
           </a:prstGeom>
           <a:solidFill>
-            <a:schemeClr val="tx2">
-              <a:lumMod val="40000"/>
-              <a:lumOff val="60000"/>
+            <a:schemeClr val="accent4">
+              <a:lumMod val="75000"/>
             </a:schemeClr>
           </a:solidFill>
           <a:ln>
@@ -13785,7 +13628,1010 @@
           </a:p>
         </p:txBody>
       </p:sp>
+      <p:sp>
+        <p:nvSpPr>
+          <p:cNvPr id="23" name="Rectangle 22">
+            <a:extLst>
+              <a:ext uri="{FF2B5EF4-FFF2-40B4-BE49-F238E27FC236}">
+                <a16:creationId xmlns:a16="http://schemas.microsoft.com/office/drawing/2014/main" id="{D1FC9CA3-96DD-4B28-BD4C-38675419D9AE}"/>
+              </a:ext>
+            </a:extLst>
+          </p:cNvPr>
+          <p:cNvSpPr>
+            <a:spLocks noChangeArrowheads="1"/>
+          </p:cNvSpPr>
+          <p:nvPr/>
+        </p:nvSpPr>
+        <p:spPr bwMode="auto">
+          <a:xfrm>
+            <a:off x="6023991" y="4234346"/>
+            <a:ext cx="985945" cy="315434"/>
+          </a:xfrm>
+          <a:prstGeom prst="rect">
+            <a:avLst/>
+          </a:prstGeom>
+          <a:solidFill>
+            <a:schemeClr val="accent4">
+              <a:lumMod val="75000"/>
+            </a:schemeClr>
+          </a:solidFill>
+          <a:ln>
+            <a:noFill/>
+          </a:ln>
+        </p:spPr>
+        <p:style>
+          <a:lnRef idx="2">
+            <a:schemeClr val="accent1">
+              <a:shade val="50000"/>
+            </a:schemeClr>
+          </a:lnRef>
+          <a:fillRef idx="1">
+            <a:schemeClr val="accent1"/>
+          </a:fillRef>
+          <a:effectRef idx="0">
+            <a:schemeClr val="accent1"/>
+          </a:effectRef>
+          <a:fontRef idx="minor">
+            <a:schemeClr val="lt1"/>
+          </a:fontRef>
+        </p:style>
+        <p:txBody>
+          <a:bodyPr rtlCol="0" anchor="ctr"/>
+          <a:lstStyle/>
+          <a:p>
+            <a:pPr algn="ctr" rtl="0">
+              <a:lnSpc>
+                <a:spcPct val="85000"/>
+              </a:lnSpc>
+              <a:spcBef>
+                <a:spcPct val="20000"/>
+              </a:spcBef>
+            </a:pPr>
+            <a:endParaRPr lang="fr-FR" dirty="0"/>
+          </a:p>
+        </p:txBody>
+      </p:sp>
+      <p:sp>
+        <p:nvSpPr>
+          <p:cNvPr id="24" name="Rectangle 23">
+            <a:extLst>
+              <a:ext uri="{FF2B5EF4-FFF2-40B4-BE49-F238E27FC236}">
+                <a16:creationId xmlns:a16="http://schemas.microsoft.com/office/drawing/2014/main" id="{3E3CB2BB-7494-4DBD-9DD1-9BD4A9AB552C}"/>
+              </a:ext>
+            </a:extLst>
+          </p:cNvPr>
+          <p:cNvSpPr>
+            <a:spLocks noChangeArrowheads="1"/>
+          </p:cNvSpPr>
+          <p:nvPr/>
+        </p:nvSpPr>
+        <p:spPr bwMode="auto">
+          <a:xfrm>
+            <a:off x="4295800" y="3835535"/>
+            <a:ext cx="1872208" cy="315434"/>
+          </a:xfrm>
+          <a:prstGeom prst="rect">
+            <a:avLst/>
+          </a:prstGeom>
+          <a:solidFill>
+            <a:schemeClr val="accent4">
+              <a:lumMod val="75000"/>
+            </a:schemeClr>
+          </a:solidFill>
+          <a:ln>
+            <a:noFill/>
+          </a:ln>
+        </p:spPr>
+        <p:style>
+          <a:lnRef idx="2">
+            <a:schemeClr val="accent1">
+              <a:shade val="50000"/>
+            </a:schemeClr>
+          </a:lnRef>
+          <a:fillRef idx="1">
+            <a:schemeClr val="accent1"/>
+          </a:fillRef>
+          <a:effectRef idx="0">
+            <a:schemeClr val="accent1"/>
+          </a:effectRef>
+          <a:fontRef idx="minor">
+            <a:schemeClr val="lt1"/>
+          </a:fontRef>
+        </p:style>
+        <p:txBody>
+          <a:bodyPr rtlCol="0" anchor="ctr"/>
+          <a:lstStyle/>
+          <a:p>
+            <a:pPr algn="ctr" rtl="0">
+              <a:lnSpc>
+                <a:spcPct val="85000"/>
+              </a:lnSpc>
+              <a:spcBef>
+                <a:spcPct val="20000"/>
+              </a:spcBef>
+            </a:pPr>
+            <a:endParaRPr lang="fr-FR" dirty="0"/>
+          </a:p>
+        </p:txBody>
+      </p:sp>
+      <p:sp>
+        <p:nvSpPr>
+          <p:cNvPr id="25" name="Rectangle 24">
+            <a:extLst>
+              <a:ext uri="{FF2B5EF4-FFF2-40B4-BE49-F238E27FC236}">
+                <a16:creationId xmlns:a16="http://schemas.microsoft.com/office/drawing/2014/main" id="{EA1CEE33-3A51-4C83-8D61-53B84998CAE7}"/>
+              </a:ext>
+            </a:extLst>
+          </p:cNvPr>
+          <p:cNvSpPr>
+            <a:spLocks noChangeArrowheads="1"/>
+          </p:cNvSpPr>
+          <p:nvPr/>
+        </p:nvSpPr>
+        <p:spPr bwMode="auto">
+          <a:xfrm>
+            <a:off x="5274991" y="5665980"/>
+            <a:ext cx="334953" cy="315434"/>
+          </a:xfrm>
+          <a:prstGeom prst="rect">
+            <a:avLst/>
+          </a:prstGeom>
+          <a:solidFill>
+            <a:schemeClr val="accent4">
+              <a:lumMod val="75000"/>
+            </a:schemeClr>
+          </a:solidFill>
+          <a:ln>
+            <a:noFill/>
+          </a:ln>
+        </p:spPr>
+        <p:style>
+          <a:lnRef idx="2">
+            <a:schemeClr val="accent1">
+              <a:shade val="50000"/>
+            </a:schemeClr>
+          </a:lnRef>
+          <a:fillRef idx="1">
+            <a:schemeClr val="accent1"/>
+          </a:fillRef>
+          <a:effectRef idx="0">
+            <a:schemeClr val="accent1"/>
+          </a:effectRef>
+          <a:fontRef idx="minor">
+            <a:schemeClr val="lt1"/>
+          </a:fontRef>
+        </p:style>
+        <p:txBody>
+          <a:bodyPr rtlCol="0" anchor="ctr"/>
+          <a:lstStyle/>
+          <a:p>
+            <a:pPr algn="ctr" rtl="0">
+              <a:lnSpc>
+                <a:spcPct val="85000"/>
+              </a:lnSpc>
+              <a:spcBef>
+                <a:spcPct val="20000"/>
+              </a:spcBef>
+            </a:pPr>
+            <a:endParaRPr lang="fr-FR" dirty="0"/>
+          </a:p>
+        </p:txBody>
+      </p:sp>
+      <p:sp>
+        <p:nvSpPr>
+          <p:cNvPr id="26" name="Rectangle 25">
+            <a:extLst>
+              <a:ext uri="{FF2B5EF4-FFF2-40B4-BE49-F238E27FC236}">
+                <a16:creationId xmlns:a16="http://schemas.microsoft.com/office/drawing/2014/main" id="{800B23D3-1B84-4D52-B7DB-DC55424F14E3}"/>
+              </a:ext>
+            </a:extLst>
+          </p:cNvPr>
+          <p:cNvSpPr>
+            <a:spLocks noChangeArrowheads="1"/>
+          </p:cNvSpPr>
+          <p:nvPr/>
+        </p:nvSpPr>
+        <p:spPr bwMode="auto">
+          <a:xfrm>
+            <a:off x="6665097" y="5645840"/>
+            <a:ext cx="334953" cy="315434"/>
+          </a:xfrm>
+          <a:prstGeom prst="rect">
+            <a:avLst/>
+          </a:prstGeom>
+          <a:solidFill>
+            <a:srgbClr val="C00000"/>
+          </a:solidFill>
+          <a:ln>
+            <a:noFill/>
+          </a:ln>
+        </p:spPr>
+        <p:style>
+          <a:lnRef idx="2">
+            <a:schemeClr val="accent1">
+              <a:shade val="50000"/>
+            </a:schemeClr>
+          </a:lnRef>
+          <a:fillRef idx="1">
+            <a:schemeClr val="accent1"/>
+          </a:fillRef>
+          <a:effectRef idx="0">
+            <a:schemeClr val="accent1"/>
+          </a:effectRef>
+          <a:fontRef idx="minor">
+            <a:schemeClr val="lt1"/>
+          </a:fontRef>
+        </p:style>
+        <p:txBody>
+          <a:bodyPr rtlCol="0" anchor="ctr"/>
+          <a:lstStyle/>
+          <a:p>
+            <a:pPr algn="ctr" rtl="0">
+              <a:lnSpc>
+                <a:spcPct val="85000"/>
+              </a:lnSpc>
+              <a:spcBef>
+                <a:spcPct val="20000"/>
+              </a:spcBef>
+            </a:pPr>
+            <a:endParaRPr lang="fr-FR" dirty="0"/>
+          </a:p>
+        </p:txBody>
+      </p:sp>
+      <p:sp>
+        <p:nvSpPr>
+          <p:cNvPr id="27" name="ZoneTexte 26">
+            <a:extLst>
+              <a:ext uri="{FF2B5EF4-FFF2-40B4-BE49-F238E27FC236}">
+                <a16:creationId xmlns:a16="http://schemas.microsoft.com/office/drawing/2014/main" id="{FBFD08BB-A3A9-44AA-AEAB-C1CCB8052A9C}"/>
+              </a:ext>
+            </a:extLst>
+          </p:cNvPr>
+          <p:cNvSpPr txBox="1"/>
+          <p:nvPr/>
+        </p:nvSpPr>
+        <p:spPr>
+          <a:xfrm>
+            <a:off x="5611471" y="5655565"/>
+            <a:ext cx="633882" cy="307777"/>
+          </a:xfrm>
+          <a:prstGeom prst="rect">
+            <a:avLst/>
+          </a:prstGeom>
+          <a:noFill/>
+        </p:spPr>
+        <p:txBody>
+          <a:bodyPr wrap="square" rtlCol="0">
+            <a:spAutoFit/>
+          </a:bodyPr>
+          <a:lstStyle/>
+          <a:p>
+            <a:r>
+              <a:rPr lang="en-GB" sz="1400" dirty="0"/>
+              <a:t>Done</a:t>
+            </a:r>
+          </a:p>
+        </p:txBody>
+      </p:sp>
+      <p:sp>
+        <p:nvSpPr>
+          <p:cNvPr id="29" name="ZoneTexte 28">
+            <a:extLst>
+              <a:ext uri="{FF2B5EF4-FFF2-40B4-BE49-F238E27FC236}">
+                <a16:creationId xmlns:a16="http://schemas.microsoft.com/office/drawing/2014/main" id="{202001A8-797E-4F01-8599-EFE2845803CD}"/>
+              </a:ext>
+            </a:extLst>
+          </p:cNvPr>
+          <p:cNvSpPr txBox="1"/>
+          <p:nvPr/>
+        </p:nvSpPr>
+        <p:spPr>
+          <a:xfrm>
+            <a:off x="7000050" y="5645840"/>
+            <a:ext cx="1105207" cy="307777"/>
+          </a:xfrm>
+          <a:prstGeom prst="rect">
+            <a:avLst/>
+          </a:prstGeom>
+          <a:noFill/>
+        </p:spPr>
+        <p:txBody>
+          <a:bodyPr wrap="square" rtlCol="0">
+            <a:spAutoFit/>
+          </a:bodyPr>
+          <a:lstStyle/>
+          <a:p>
+            <a:r>
+              <a:rPr lang="en-GB" sz="1400" dirty="0"/>
+              <a:t>To improve</a:t>
+            </a:r>
+          </a:p>
+        </p:txBody>
+      </p:sp>
     </p:spTree>
+  </p:cSld>
+  <p:clrMapOvr>
+    <a:masterClrMapping/>
+  </p:clrMapOvr>
+</p:sld>
+</file>
+
+<file path=ppt/slides/slide2.xml><?xml version="1.0" encoding="utf-8"?>
+<p:sld xmlns:a="http://schemas.openxmlformats.org/drawingml/2006/main" xmlns:r="http://schemas.openxmlformats.org/officeDocument/2006/relationships" xmlns:p="http://schemas.openxmlformats.org/presentationml/2006/main">
+  <p:cSld>
+    <p:spTree>
+      <p:nvGrpSpPr>
+        <p:cNvPr id="1" name=""/>
+        <p:cNvGrpSpPr/>
+        <p:nvPr/>
+      </p:nvGrpSpPr>
+      <p:grpSpPr>
+        <a:xfrm>
+          <a:off x="0" y="0"/>
+          <a:ext cx="0" cy="0"/>
+          <a:chOff x="0" y="0"/>
+          <a:chExt cx="0" cy="0"/>
+        </a:xfrm>
+      </p:grpSpPr>
+      <p:sp>
+        <p:nvSpPr>
+          <p:cNvPr id="2" name="Titre 1">
+            <a:extLst>
+              <a:ext uri="{FF2B5EF4-FFF2-40B4-BE49-F238E27FC236}">
+                <a16:creationId xmlns:a16="http://schemas.microsoft.com/office/drawing/2014/main" id="{7ED88B8C-5AD8-41CF-9000-4FA5E491AA94}"/>
+              </a:ext>
+            </a:extLst>
+          </p:cNvPr>
+          <p:cNvSpPr>
+            <a:spLocks noGrp="1"/>
+          </p:cNvSpPr>
+          <p:nvPr>
+            <p:ph type="title"/>
+          </p:nvPr>
+        </p:nvSpPr>
+        <p:spPr/>
+        <p:txBody>
+          <a:bodyPr/>
+          <a:lstStyle/>
+          <a:p>
+            <a:endParaRPr lang="en-GB"/>
+          </a:p>
+        </p:txBody>
+      </p:sp>
+      <p:sp>
+        <p:nvSpPr>
+          <p:cNvPr id="3" name="Forme libre 43">
+            <a:extLst>
+              <a:ext uri="{FF2B5EF4-FFF2-40B4-BE49-F238E27FC236}">
+                <a16:creationId xmlns:a16="http://schemas.microsoft.com/office/drawing/2014/main" id="{BD29BD9A-266D-4175-B85E-9CBB23E48DF3}"/>
+              </a:ext>
+            </a:extLst>
+          </p:cNvPr>
+          <p:cNvSpPr>
+            <a:spLocks noChangeArrowheads="1"/>
+          </p:cNvSpPr>
+          <p:nvPr/>
+        </p:nvSpPr>
+        <p:spPr bwMode="auto">
+          <a:xfrm>
+            <a:off x="1334871" y="2531009"/>
+            <a:ext cx="290001" cy="319954"/>
+          </a:xfrm>
+          <a:custGeom>
+            <a:avLst/>
+            <a:gdLst>
+              <a:gd name="T0" fmla="*/ 79119527 w 1221"/>
+              <a:gd name="T1" fmla="*/ 182506100 h 1413"/>
+              <a:gd name="T2" fmla="*/ 0 w 1221"/>
+              <a:gd name="T3" fmla="*/ 136879575 h 1413"/>
+              <a:gd name="T4" fmla="*/ 0 w 1221"/>
+              <a:gd name="T5" fmla="*/ 45885019 h 1413"/>
+              <a:gd name="T6" fmla="*/ 79119527 w 1221"/>
+              <a:gd name="T7" fmla="*/ 0 h 1413"/>
+              <a:gd name="T8" fmla="*/ 158239413 w 1221"/>
+              <a:gd name="T9" fmla="*/ 45626525 h 1413"/>
+              <a:gd name="T10" fmla="*/ 158239413 w 1221"/>
+              <a:gd name="T11" fmla="*/ 136621081 h 1413"/>
+              <a:gd name="T12" fmla="*/ 79119527 w 1221"/>
+              <a:gd name="T13" fmla="*/ 182506100 h 1413"/>
+              <a:gd name="T14" fmla="*/ 15953702 w 1221"/>
+              <a:gd name="T15" fmla="*/ 127702859 h 1413"/>
+              <a:gd name="T16" fmla="*/ 79119527 w 1221"/>
+              <a:gd name="T17" fmla="*/ 164152309 h 1413"/>
+              <a:gd name="T18" fmla="*/ 142415364 w 1221"/>
+              <a:gd name="T19" fmla="*/ 127702859 h 1413"/>
+              <a:gd name="T20" fmla="*/ 142415364 w 1221"/>
+              <a:gd name="T21" fmla="*/ 54803601 h 1413"/>
+              <a:gd name="T22" fmla="*/ 79119527 w 1221"/>
+              <a:gd name="T23" fmla="*/ 18354151 h 1413"/>
+              <a:gd name="T24" fmla="*/ 15953702 w 1221"/>
+              <a:gd name="T25" fmla="*/ 54803601 h 1413"/>
+              <a:gd name="T26" fmla="*/ 15953702 w 1221"/>
+              <a:gd name="T27" fmla="*/ 127702859 h 1413"/>
+              <a:gd name="T28" fmla="*/ 0 60000 65536"/>
+              <a:gd name="T29" fmla="*/ 0 60000 65536"/>
+              <a:gd name="T30" fmla="*/ 0 60000 65536"/>
+              <a:gd name="T31" fmla="*/ 0 60000 65536"/>
+              <a:gd name="T32" fmla="*/ 0 60000 65536"/>
+              <a:gd name="T33" fmla="*/ 0 60000 65536"/>
+              <a:gd name="T34" fmla="*/ 0 60000 65536"/>
+              <a:gd name="T35" fmla="*/ 0 60000 65536"/>
+              <a:gd name="T36" fmla="*/ 0 60000 65536"/>
+              <a:gd name="T37" fmla="*/ 0 60000 65536"/>
+              <a:gd name="T38" fmla="*/ 0 60000 65536"/>
+              <a:gd name="T39" fmla="*/ 0 60000 65536"/>
+              <a:gd name="T40" fmla="*/ 0 60000 65536"/>
+              <a:gd name="T41" fmla="*/ 0 60000 65536"/>
+            </a:gdLst>
+            <a:ahLst/>
+            <a:cxnLst>
+              <a:cxn ang="T28">
+                <a:pos x="T0" y="T1"/>
+              </a:cxn>
+              <a:cxn ang="T29">
+                <a:pos x="T2" y="T3"/>
+              </a:cxn>
+              <a:cxn ang="T30">
+                <a:pos x="T4" y="T5"/>
+              </a:cxn>
+              <a:cxn ang="T31">
+                <a:pos x="T6" y="T7"/>
+              </a:cxn>
+              <a:cxn ang="T32">
+                <a:pos x="T8" y="T9"/>
+              </a:cxn>
+              <a:cxn ang="T33">
+                <a:pos x="T10" y="T11"/>
+              </a:cxn>
+              <a:cxn ang="T34">
+                <a:pos x="T12" y="T13"/>
+              </a:cxn>
+              <a:cxn ang="T35">
+                <a:pos x="T14" y="T15"/>
+              </a:cxn>
+              <a:cxn ang="T36">
+                <a:pos x="T16" y="T17"/>
+              </a:cxn>
+              <a:cxn ang="T37">
+                <a:pos x="T18" y="T19"/>
+              </a:cxn>
+              <a:cxn ang="T38">
+                <a:pos x="T20" y="T21"/>
+              </a:cxn>
+              <a:cxn ang="T39">
+                <a:pos x="T22" y="T23"/>
+              </a:cxn>
+              <a:cxn ang="T40">
+                <a:pos x="T24" y="T25"/>
+              </a:cxn>
+              <a:cxn ang="T41">
+                <a:pos x="T26" y="T27"/>
+              </a:cxn>
+            </a:cxnLst>
+            <a:rect l="0" t="0" r="r" b="b"/>
+            <a:pathLst>
+              <a:path w="1221" h="1413">
+                <a:moveTo>
+                  <a:pt x="610" y="1412"/>
+                </a:moveTo>
+                <a:lnTo>
+                  <a:pt x="0" y="1059"/>
+                </a:lnTo>
+                <a:lnTo>
+                  <a:pt x="0" y="355"/>
+                </a:lnTo>
+                <a:lnTo>
+                  <a:pt x="610" y="0"/>
+                </a:lnTo>
+                <a:lnTo>
+                  <a:pt x="1220" y="353"/>
+                </a:lnTo>
+                <a:lnTo>
+                  <a:pt x="1220" y="1057"/>
+                </a:lnTo>
+                <a:lnTo>
+                  <a:pt x="610" y="1412"/>
+                </a:lnTo>
+                <a:close/>
+                <a:moveTo>
+                  <a:pt x="123" y="988"/>
+                </a:moveTo>
+                <a:lnTo>
+                  <a:pt x="610" y="1270"/>
+                </a:lnTo>
+                <a:lnTo>
+                  <a:pt x="1098" y="988"/>
+                </a:lnTo>
+                <a:lnTo>
+                  <a:pt x="1098" y="424"/>
+                </a:lnTo>
+                <a:lnTo>
+                  <a:pt x="610" y="142"/>
+                </a:lnTo>
+                <a:lnTo>
+                  <a:pt x="123" y="424"/>
+                </a:lnTo>
+                <a:lnTo>
+                  <a:pt x="123" y="988"/>
+                </a:lnTo>
+                <a:close/>
+              </a:path>
+            </a:pathLst>
+          </a:custGeom>
+          <a:solidFill>
+            <a:schemeClr val="accent3">
+              <a:lumMod val="75000"/>
+            </a:schemeClr>
+          </a:solidFill>
+          <a:ln w="9525" cap="flat">
+            <a:noFill/>
+            <a:bevel/>
+            <a:headEnd/>
+            <a:tailEnd/>
+          </a:ln>
+          <a:effectLst/>
+        </p:spPr>
+        <p:txBody>
+          <a:bodyPr wrap="none" rtlCol="0" anchor="ctr"/>
+          <a:lstStyle/>
+          <a:p>
+            <a:pPr rtl="0"/>
+            <a:endParaRPr lang="fr-FR" dirty="0"/>
+          </a:p>
+        </p:txBody>
+      </p:sp>
+      <p:sp>
+        <p:nvSpPr>
+          <p:cNvPr id="4" name="Forme libre 43">
+            <a:extLst>
+              <a:ext uri="{FF2B5EF4-FFF2-40B4-BE49-F238E27FC236}">
+                <a16:creationId xmlns:a16="http://schemas.microsoft.com/office/drawing/2014/main" id="{E41F2032-F799-49D8-A283-F8F1A210868E}"/>
+              </a:ext>
+            </a:extLst>
+          </p:cNvPr>
+          <p:cNvSpPr>
+            <a:spLocks noChangeArrowheads="1"/>
+          </p:cNvSpPr>
+          <p:nvPr/>
+        </p:nvSpPr>
+        <p:spPr bwMode="auto">
+          <a:xfrm>
+            <a:off x="1344535" y="2924944"/>
+            <a:ext cx="276960" cy="319954"/>
+          </a:xfrm>
+          <a:custGeom>
+            <a:avLst/>
+            <a:gdLst>
+              <a:gd name="T0" fmla="*/ 79119527 w 1221"/>
+              <a:gd name="T1" fmla="*/ 182506100 h 1413"/>
+              <a:gd name="T2" fmla="*/ 0 w 1221"/>
+              <a:gd name="T3" fmla="*/ 136879575 h 1413"/>
+              <a:gd name="T4" fmla="*/ 0 w 1221"/>
+              <a:gd name="T5" fmla="*/ 45885019 h 1413"/>
+              <a:gd name="T6" fmla="*/ 79119527 w 1221"/>
+              <a:gd name="T7" fmla="*/ 0 h 1413"/>
+              <a:gd name="T8" fmla="*/ 158239413 w 1221"/>
+              <a:gd name="T9" fmla="*/ 45626525 h 1413"/>
+              <a:gd name="T10" fmla="*/ 158239413 w 1221"/>
+              <a:gd name="T11" fmla="*/ 136621081 h 1413"/>
+              <a:gd name="T12" fmla="*/ 79119527 w 1221"/>
+              <a:gd name="T13" fmla="*/ 182506100 h 1413"/>
+              <a:gd name="T14" fmla="*/ 15953702 w 1221"/>
+              <a:gd name="T15" fmla="*/ 127702859 h 1413"/>
+              <a:gd name="T16" fmla="*/ 79119527 w 1221"/>
+              <a:gd name="T17" fmla="*/ 164152309 h 1413"/>
+              <a:gd name="T18" fmla="*/ 142415364 w 1221"/>
+              <a:gd name="T19" fmla="*/ 127702859 h 1413"/>
+              <a:gd name="T20" fmla="*/ 142415364 w 1221"/>
+              <a:gd name="T21" fmla="*/ 54803601 h 1413"/>
+              <a:gd name="T22" fmla="*/ 79119527 w 1221"/>
+              <a:gd name="T23" fmla="*/ 18354151 h 1413"/>
+              <a:gd name="T24" fmla="*/ 15953702 w 1221"/>
+              <a:gd name="T25" fmla="*/ 54803601 h 1413"/>
+              <a:gd name="T26" fmla="*/ 15953702 w 1221"/>
+              <a:gd name="T27" fmla="*/ 127702859 h 1413"/>
+              <a:gd name="T28" fmla="*/ 0 60000 65536"/>
+              <a:gd name="T29" fmla="*/ 0 60000 65536"/>
+              <a:gd name="T30" fmla="*/ 0 60000 65536"/>
+              <a:gd name="T31" fmla="*/ 0 60000 65536"/>
+              <a:gd name="T32" fmla="*/ 0 60000 65536"/>
+              <a:gd name="T33" fmla="*/ 0 60000 65536"/>
+              <a:gd name="T34" fmla="*/ 0 60000 65536"/>
+              <a:gd name="T35" fmla="*/ 0 60000 65536"/>
+              <a:gd name="T36" fmla="*/ 0 60000 65536"/>
+              <a:gd name="T37" fmla="*/ 0 60000 65536"/>
+              <a:gd name="T38" fmla="*/ 0 60000 65536"/>
+              <a:gd name="T39" fmla="*/ 0 60000 65536"/>
+              <a:gd name="T40" fmla="*/ 0 60000 65536"/>
+              <a:gd name="T41" fmla="*/ 0 60000 65536"/>
+            </a:gdLst>
+            <a:ahLst/>
+            <a:cxnLst>
+              <a:cxn ang="T28">
+                <a:pos x="T0" y="T1"/>
+              </a:cxn>
+              <a:cxn ang="T29">
+                <a:pos x="T2" y="T3"/>
+              </a:cxn>
+              <a:cxn ang="T30">
+                <a:pos x="T4" y="T5"/>
+              </a:cxn>
+              <a:cxn ang="T31">
+                <a:pos x="T6" y="T7"/>
+              </a:cxn>
+              <a:cxn ang="T32">
+                <a:pos x="T8" y="T9"/>
+              </a:cxn>
+              <a:cxn ang="T33">
+                <a:pos x="T10" y="T11"/>
+              </a:cxn>
+              <a:cxn ang="T34">
+                <a:pos x="T12" y="T13"/>
+              </a:cxn>
+              <a:cxn ang="T35">
+                <a:pos x="T14" y="T15"/>
+              </a:cxn>
+              <a:cxn ang="T36">
+                <a:pos x="T16" y="T17"/>
+              </a:cxn>
+              <a:cxn ang="T37">
+                <a:pos x="T18" y="T19"/>
+              </a:cxn>
+              <a:cxn ang="T38">
+                <a:pos x="T20" y="T21"/>
+              </a:cxn>
+              <a:cxn ang="T39">
+                <a:pos x="T22" y="T23"/>
+              </a:cxn>
+              <a:cxn ang="T40">
+                <a:pos x="T24" y="T25"/>
+              </a:cxn>
+              <a:cxn ang="T41">
+                <a:pos x="T26" y="T27"/>
+              </a:cxn>
+            </a:cxnLst>
+            <a:rect l="0" t="0" r="r" b="b"/>
+            <a:pathLst>
+              <a:path w="1221" h="1413">
+                <a:moveTo>
+                  <a:pt x="610" y="1412"/>
+                </a:moveTo>
+                <a:lnTo>
+                  <a:pt x="0" y="1059"/>
+                </a:lnTo>
+                <a:lnTo>
+                  <a:pt x="0" y="355"/>
+                </a:lnTo>
+                <a:lnTo>
+                  <a:pt x="610" y="0"/>
+                </a:lnTo>
+                <a:lnTo>
+                  <a:pt x="1220" y="353"/>
+                </a:lnTo>
+                <a:lnTo>
+                  <a:pt x="1220" y="1057"/>
+                </a:lnTo>
+                <a:lnTo>
+                  <a:pt x="610" y="1412"/>
+                </a:lnTo>
+                <a:close/>
+                <a:moveTo>
+                  <a:pt x="123" y="988"/>
+                </a:moveTo>
+                <a:lnTo>
+                  <a:pt x="610" y="1270"/>
+                </a:lnTo>
+                <a:lnTo>
+                  <a:pt x="1098" y="988"/>
+                </a:lnTo>
+                <a:lnTo>
+                  <a:pt x="1098" y="424"/>
+                </a:lnTo>
+                <a:lnTo>
+                  <a:pt x="610" y="142"/>
+                </a:lnTo>
+                <a:lnTo>
+                  <a:pt x="123" y="424"/>
+                </a:lnTo>
+                <a:lnTo>
+                  <a:pt x="123" y="988"/>
+                </a:lnTo>
+                <a:close/>
+              </a:path>
+            </a:pathLst>
+          </a:custGeom>
+          <a:solidFill>
+            <a:schemeClr val="accent6">
+              <a:lumMod val="75000"/>
+            </a:schemeClr>
+          </a:solidFill>
+          <a:ln w="9525" cap="flat">
+            <a:noFill/>
+            <a:bevel/>
+            <a:headEnd/>
+            <a:tailEnd/>
+          </a:ln>
+          <a:effectLst/>
+        </p:spPr>
+        <p:txBody>
+          <a:bodyPr wrap="none" rtlCol="0" anchor="ctr"/>
+          <a:lstStyle/>
+          <a:p>
+            <a:pPr rtl="0"/>
+            <a:endParaRPr lang="fr-FR" dirty="0"/>
+          </a:p>
+        </p:txBody>
+      </p:sp>
+      <p:sp>
+        <p:nvSpPr>
+          <p:cNvPr id="5" name="Rectangle 4">
+            <a:extLst>
+              <a:ext uri="{FF2B5EF4-FFF2-40B4-BE49-F238E27FC236}">
+                <a16:creationId xmlns:a16="http://schemas.microsoft.com/office/drawing/2014/main" id="{09DA847E-E4FC-4232-9205-FC9051C583A4}"/>
+              </a:ext>
+            </a:extLst>
+          </p:cNvPr>
+          <p:cNvSpPr>
+            <a:spLocks noChangeArrowheads="1"/>
+          </p:cNvSpPr>
+          <p:nvPr/>
+        </p:nvSpPr>
+        <p:spPr bwMode="auto">
+          <a:xfrm>
+            <a:off x="3743297" y="2534853"/>
+            <a:ext cx="334953" cy="315434"/>
+          </a:xfrm>
+          <a:prstGeom prst="rect">
+            <a:avLst/>
+          </a:prstGeom>
+          <a:solidFill>
+            <a:schemeClr val="accent4">
+              <a:lumMod val="75000"/>
+            </a:schemeClr>
+          </a:solidFill>
+          <a:ln>
+            <a:noFill/>
+          </a:ln>
+        </p:spPr>
+        <p:style>
+          <a:lnRef idx="2">
+            <a:schemeClr val="accent1">
+              <a:shade val="50000"/>
+            </a:schemeClr>
+          </a:lnRef>
+          <a:fillRef idx="1">
+            <a:schemeClr val="accent1"/>
+          </a:fillRef>
+          <a:effectRef idx="0">
+            <a:schemeClr val="accent1"/>
+          </a:effectRef>
+          <a:fontRef idx="minor">
+            <a:schemeClr val="lt1"/>
+          </a:fontRef>
+        </p:style>
+        <p:txBody>
+          <a:bodyPr rtlCol="0" anchor="ctr"/>
+          <a:lstStyle/>
+          <a:p>
+            <a:pPr algn="ctr" rtl="0">
+              <a:lnSpc>
+                <a:spcPct val="85000"/>
+              </a:lnSpc>
+              <a:spcBef>
+                <a:spcPct val="20000"/>
+              </a:spcBef>
+            </a:pPr>
+            <a:endParaRPr lang="fr-FR" dirty="0"/>
+          </a:p>
+        </p:txBody>
+      </p:sp>
+      <p:sp>
+        <p:nvSpPr>
+          <p:cNvPr id="6" name="Rectangle 5">
+            <a:extLst>
+              <a:ext uri="{FF2B5EF4-FFF2-40B4-BE49-F238E27FC236}">
+                <a16:creationId xmlns:a16="http://schemas.microsoft.com/office/drawing/2014/main" id="{E14E855D-FCA2-49CB-BE79-7B2DE348BC0D}"/>
+              </a:ext>
+            </a:extLst>
+          </p:cNvPr>
+          <p:cNvSpPr>
+            <a:spLocks noChangeArrowheads="1"/>
+          </p:cNvSpPr>
+          <p:nvPr/>
+        </p:nvSpPr>
+        <p:spPr bwMode="auto">
+          <a:xfrm>
+            <a:off x="3743297" y="2924944"/>
+            <a:ext cx="334953" cy="315434"/>
+          </a:xfrm>
+          <a:prstGeom prst="rect">
+            <a:avLst/>
+          </a:prstGeom>
+          <a:solidFill>
+            <a:srgbClr val="C00000"/>
+          </a:solidFill>
+          <a:ln>
+            <a:noFill/>
+          </a:ln>
+        </p:spPr>
+        <p:style>
+          <a:lnRef idx="2">
+            <a:schemeClr val="accent1">
+              <a:shade val="50000"/>
+            </a:schemeClr>
+          </a:lnRef>
+          <a:fillRef idx="1">
+            <a:schemeClr val="accent1"/>
+          </a:fillRef>
+          <a:effectRef idx="0">
+            <a:schemeClr val="accent1"/>
+          </a:effectRef>
+          <a:fontRef idx="minor">
+            <a:schemeClr val="lt1"/>
+          </a:fontRef>
+        </p:style>
+        <p:txBody>
+          <a:bodyPr rtlCol="0" anchor="ctr"/>
+          <a:lstStyle/>
+          <a:p>
+            <a:pPr algn="ctr" rtl="0">
+              <a:lnSpc>
+                <a:spcPct val="85000"/>
+              </a:lnSpc>
+              <a:spcBef>
+                <a:spcPct val="20000"/>
+              </a:spcBef>
+            </a:pPr>
+            <a:endParaRPr lang="fr-FR" dirty="0"/>
+          </a:p>
+        </p:txBody>
+      </p:sp>
+      <p:sp>
+        <p:nvSpPr>
+          <p:cNvPr id="7" name="ZoneTexte 6">
+            <a:extLst>
+              <a:ext uri="{FF2B5EF4-FFF2-40B4-BE49-F238E27FC236}">
+                <a16:creationId xmlns:a16="http://schemas.microsoft.com/office/drawing/2014/main" id="{86ABF595-8914-490B-87F4-B28F77603753}"/>
+              </a:ext>
+            </a:extLst>
+          </p:cNvPr>
+          <p:cNvSpPr txBox="1"/>
+          <p:nvPr/>
+        </p:nvSpPr>
+        <p:spPr>
+          <a:xfrm>
+            <a:off x="4079776" y="2524438"/>
+            <a:ext cx="1656185" cy="307777"/>
+          </a:xfrm>
+          <a:prstGeom prst="rect">
+            <a:avLst/>
+          </a:prstGeom>
+          <a:noFill/>
+        </p:spPr>
+        <p:txBody>
+          <a:bodyPr wrap="square" rtlCol="0">
+            <a:spAutoFit/>
+          </a:bodyPr>
+          <a:lstStyle/>
+          <a:p>
+            <a:r>
+              <a:rPr lang="en-GB" sz="1400" dirty="0"/>
+              <a:t>Done</a:t>
+            </a:r>
+          </a:p>
+        </p:txBody>
+      </p:sp>
+      <p:sp>
+        <p:nvSpPr>
+          <p:cNvPr id="8" name="ZoneTexte 7">
+            <a:extLst>
+              <a:ext uri="{FF2B5EF4-FFF2-40B4-BE49-F238E27FC236}">
+                <a16:creationId xmlns:a16="http://schemas.microsoft.com/office/drawing/2014/main" id="{64D93088-D6E8-485B-BE29-D12C8D6F40AF}"/>
+              </a:ext>
+            </a:extLst>
+          </p:cNvPr>
+          <p:cNvSpPr txBox="1"/>
+          <p:nvPr/>
+        </p:nvSpPr>
+        <p:spPr>
+          <a:xfrm>
+            <a:off x="4078250" y="2924944"/>
+            <a:ext cx="1105207" cy="307777"/>
+          </a:xfrm>
+          <a:prstGeom prst="rect">
+            <a:avLst/>
+          </a:prstGeom>
+          <a:noFill/>
+        </p:spPr>
+        <p:txBody>
+          <a:bodyPr wrap="square" rtlCol="0">
+            <a:spAutoFit/>
+          </a:bodyPr>
+          <a:lstStyle/>
+          <a:p>
+            <a:r>
+              <a:rPr lang="en-GB" sz="1400" dirty="0"/>
+              <a:t>To improve</a:t>
+            </a:r>
+          </a:p>
+        </p:txBody>
+      </p:sp>
+      <p:sp>
+        <p:nvSpPr>
+          <p:cNvPr id="9" name="ZoneTexte 8">
+            <a:extLst>
+              <a:ext uri="{FF2B5EF4-FFF2-40B4-BE49-F238E27FC236}">
+                <a16:creationId xmlns:a16="http://schemas.microsoft.com/office/drawing/2014/main" id="{F50F7C7B-803D-41F9-AC0A-A038FEB8A22B}"/>
+              </a:ext>
+            </a:extLst>
+          </p:cNvPr>
+          <p:cNvSpPr txBox="1"/>
+          <p:nvPr/>
+        </p:nvSpPr>
+        <p:spPr>
+          <a:xfrm>
+            <a:off x="1775520" y="2531009"/>
+            <a:ext cx="1656185" cy="307777"/>
+          </a:xfrm>
+          <a:prstGeom prst="rect">
+            <a:avLst/>
+          </a:prstGeom>
+          <a:noFill/>
+        </p:spPr>
+        <p:txBody>
+          <a:bodyPr wrap="square" rtlCol="0">
+            <a:spAutoFit/>
+          </a:bodyPr>
+          <a:lstStyle/>
+          <a:p>
+            <a:r>
+              <a:rPr lang="en-GB" sz="1400" dirty="0"/>
+              <a:t>Oral presentation</a:t>
+            </a:r>
+          </a:p>
+        </p:txBody>
+      </p:sp>
+      <p:sp>
+        <p:nvSpPr>
+          <p:cNvPr id="10" name="ZoneTexte 9">
+            <a:extLst>
+              <a:ext uri="{FF2B5EF4-FFF2-40B4-BE49-F238E27FC236}">
+                <a16:creationId xmlns:a16="http://schemas.microsoft.com/office/drawing/2014/main" id="{92F618C4-B2DA-4BB4-B3B9-8807F452090B}"/>
+              </a:ext>
+            </a:extLst>
+          </p:cNvPr>
+          <p:cNvSpPr txBox="1"/>
+          <p:nvPr/>
+        </p:nvSpPr>
+        <p:spPr>
+          <a:xfrm>
+            <a:off x="1775520" y="2924944"/>
+            <a:ext cx="1656185" cy="307777"/>
+          </a:xfrm>
+          <a:prstGeom prst="rect">
+            <a:avLst/>
+          </a:prstGeom>
+          <a:noFill/>
+        </p:spPr>
+        <p:txBody>
+          <a:bodyPr wrap="square" rtlCol="0">
+            <a:spAutoFit/>
+          </a:bodyPr>
+          <a:lstStyle/>
+          <a:p>
+            <a:r>
+              <a:rPr lang="en-GB" sz="1400" dirty="0"/>
+              <a:t>Report</a:t>
+            </a:r>
+          </a:p>
+        </p:txBody>
+      </p:sp>
+    </p:spTree>
+    <p:extLst>
+      <p:ext uri="{BB962C8B-B14F-4D97-AF65-F5344CB8AC3E}">
+        <p14:creationId xmlns:p14="http://schemas.microsoft.com/office/powerpoint/2010/main" val="2418773994"/>
+      </p:ext>
+    </p:extLst>
   </p:cSld>
   <p:clrMapOvr>
     <a:masterClrMapping/>
